--- a/JPGs/Presentation1.pptx
+++ b/JPGs/Presentation1.pptx
@@ -6,47 +6,48 @@
   </p:sldMasterIdLst>
   <p:sldIdLst>
     <p:sldId id="280" r:id="rId2"/>
-    <p:sldId id="281" r:id="rId3"/>
-    <p:sldId id="259" r:id="rId4"/>
-    <p:sldId id="279" r:id="rId5"/>
-    <p:sldId id="282" r:id="rId6"/>
-    <p:sldId id="260" r:id="rId7"/>
-    <p:sldId id="283" r:id="rId8"/>
+    <p:sldId id="328" r:id="rId3"/>
+    <p:sldId id="315" r:id="rId4"/>
+    <p:sldId id="317" r:id="rId5"/>
+    <p:sldId id="314" r:id="rId6"/>
+    <p:sldId id="329" r:id="rId7"/>
+    <p:sldId id="318" r:id="rId8"/>
     <p:sldId id="261" r:id="rId9"/>
-    <p:sldId id="284" r:id="rId10"/>
-    <p:sldId id="285" r:id="rId11"/>
+    <p:sldId id="330" r:id="rId10"/>
+    <p:sldId id="319" r:id="rId11"/>
     <p:sldId id="262" r:id="rId12"/>
     <p:sldId id="265" r:id="rId13"/>
     <p:sldId id="264" r:id="rId14"/>
-    <p:sldId id="286" r:id="rId15"/>
-    <p:sldId id="287" r:id="rId16"/>
+    <p:sldId id="331" r:id="rId15"/>
+    <p:sldId id="320" r:id="rId16"/>
     <p:sldId id="296" r:id="rId17"/>
     <p:sldId id="295" r:id="rId18"/>
     <p:sldId id="293" r:id="rId19"/>
-    <p:sldId id="267" r:id="rId20"/>
-    <p:sldId id="292" r:id="rId21"/>
+    <p:sldId id="332" r:id="rId20"/>
+    <p:sldId id="321" r:id="rId21"/>
     <p:sldId id="277" r:id="rId22"/>
     <p:sldId id="299" r:id="rId23"/>
-    <p:sldId id="298" r:id="rId24"/>
+    <p:sldId id="322" r:id="rId24"/>
     <p:sldId id="275" r:id="rId25"/>
-    <p:sldId id="300" r:id="rId26"/>
-    <p:sldId id="301" r:id="rId27"/>
+    <p:sldId id="333" r:id="rId26"/>
+    <p:sldId id="327" r:id="rId27"/>
     <p:sldId id="269" r:id="rId28"/>
     <p:sldId id="271" r:id="rId29"/>
     <p:sldId id="270" r:id="rId30"/>
-    <p:sldId id="302" r:id="rId31"/>
-    <p:sldId id="303" r:id="rId32"/>
+    <p:sldId id="334" r:id="rId31"/>
+    <p:sldId id="323" r:id="rId32"/>
     <p:sldId id="272" r:id="rId33"/>
     <p:sldId id="274" r:id="rId34"/>
     <p:sldId id="273" r:id="rId35"/>
-    <p:sldId id="304" r:id="rId36"/>
-    <p:sldId id="305" r:id="rId37"/>
+    <p:sldId id="335" r:id="rId36"/>
+    <p:sldId id="324" r:id="rId37"/>
     <p:sldId id="278" r:id="rId38"/>
-    <p:sldId id="306" r:id="rId39"/>
-    <p:sldId id="307" r:id="rId40"/>
+    <p:sldId id="325" r:id="rId39"/>
+    <p:sldId id="306" r:id="rId40"/>
     <p:sldId id="308" r:id="rId41"/>
-    <p:sldId id="309" r:id="rId42"/>
-    <p:sldId id="310" r:id="rId43"/>
+    <p:sldId id="336" r:id="rId42"/>
+    <p:sldId id="326" r:id="rId43"/>
+    <p:sldId id="337" r:id="rId44"/>
   </p:sldIdLst>
   <p:sldSz cx="12192000" cy="6858000"/>
   <p:notesSz cx="6858000" cy="9144000"/>
@@ -151,23 +152,23 @@
         <p14:section name="Opening Screen" id="{2AB4FF29-EFD5-4188-BB9A-C7BFFBDFC75B}">
           <p14:sldIdLst>
             <p14:sldId id="280"/>
-            <p14:sldId id="281"/>
-            <p14:sldId id="259"/>
-            <p14:sldId id="279"/>
+            <p14:sldId id="328"/>
+            <p14:sldId id="315"/>
+            <p14:sldId id="317"/>
           </p14:sldIdLst>
         </p14:section>
         <p14:section name="The Encryption" id="{5EE587A7-EB14-445A-AD2C-405FF6CADF80}">
           <p14:sldIdLst>
-            <p14:sldId id="282"/>
-            <p14:sldId id="260"/>
-            <p14:sldId id="283"/>
+            <p14:sldId id="314"/>
+            <p14:sldId id="329"/>
+            <p14:sldId id="318"/>
           </p14:sldIdLst>
         </p14:section>
         <p14:section name="The Decryption" id="{6663229C-1BFD-41BD-BD36-E5611EDD636E}">
           <p14:sldIdLst>
             <p14:sldId id="261"/>
-            <p14:sldId id="284"/>
-            <p14:sldId id="285"/>
+            <p14:sldId id="330"/>
+            <p14:sldId id="319"/>
           </p14:sldIdLst>
         </p14:section>
         <p14:section name="Decryption -&gt; Name" id="{1941EE27-84E7-41E2-976A-6A2DC9C6421D}">
@@ -175,8 +176,8 @@
             <p14:sldId id="262"/>
             <p14:sldId id="265"/>
             <p14:sldId id="264"/>
-            <p14:sldId id="286"/>
-            <p14:sldId id="287"/>
+            <p14:sldId id="331"/>
+            <p14:sldId id="320"/>
           </p14:sldIdLst>
         </p14:section>
         <p14:section name="Decryption -&gt; Password" id="{0C8ACB9D-D7A3-4ACD-8E7D-38A3EAFEE506}">
@@ -184,22 +185,22 @@
             <p14:sldId id="296"/>
             <p14:sldId id="295"/>
             <p14:sldId id="293"/>
-            <p14:sldId id="267"/>
-            <p14:sldId id="292"/>
+            <p14:sldId id="332"/>
+            <p14:sldId id="321"/>
           </p14:sldIdLst>
         </p14:section>
         <p14:section name="Decryption -&gt; Loading Screen" id="{B11235D2-232F-47F1-B71D-CC42E7897EE6}">
           <p14:sldIdLst>
             <p14:sldId id="277"/>
             <p14:sldId id="299"/>
-            <p14:sldId id="298"/>
+            <p14:sldId id="322"/>
           </p14:sldIdLst>
         </p14:section>
         <p14:section name="Decryption -&gt; File locations" id="{6AA1B42F-C135-4308-8BE6-83E123E322EC}">
           <p14:sldIdLst>
             <p14:sldId id="275"/>
-            <p14:sldId id="300"/>
-            <p14:sldId id="301"/>
+            <p14:sldId id="333"/>
+            <p14:sldId id="327"/>
           </p14:sldIdLst>
         </p14:section>
         <p14:section name="Encryption -&gt; Name" id="{1F0B2F5B-8E1F-47BC-8B62-7B2D85632F37}">
@@ -207,8 +208,8 @@
             <p14:sldId id="269"/>
             <p14:sldId id="271"/>
             <p14:sldId id="270"/>
-            <p14:sldId id="302"/>
-            <p14:sldId id="303"/>
+            <p14:sldId id="334"/>
+            <p14:sldId id="323"/>
           </p14:sldIdLst>
         </p14:section>
         <p14:section name="Encryption -&gt; Password" id="{35115F0D-BFAB-4B38-BAC1-EB2B324C5F43}">
@@ -216,54 +217,49 @@
             <p14:sldId id="272"/>
             <p14:sldId id="274"/>
             <p14:sldId id="273"/>
-            <p14:sldId id="304"/>
-            <p14:sldId id="305"/>
+            <p14:sldId id="335"/>
+            <p14:sldId id="324"/>
           </p14:sldIdLst>
         </p14:section>
         <p14:section name="Encryption -&gt; Loading Screen" id="{B88A0A1D-87D6-4A36-97CA-3CD63EF79547}">
           <p14:sldIdLst>
             <p14:sldId id="278"/>
+            <p14:sldId id="325"/>
             <p14:sldId id="306"/>
-            <p14:sldId id="307"/>
           </p14:sldIdLst>
         </p14:section>
         <p14:section name="Encryption -&gt; File locations" id="{17BA8A60-C43F-4910-A9E5-C7D67FCED886}">
           <p14:sldIdLst>
             <p14:sldId id="308"/>
-            <p14:sldId id="309"/>
-            <p14:sldId id="310"/>
+            <p14:sldId id="336"/>
+            <p14:sldId id="326"/>
+          </p14:sldIdLst>
+        </p14:section>
+        <p14:section name="Letters" id="{A1176EC2-B3EB-4FB1-A825-084FEA719BB1}">
+          <p14:sldIdLst>
+            <p14:sldId id="337"/>
           </p14:sldIdLst>
         </p14:section>
       </p14:sectionLst>
     </p:ext>
     <p:ext uri="{EFAFB233-063F-42B5-8137-9DF3F51BA10A}">
       <p15:sldGuideLst xmlns:p15="http://schemas.microsoft.com/office/powerpoint/2012/main">
-        <p15:guide id="1" pos="5112" userDrawn="1">
+        <p15:guide id="6" orient="horz" pos="4152" userDrawn="1">
           <p15:clr>
             <a:srgbClr val="A4A3A4"/>
           </p15:clr>
         </p15:guide>
-        <p15:guide id="2" pos="2568" userDrawn="1">
+        <p15:guide id="7" pos="936" userDrawn="1">
           <p15:clr>
             <a:srgbClr val="A4A3A4"/>
           </p15:clr>
         </p15:guide>
-        <p15:guide id="3" orient="horz" pos="3336" userDrawn="1">
+        <p15:guide id="8" pos="6744" userDrawn="1">
           <p15:clr>
             <a:srgbClr val="A4A3A4"/>
           </p15:clr>
         </p15:guide>
-        <p15:guide id="4" pos="6120" userDrawn="1">
-          <p15:clr>
-            <a:srgbClr val="A4A3A4"/>
-          </p15:clr>
-        </p15:guide>
-        <p15:guide id="6" orient="horz" pos="840" userDrawn="1">
-          <p15:clr>
-            <a:srgbClr val="A4A3A4"/>
-          </p15:clr>
-        </p15:guide>
-        <p15:guide id="7" orient="horz" pos="3936" userDrawn="1">
+        <p15:guide id="9" orient="horz" pos="3720" userDrawn="1">
           <p15:clr>
             <a:srgbClr val="A4A3A4"/>
           </p15:clr>
@@ -3511,7 +3507,7 @@
         </p:nvSpPr>
         <p:spPr>
           <a:xfrm>
-            <a:off x="-302508" y="4920450"/>
+            <a:off x="-340344" y="4939832"/>
             <a:ext cx="4379208" cy="1015662"/>
           </a:xfrm>
           <a:prstGeom prst="snip2DiagRect">
@@ -3571,7 +3567,7 @@
         </p:nvSpPr>
         <p:spPr>
           <a:xfrm>
-            <a:off x="1" y="4919420"/>
+            <a:off x="-37835" y="4938802"/>
             <a:ext cx="4076700" cy="1015663"/>
           </a:xfrm>
           <a:prstGeom prst="rect">
@@ -3618,7 +3614,7 @@
         </p:nvSpPr>
         <p:spPr>
           <a:xfrm>
-            <a:off x="8115299" y="4919420"/>
+            <a:off x="8153137" y="4938802"/>
             <a:ext cx="4379208" cy="1015662"/>
           </a:xfrm>
           <a:prstGeom prst="snip2DiagRect">
@@ -3678,7 +3674,7 @@
         </p:nvSpPr>
         <p:spPr>
           <a:xfrm>
-            <a:off x="8115299" y="4919420"/>
+            <a:off x="8153137" y="4938802"/>
             <a:ext cx="4076700" cy="1015663"/>
           </a:xfrm>
           <a:prstGeom prst="rect">
@@ -3878,10 +3874,10 @@
       </p:sp>
       <p:sp>
         <p:nvSpPr>
-          <p:cNvPr id="21" name="Rectangle: Diagonal Corners Snipped 20">
-            <a:extLst>
-              <a:ext uri="{FF2B5EF4-FFF2-40B4-BE49-F238E27FC236}">
-                <a16:creationId xmlns:a16="http://schemas.microsoft.com/office/drawing/2014/main" id="{741A35F0-FEF2-4F12-8A3D-FE5F85594A5C}"/>
+          <p:cNvPr id="15" name="Rectangle: Diagonal Corners Snipped 14">
+            <a:extLst>
+              <a:ext uri="{FF2B5EF4-FFF2-40B4-BE49-F238E27FC236}">
+                <a16:creationId xmlns:a16="http://schemas.microsoft.com/office/drawing/2014/main" id="{31397579-A2C2-4CAB-A59F-74DF622D1361}"/>
               </a:ext>
             </a:extLst>
           </p:cNvPr>
@@ -3890,7 +3886,7 @@
         </p:nvSpPr>
         <p:spPr>
           <a:xfrm rot="10800000">
-            <a:off x="-302508" y="5956010"/>
+            <a:off x="-302508" y="5954995"/>
             <a:ext cx="1757927" cy="579598"/>
           </a:xfrm>
           <a:prstGeom prst="snip2DiagRect">
@@ -3938,10 +3934,10 @@
       </p:sp>
       <p:sp>
         <p:nvSpPr>
-          <p:cNvPr id="22" name="TextBox 21">
-            <a:extLst>
-              <a:ext uri="{FF2B5EF4-FFF2-40B4-BE49-F238E27FC236}">
-                <a16:creationId xmlns:a16="http://schemas.microsoft.com/office/drawing/2014/main" id="{8B7D35F3-6ABC-4B2F-B4FF-D6FF6EB49741}"/>
+          <p:cNvPr id="16" name="TextBox 15">
+            <a:extLst>
+              <a:ext uri="{FF2B5EF4-FFF2-40B4-BE49-F238E27FC236}">
+                <a16:creationId xmlns:a16="http://schemas.microsoft.com/office/drawing/2014/main" id="{9E527361-F07E-4186-B88D-26EC9D986D69}"/>
               </a:ext>
             </a:extLst>
           </p:cNvPr>
@@ -3950,7 +3946,7 @@
         </p:nvSpPr>
         <p:spPr>
           <a:xfrm>
-            <a:off x="-223443" y="5956012"/>
+            <a:off x="-223443" y="5954997"/>
             <a:ext cx="1588814" cy="584775"/>
           </a:xfrm>
           <a:prstGeom prst="rect">
@@ -4367,10 +4363,10 @@
       </p:sp>
       <p:sp>
         <p:nvSpPr>
-          <p:cNvPr id="21" name="Rectangle: Diagonal Corners Snipped 20">
-            <a:extLst>
-              <a:ext uri="{FF2B5EF4-FFF2-40B4-BE49-F238E27FC236}">
-                <a16:creationId xmlns:a16="http://schemas.microsoft.com/office/drawing/2014/main" id="{55269FB2-D5C2-4595-A855-AF70120B482D}"/>
+          <p:cNvPr id="10" name="Rectangle: Diagonal Corners Snipped 9">
+            <a:extLst>
+              <a:ext uri="{FF2B5EF4-FFF2-40B4-BE49-F238E27FC236}">
+                <a16:creationId xmlns:a16="http://schemas.microsoft.com/office/drawing/2014/main" id="{3B2BE778-0F8A-49CE-A52A-167A4932E381}"/>
               </a:ext>
             </a:extLst>
           </p:cNvPr>
@@ -4379,7 +4375,7 @@
         </p:nvSpPr>
         <p:spPr>
           <a:xfrm rot="10800000">
-            <a:off x="-302508" y="5948689"/>
+            <a:off x="-302508" y="5954995"/>
             <a:ext cx="1757927" cy="579598"/>
           </a:xfrm>
           <a:prstGeom prst="snip2DiagRect">
@@ -4427,10 +4423,10 @@
       </p:sp>
       <p:sp>
         <p:nvSpPr>
-          <p:cNvPr id="22" name="TextBox 21">
-            <a:extLst>
-              <a:ext uri="{FF2B5EF4-FFF2-40B4-BE49-F238E27FC236}">
-                <a16:creationId xmlns:a16="http://schemas.microsoft.com/office/drawing/2014/main" id="{3BF0ADAB-2E25-4DFE-A509-7CDF1A777D2D}"/>
+          <p:cNvPr id="11" name="TextBox 10">
+            <a:extLst>
+              <a:ext uri="{FF2B5EF4-FFF2-40B4-BE49-F238E27FC236}">
+                <a16:creationId xmlns:a16="http://schemas.microsoft.com/office/drawing/2014/main" id="{F8DAD0C2-D3AD-4E8F-B02C-3231936089B4}"/>
               </a:ext>
             </a:extLst>
           </p:cNvPr>
@@ -4439,7 +4435,7 @@
         </p:nvSpPr>
         <p:spPr>
           <a:xfrm>
-            <a:off x="-223443" y="5948691"/>
+            <a:off x="-223443" y="5954997"/>
             <a:ext cx="1588814" cy="584775"/>
           </a:xfrm>
           <a:prstGeom prst="rect">
@@ -4474,10 +4470,10 @@
       </p:sp>
       <p:sp>
         <p:nvSpPr>
-          <p:cNvPr id="8" name="Rectangle: Diagonal Corners Snipped 7">
-            <a:extLst>
-              <a:ext uri="{FF2B5EF4-FFF2-40B4-BE49-F238E27FC236}">
-                <a16:creationId xmlns:a16="http://schemas.microsoft.com/office/drawing/2014/main" id="{4519259A-A9B7-48EC-8927-CB55A1BAA4E4}"/>
+          <p:cNvPr id="12" name="Rectangle: Diagonal Corners Snipped 11">
+            <a:extLst>
+              <a:ext uri="{FF2B5EF4-FFF2-40B4-BE49-F238E27FC236}">
+                <a16:creationId xmlns:a16="http://schemas.microsoft.com/office/drawing/2014/main" id="{9841CBF8-39F4-4CA8-B29F-0EC1F9947B45}"/>
               </a:ext>
             </a:extLst>
           </p:cNvPr>
@@ -4486,7 +4482,7 @@
         </p:nvSpPr>
         <p:spPr>
           <a:xfrm rot="10800000">
-            <a:off x="10738872" y="5947621"/>
+            <a:off x="10738872" y="5953927"/>
             <a:ext cx="1757927" cy="579598"/>
           </a:xfrm>
           <a:prstGeom prst="snip2DiagRect">
@@ -4502,7 +4498,7 @@
           </a:solidFill>
           <a:ln w="95250">
             <a:solidFill>
-              <a:schemeClr val="bg1"/>
+              <a:srgbClr val="2EEE53"/>
             </a:solidFill>
           </a:ln>
           <a:effectLst/>
@@ -4534,10 +4530,10 @@
       </p:sp>
       <p:sp>
         <p:nvSpPr>
-          <p:cNvPr id="9" name="TextBox 8">
-            <a:extLst>
-              <a:ext uri="{FF2B5EF4-FFF2-40B4-BE49-F238E27FC236}">
-                <a16:creationId xmlns:a16="http://schemas.microsoft.com/office/drawing/2014/main" id="{BB364E21-713D-4C78-89D3-BDDDED17861B}"/>
+          <p:cNvPr id="13" name="TextBox 12">
+            <a:extLst>
+              <a:ext uri="{FF2B5EF4-FFF2-40B4-BE49-F238E27FC236}">
+                <a16:creationId xmlns:a16="http://schemas.microsoft.com/office/drawing/2014/main" id="{F996EC19-C304-43F3-9DF5-2EB13CDA4AFD}"/>
               </a:ext>
             </a:extLst>
           </p:cNvPr>
@@ -4546,7 +4542,7 @@
         </p:nvSpPr>
         <p:spPr>
           <a:xfrm>
-            <a:off x="10817937" y="5947623"/>
+            <a:off x="10817937" y="5953929"/>
             <a:ext cx="1588814" cy="584775"/>
           </a:xfrm>
           <a:prstGeom prst="rect">
@@ -4562,7 +4558,7 @@
           <a:p>
             <a:pPr algn="ctr"/>
             <a:r>
-              <a:rPr lang="en-US" sz="3200" u="sng" spc="300" dirty="0">
+              <a:rPr lang="en-US" sz="3200" spc="300" dirty="0">
                 <a:solidFill>
                   <a:srgbClr val="2EEE53"/>
                 </a:solidFill>
@@ -4570,7 +4566,7 @@
               </a:rPr>
               <a:t>Next</a:t>
             </a:r>
-            <a:endParaRPr lang="en-US" sz="8000" u="sng" spc="300" dirty="0">
+            <a:endParaRPr lang="en-US" sz="8000" spc="300" dirty="0">
               <a:solidFill>
                 <a:srgbClr val="2EEE53"/>
               </a:solidFill>
@@ -4582,7 +4578,7 @@
     </p:spTree>
     <p:extLst>
       <p:ext uri="{BB962C8B-B14F-4D97-AF65-F5344CB8AC3E}">
-        <p14:creationId xmlns:p14="http://schemas.microsoft.com/office/powerpoint/2010/main" val="3868934383"/>
+        <p14:creationId xmlns:p14="http://schemas.microsoft.com/office/powerpoint/2010/main" val="1385609727"/>
       </p:ext>
     </p:extLst>
   </p:cSld>
@@ -5686,10 +5682,10 @@
       </p:sp>
       <p:sp>
         <p:nvSpPr>
-          <p:cNvPr id="21" name="Rectangle: Diagonal Corners Snipped 20">
-            <a:extLst>
-              <a:ext uri="{FF2B5EF4-FFF2-40B4-BE49-F238E27FC236}">
-                <a16:creationId xmlns:a16="http://schemas.microsoft.com/office/drawing/2014/main" id="{55269FB2-D5C2-4595-A855-AF70120B482D}"/>
+          <p:cNvPr id="10" name="Rectangle: Diagonal Corners Snipped 9">
+            <a:extLst>
+              <a:ext uri="{FF2B5EF4-FFF2-40B4-BE49-F238E27FC236}">
+                <a16:creationId xmlns:a16="http://schemas.microsoft.com/office/drawing/2014/main" id="{38CC4ACF-D560-40F8-A20D-2FDD56135742}"/>
               </a:ext>
             </a:extLst>
           </p:cNvPr>
@@ -5698,7 +5694,7 @@
         </p:nvSpPr>
         <p:spPr>
           <a:xfrm rot="10800000">
-            <a:off x="-302508" y="5948689"/>
+            <a:off x="-302508" y="5954995"/>
             <a:ext cx="1757927" cy="579598"/>
           </a:xfrm>
           <a:prstGeom prst="snip2DiagRect">
@@ -5746,10 +5742,10 @@
       </p:sp>
       <p:sp>
         <p:nvSpPr>
-          <p:cNvPr id="22" name="TextBox 21">
-            <a:extLst>
-              <a:ext uri="{FF2B5EF4-FFF2-40B4-BE49-F238E27FC236}">
-                <a16:creationId xmlns:a16="http://schemas.microsoft.com/office/drawing/2014/main" id="{3BF0ADAB-2E25-4DFE-A509-7CDF1A777D2D}"/>
+          <p:cNvPr id="11" name="TextBox 10">
+            <a:extLst>
+              <a:ext uri="{FF2B5EF4-FFF2-40B4-BE49-F238E27FC236}">
+                <a16:creationId xmlns:a16="http://schemas.microsoft.com/office/drawing/2014/main" id="{5A35A74E-9A84-4018-98B4-42F19BAA152C}"/>
               </a:ext>
             </a:extLst>
           </p:cNvPr>
@@ -5758,7 +5754,7 @@
         </p:nvSpPr>
         <p:spPr>
           <a:xfrm>
-            <a:off x="-223443" y="5948691"/>
+            <a:off x="-223443" y="5954997"/>
             <a:ext cx="1588814" cy="584775"/>
           </a:xfrm>
           <a:prstGeom prst="rect">
@@ -5793,10 +5789,10 @@
       </p:sp>
       <p:sp>
         <p:nvSpPr>
-          <p:cNvPr id="8" name="Rectangle: Diagonal Corners Snipped 7">
-            <a:extLst>
-              <a:ext uri="{FF2B5EF4-FFF2-40B4-BE49-F238E27FC236}">
-                <a16:creationId xmlns:a16="http://schemas.microsoft.com/office/drawing/2014/main" id="{D11E828C-60B3-4C95-9A1F-6A7A2091F460}"/>
+          <p:cNvPr id="12" name="Rectangle: Diagonal Corners Snipped 11">
+            <a:extLst>
+              <a:ext uri="{FF2B5EF4-FFF2-40B4-BE49-F238E27FC236}">
+                <a16:creationId xmlns:a16="http://schemas.microsoft.com/office/drawing/2014/main" id="{C467A28B-34E8-4B6A-8181-08A7A7550DC9}"/>
               </a:ext>
             </a:extLst>
           </p:cNvPr>
@@ -5805,7 +5801,7 @@
         </p:nvSpPr>
         <p:spPr>
           <a:xfrm rot="10800000">
-            <a:off x="10738872" y="5947621"/>
+            <a:off x="10738872" y="5953927"/>
             <a:ext cx="1757927" cy="579598"/>
           </a:xfrm>
           <a:prstGeom prst="snip2DiagRect">
@@ -5853,10 +5849,10 @@
       </p:sp>
       <p:sp>
         <p:nvSpPr>
-          <p:cNvPr id="9" name="TextBox 8">
-            <a:extLst>
-              <a:ext uri="{FF2B5EF4-FFF2-40B4-BE49-F238E27FC236}">
-                <a16:creationId xmlns:a16="http://schemas.microsoft.com/office/drawing/2014/main" id="{14B2AACE-269F-4FD5-907E-F3A451CE5443}"/>
+          <p:cNvPr id="13" name="TextBox 12">
+            <a:extLst>
+              <a:ext uri="{FF2B5EF4-FFF2-40B4-BE49-F238E27FC236}">
+                <a16:creationId xmlns:a16="http://schemas.microsoft.com/office/drawing/2014/main" id="{85E148CF-F090-49B2-9A7B-3BF414A2A299}"/>
               </a:ext>
             </a:extLst>
           </p:cNvPr>
@@ -5865,7 +5861,7 @@
         </p:nvSpPr>
         <p:spPr>
           <a:xfrm>
-            <a:off x="10817937" y="5947623"/>
+            <a:off x="10817937" y="5953929"/>
             <a:ext cx="1588814" cy="584775"/>
           </a:xfrm>
           <a:prstGeom prst="rect">
@@ -6261,10 +6257,10 @@
       </p:sp>
       <p:sp>
         <p:nvSpPr>
-          <p:cNvPr id="21" name="Rectangle: Diagonal Corners Snipped 20">
-            <a:extLst>
-              <a:ext uri="{FF2B5EF4-FFF2-40B4-BE49-F238E27FC236}">
-                <a16:creationId xmlns:a16="http://schemas.microsoft.com/office/drawing/2014/main" id="{55269FB2-D5C2-4595-A855-AF70120B482D}"/>
+          <p:cNvPr id="10" name="Rectangle: Diagonal Corners Snipped 9">
+            <a:extLst>
+              <a:ext uri="{FF2B5EF4-FFF2-40B4-BE49-F238E27FC236}">
+                <a16:creationId xmlns:a16="http://schemas.microsoft.com/office/drawing/2014/main" id="{38CC4ACF-D560-40F8-A20D-2FDD56135742}"/>
               </a:ext>
             </a:extLst>
           </p:cNvPr>
@@ -6273,7 +6269,114 @@
         </p:nvSpPr>
         <p:spPr>
           <a:xfrm rot="10800000">
-            <a:off x="-302508" y="5948689"/>
+            <a:off x="-302508" y="5954995"/>
+            <a:ext cx="1757927" cy="579598"/>
+          </a:xfrm>
+          <a:prstGeom prst="snip2DiagRect">
+            <a:avLst>
+              <a:gd name="adj1" fmla="val 50000"/>
+              <a:gd name="adj2" fmla="val 0"/>
+            </a:avLst>
+          </a:prstGeom>
+          <a:solidFill>
+            <a:schemeClr val="tx1">
+              <a:alpha val="60000"/>
+            </a:schemeClr>
+          </a:solidFill>
+          <a:ln w="95250">
+            <a:solidFill>
+              <a:srgbClr val="C00000"/>
+            </a:solidFill>
+          </a:ln>
+          <a:effectLst/>
+        </p:spPr>
+        <p:style>
+          <a:lnRef idx="2">
+            <a:schemeClr val="accent1">
+              <a:shade val="50000"/>
+            </a:schemeClr>
+          </a:lnRef>
+          <a:fillRef idx="1">
+            <a:schemeClr val="accent1"/>
+          </a:fillRef>
+          <a:effectRef idx="0">
+            <a:schemeClr val="accent1"/>
+          </a:effectRef>
+          <a:fontRef idx="minor">
+            <a:schemeClr val="lt1"/>
+          </a:fontRef>
+        </p:style>
+        <p:txBody>
+          <a:bodyPr rtlCol="0" anchor="ctr"/>
+          <a:lstStyle/>
+          <a:p>
+            <a:pPr algn="ctr"/>
+            <a:endParaRPr lang="en-US" dirty="0"/>
+          </a:p>
+        </p:txBody>
+      </p:sp>
+      <p:sp>
+        <p:nvSpPr>
+          <p:cNvPr id="11" name="TextBox 10">
+            <a:extLst>
+              <a:ext uri="{FF2B5EF4-FFF2-40B4-BE49-F238E27FC236}">
+                <a16:creationId xmlns:a16="http://schemas.microsoft.com/office/drawing/2014/main" id="{5A35A74E-9A84-4018-98B4-42F19BAA152C}"/>
+              </a:ext>
+            </a:extLst>
+          </p:cNvPr>
+          <p:cNvSpPr txBox="1"/>
+          <p:nvPr/>
+        </p:nvSpPr>
+        <p:spPr>
+          <a:xfrm>
+            <a:off x="-223443" y="5954997"/>
+            <a:ext cx="1588814" cy="584775"/>
+          </a:xfrm>
+          <a:prstGeom prst="rect">
+            <a:avLst/>
+          </a:prstGeom>
+          <a:noFill/>
+        </p:spPr>
+        <p:txBody>
+          <a:bodyPr wrap="square" rtlCol="0">
+            <a:spAutoFit/>
+          </a:bodyPr>
+          <a:lstStyle/>
+          <a:p>
+            <a:pPr algn="ctr"/>
+            <a:r>
+              <a:rPr lang="en-US" sz="3200" spc="300" dirty="0">
+                <a:solidFill>
+                  <a:srgbClr val="C00000"/>
+                </a:solidFill>
+                <a:latin typeface="Impact" panose="020B0806030902050204" pitchFamily="34" charset="0"/>
+              </a:rPr>
+              <a:t>Back</a:t>
+            </a:r>
+            <a:endParaRPr lang="en-US" sz="8000" spc="300" dirty="0">
+              <a:solidFill>
+                <a:srgbClr val="C00000"/>
+              </a:solidFill>
+              <a:latin typeface="Impact" panose="020B0806030902050204" pitchFamily="34" charset="0"/>
+            </a:endParaRPr>
+          </a:p>
+        </p:txBody>
+      </p:sp>
+      <p:sp>
+        <p:nvSpPr>
+          <p:cNvPr id="12" name="Rectangle: Diagonal Corners Snipped 11">
+            <a:extLst>
+              <a:ext uri="{FF2B5EF4-FFF2-40B4-BE49-F238E27FC236}">
+                <a16:creationId xmlns:a16="http://schemas.microsoft.com/office/drawing/2014/main" id="{C467A28B-34E8-4B6A-8181-08A7A7550DC9}"/>
+              </a:ext>
+            </a:extLst>
+          </p:cNvPr>
+          <p:cNvSpPr/>
+          <p:nvPr/>
+        </p:nvSpPr>
+        <p:spPr>
+          <a:xfrm rot="10800000">
+            <a:off x="10738872" y="5953927"/>
             <a:ext cx="1757927" cy="579598"/>
           </a:xfrm>
           <a:prstGeom prst="snip2DiagRect">
@@ -6321,10 +6424,10 @@
       </p:sp>
       <p:sp>
         <p:nvSpPr>
-          <p:cNvPr id="22" name="TextBox 21">
-            <a:extLst>
-              <a:ext uri="{FF2B5EF4-FFF2-40B4-BE49-F238E27FC236}">
-                <a16:creationId xmlns:a16="http://schemas.microsoft.com/office/drawing/2014/main" id="{3BF0ADAB-2E25-4DFE-A509-7CDF1A777D2D}"/>
+          <p:cNvPr id="13" name="TextBox 12">
+            <a:extLst>
+              <a:ext uri="{FF2B5EF4-FFF2-40B4-BE49-F238E27FC236}">
+                <a16:creationId xmlns:a16="http://schemas.microsoft.com/office/drawing/2014/main" id="{85E148CF-F090-49B2-9A7B-3BF414A2A299}"/>
               </a:ext>
             </a:extLst>
           </p:cNvPr>
@@ -6333,114 +6436,7 @@
         </p:nvSpPr>
         <p:spPr>
           <a:xfrm>
-            <a:off x="-223443" y="5948691"/>
-            <a:ext cx="1588814" cy="584775"/>
-          </a:xfrm>
-          <a:prstGeom prst="rect">
-            <a:avLst/>
-          </a:prstGeom>
-          <a:noFill/>
-        </p:spPr>
-        <p:txBody>
-          <a:bodyPr wrap="square" rtlCol="0">
-            <a:spAutoFit/>
-          </a:bodyPr>
-          <a:lstStyle/>
-          <a:p>
-            <a:pPr algn="ctr"/>
-            <a:r>
-              <a:rPr lang="en-US" sz="3200" u="sng" spc="300" dirty="0">
-                <a:solidFill>
-                  <a:srgbClr val="C00000"/>
-                </a:solidFill>
-                <a:latin typeface="Impact" panose="020B0806030902050204" pitchFamily="34" charset="0"/>
-              </a:rPr>
-              <a:t>Back</a:t>
-            </a:r>
-            <a:endParaRPr lang="en-US" sz="8000" u="sng" spc="300" dirty="0">
-              <a:solidFill>
-                <a:srgbClr val="C00000"/>
-              </a:solidFill>
-              <a:latin typeface="Impact" panose="020B0806030902050204" pitchFamily="34" charset="0"/>
-            </a:endParaRPr>
-          </a:p>
-        </p:txBody>
-      </p:sp>
-      <p:sp>
-        <p:nvSpPr>
-          <p:cNvPr id="8" name="Rectangle: Diagonal Corners Snipped 7">
-            <a:extLst>
-              <a:ext uri="{FF2B5EF4-FFF2-40B4-BE49-F238E27FC236}">
-                <a16:creationId xmlns:a16="http://schemas.microsoft.com/office/drawing/2014/main" id="{D11E828C-60B3-4C95-9A1F-6A7A2091F460}"/>
-              </a:ext>
-            </a:extLst>
-          </p:cNvPr>
-          <p:cNvSpPr/>
-          <p:nvPr/>
-        </p:nvSpPr>
-        <p:spPr>
-          <a:xfrm rot="10800000">
-            <a:off x="10738872" y="5947621"/>
-            <a:ext cx="1757927" cy="579598"/>
-          </a:xfrm>
-          <a:prstGeom prst="snip2DiagRect">
-            <a:avLst>
-              <a:gd name="adj1" fmla="val 50000"/>
-              <a:gd name="adj2" fmla="val 0"/>
-            </a:avLst>
-          </a:prstGeom>
-          <a:solidFill>
-            <a:schemeClr val="tx1">
-              <a:alpha val="60000"/>
-            </a:schemeClr>
-          </a:solidFill>
-          <a:ln w="95250">
-            <a:solidFill>
-              <a:schemeClr val="bg1"/>
-            </a:solidFill>
-          </a:ln>
-          <a:effectLst/>
-        </p:spPr>
-        <p:style>
-          <a:lnRef idx="2">
-            <a:schemeClr val="accent1">
-              <a:shade val="50000"/>
-            </a:schemeClr>
-          </a:lnRef>
-          <a:fillRef idx="1">
-            <a:schemeClr val="accent1"/>
-          </a:fillRef>
-          <a:effectRef idx="0">
-            <a:schemeClr val="accent1"/>
-          </a:effectRef>
-          <a:fontRef idx="minor">
-            <a:schemeClr val="lt1"/>
-          </a:fontRef>
-        </p:style>
-        <p:txBody>
-          <a:bodyPr rtlCol="0" anchor="ctr"/>
-          <a:lstStyle/>
-          <a:p>
-            <a:pPr algn="ctr"/>
-            <a:endParaRPr lang="en-US" dirty="0"/>
-          </a:p>
-        </p:txBody>
-      </p:sp>
-      <p:sp>
-        <p:nvSpPr>
-          <p:cNvPr id="9" name="TextBox 8">
-            <a:extLst>
-              <a:ext uri="{FF2B5EF4-FFF2-40B4-BE49-F238E27FC236}">
-                <a16:creationId xmlns:a16="http://schemas.microsoft.com/office/drawing/2014/main" id="{14B2AACE-269F-4FD5-907E-F3A451CE5443}"/>
-              </a:ext>
-            </a:extLst>
-          </p:cNvPr>
-          <p:cNvSpPr txBox="1"/>
-          <p:nvPr/>
-        </p:nvSpPr>
-        <p:spPr>
-          <a:xfrm>
-            <a:off x="10817937" y="5947623"/>
+            <a:off x="10817937" y="5953929"/>
             <a:ext cx="1588814" cy="584775"/>
           </a:xfrm>
           <a:prstGeom prst="rect">
@@ -6476,7 +6472,7 @@
     </p:spTree>
     <p:extLst>
       <p:ext uri="{BB962C8B-B14F-4D97-AF65-F5344CB8AC3E}">
-        <p14:creationId xmlns:p14="http://schemas.microsoft.com/office/powerpoint/2010/main" val="182694182"/>
+        <p14:creationId xmlns:p14="http://schemas.microsoft.com/office/powerpoint/2010/main" val="4096630614"/>
       </p:ext>
     </p:extLst>
   </p:cSld>
@@ -6836,10 +6832,10 @@
       </p:sp>
       <p:sp>
         <p:nvSpPr>
-          <p:cNvPr id="21" name="Rectangle: Diagonal Corners Snipped 20">
-            <a:extLst>
-              <a:ext uri="{FF2B5EF4-FFF2-40B4-BE49-F238E27FC236}">
-                <a16:creationId xmlns:a16="http://schemas.microsoft.com/office/drawing/2014/main" id="{55269FB2-D5C2-4595-A855-AF70120B482D}"/>
+          <p:cNvPr id="10" name="Rectangle: Diagonal Corners Snipped 9">
+            <a:extLst>
+              <a:ext uri="{FF2B5EF4-FFF2-40B4-BE49-F238E27FC236}">
+                <a16:creationId xmlns:a16="http://schemas.microsoft.com/office/drawing/2014/main" id="{38CC4ACF-D560-40F8-A20D-2FDD56135742}"/>
               </a:ext>
             </a:extLst>
           </p:cNvPr>
@@ -6848,7 +6844,7 @@
         </p:nvSpPr>
         <p:spPr>
           <a:xfrm rot="10800000">
-            <a:off x="-302508" y="5948689"/>
+            <a:off x="-302508" y="5954995"/>
             <a:ext cx="1757927" cy="579598"/>
           </a:xfrm>
           <a:prstGeom prst="snip2DiagRect">
@@ -6896,10 +6892,10 @@
       </p:sp>
       <p:sp>
         <p:nvSpPr>
-          <p:cNvPr id="22" name="TextBox 21">
-            <a:extLst>
-              <a:ext uri="{FF2B5EF4-FFF2-40B4-BE49-F238E27FC236}">
-                <a16:creationId xmlns:a16="http://schemas.microsoft.com/office/drawing/2014/main" id="{3BF0ADAB-2E25-4DFE-A509-7CDF1A777D2D}"/>
+          <p:cNvPr id="11" name="TextBox 10">
+            <a:extLst>
+              <a:ext uri="{FF2B5EF4-FFF2-40B4-BE49-F238E27FC236}">
+                <a16:creationId xmlns:a16="http://schemas.microsoft.com/office/drawing/2014/main" id="{5A35A74E-9A84-4018-98B4-42F19BAA152C}"/>
               </a:ext>
             </a:extLst>
           </p:cNvPr>
@@ -6908,7 +6904,7 @@
         </p:nvSpPr>
         <p:spPr>
           <a:xfrm>
-            <a:off x="-223443" y="5948691"/>
+            <a:off x="-223443" y="5954997"/>
             <a:ext cx="1588814" cy="584775"/>
           </a:xfrm>
           <a:prstGeom prst="rect">
@@ -6943,10 +6939,10 @@
       </p:sp>
       <p:sp>
         <p:nvSpPr>
-          <p:cNvPr id="8" name="Rectangle: Diagonal Corners Snipped 7">
-            <a:extLst>
-              <a:ext uri="{FF2B5EF4-FFF2-40B4-BE49-F238E27FC236}">
-                <a16:creationId xmlns:a16="http://schemas.microsoft.com/office/drawing/2014/main" id="{D11E828C-60B3-4C95-9A1F-6A7A2091F460}"/>
+          <p:cNvPr id="12" name="Rectangle: Diagonal Corners Snipped 11">
+            <a:extLst>
+              <a:ext uri="{FF2B5EF4-FFF2-40B4-BE49-F238E27FC236}">
+                <a16:creationId xmlns:a16="http://schemas.microsoft.com/office/drawing/2014/main" id="{C467A28B-34E8-4B6A-8181-08A7A7550DC9}"/>
               </a:ext>
             </a:extLst>
           </p:cNvPr>
@@ -6955,7 +6951,7 @@
         </p:nvSpPr>
         <p:spPr>
           <a:xfrm rot="10800000">
-            <a:off x="10738872" y="5947621"/>
+            <a:off x="10738872" y="5953927"/>
             <a:ext cx="1757927" cy="579598"/>
           </a:xfrm>
           <a:prstGeom prst="snip2DiagRect">
@@ -6971,7 +6967,7 @@
           </a:solidFill>
           <a:ln w="95250">
             <a:solidFill>
-              <a:schemeClr val="bg1"/>
+              <a:srgbClr val="2EEE53"/>
             </a:solidFill>
           </a:ln>
           <a:effectLst/>
@@ -7003,10 +6999,10 @@
       </p:sp>
       <p:sp>
         <p:nvSpPr>
-          <p:cNvPr id="9" name="TextBox 8">
-            <a:extLst>
-              <a:ext uri="{FF2B5EF4-FFF2-40B4-BE49-F238E27FC236}">
-                <a16:creationId xmlns:a16="http://schemas.microsoft.com/office/drawing/2014/main" id="{14B2AACE-269F-4FD5-907E-F3A451CE5443}"/>
+          <p:cNvPr id="13" name="TextBox 12">
+            <a:extLst>
+              <a:ext uri="{FF2B5EF4-FFF2-40B4-BE49-F238E27FC236}">
+                <a16:creationId xmlns:a16="http://schemas.microsoft.com/office/drawing/2014/main" id="{85E148CF-F090-49B2-9A7B-3BF414A2A299}"/>
               </a:ext>
             </a:extLst>
           </p:cNvPr>
@@ -7015,7 +7011,7 @@
         </p:nvSpPr>
         <p:spPr>
           <a:xfrm>
-            <a:off x="10817937" y="5947623"/>
+            <a:off x="10817937" y="5953929"/>
             <a:ext cx="1588814" cy="584775"/>
           </a:xfrm>
           <a:prstGeom prst="rect">
@@ -7031,7 +7027,7 @@
           <a:p>
             <a:pPr algn="ctr"/>
             <a:r>
-              <a:rPr lang="en-US" sz="3200" u="sng" spc="300" dirty="0">
+              <a:rPr lang="en-US" sz="3200" spc="300" dirty="0">
                 <a:solidFill>
                   <a:srgbClr val="2EEE53"/>
                 </a:solidFill>
@@ -7039,7 +7035,7 @@
               </a:rPr>
               <a:t>Next</a:t>
             </a:r>
-            <a:endParaRPr lang="en-US" sz="8000" u="sng" spc="300" dirty="0">
+            <a:endParaRPr lang="en-US" sz="8000" spc="300" dirty="0">
               <a:solidFill>
                 <a:srgbClr val="2EEE53"/>
               </a:solidFill>
@@ -7051,7 +7047,7 @@
     </p:spTree>
     <p:extLst>
       <p:ext uri="{BB962C8B-B14F-4D97-AF65-F5344CB8AC3E}">
-        <p14:creationId xmlns:p14="http://schemas.microsoft.com/office/powerpoint/2010/main" val="1498618879"/>
+        <p14:creationId xmlns:p14="http://schemas.microsoft.com/office/powerpoint/2010/main" val="248138516"/>
       </p:ext>
     </p:extLst>
   </p:cSld>
@@ -8106,10 +8102,10 @@
       </p:sp>
       <p:sp>
         <p:nvSpPr>
-          <p:cNvPr id="21" name="Rectangle: Diagonal Corners Snipped 20">
-            <a:extLst>
-              <a:ext uri="{FF2B5EF4-FFF2-40B4-BE49-F238E27FC236}">
-                <a16:creationId xmlns:a16="http://schemas.microsoft.com/office/drawing/2014/main" id="{55269FB2-D5C2-4595-A855-AF70120B482D}"/>
+          <p:cNvPr id="12" name="Rectangle: Diagonal Corners Snipped 11">
+            <a:extLst>
+              <a:ext uri="{FF2B5EF4-FFF2-40B4-BE49-F238E27FC236}">
+                <a16:creationId xmlns:a16="http://schemas.microsoft.com/office/drawing/2014/main" id="{1E9D0E4C-4494-4AA3-BA63-B060FA2BB966}"/>
               </a:ext>
             </a:extLst>
           </p:cNvPr>
@@ -8118,7 +8114,7 @@
         </p:nvSpPr>
         <p:spPr>
           <a:xfrm rot="10800000">
-            <a:off x="-302508" y="5948689"/>
+            <a:off x="-302508" y="5954995"/>
             <a:ext cx="1757927" cy="579598"/>
           </a:xfrm>
           <a:prstGeom prst="snip2DiagRect">
@@ -8166,10 +8162,10 @@
       </p:sp>
       <p:sp>
         <p:nvSpPr>
-          <p:cNvPr id="22" name="TextBox 21">
-            <a:extLst>
-              <a:ext uri="{FF2B5EF4-FFF2-40B4-BE49-F238E27FC236}">
-                <a16:creationId xmlns:a16="http://schemas.microsoft.com/office/drawing/2014/main" id="{3BF0ADAB-2E25-4DFE-A509-7CDF1A777D2D}"/>
+          <p:cNvPr id="13" name="TextBox 12">
+            <a:extLst>
+              <a:ext uri="{FF2B5EF4-FFF2-40B4-BE49-F238E27FC236}">
+                <a16:creationId xmlns:a16="http://schemas.microsoft.com/office/drawing/2014/main" id="{6B2DD9F8-0238-47D1-B9D5-08E4518D2E28}"/>
               </a:ext>
             </a:extLst>
           </p:cNvPr>
@@ -8178,7 +8174,7 @@
         </p:nvSpPr>
         <p:spPr>
           <a:xfrm>
-            <a:off x="-223443" y="5948691"/>
+            <a:off x="-223443" y="5954997"/>
             <a:ext cx="1588814" cy="584775"/>
           </a:xfrm>
           <a:prstGeom prst="rect">
@@ -8213,10 +8209,10 @@
       </p:sp>
       <p:sp>
         <p:nvSpPr>
-          <p:cNvPr id="10" name="Rectangle: Diagonal Corners Snipped 9">
-            <a:extLst>
-              <a:ext uri="{FF2B5EF4-FFF2-40B4-BE49-F238E27FC236}">
-                <a16:creationId xmlns:a16="http://schemas.microsoft.com/office/drawing/2014/main" id="{53B7CC88-4C5D-4A0E-9BCF-617CFBD05F41}"/>
+          <p:cNvPr id="14" name="Rectangle: Diagonal Corners Snipped 13">
+            <a:extLst>
+              <a:ext uri="{FF2B5EF4-FFF2-40B4-BE49-F238E27FC236}">
+                <a16:creationId xmlns:a16="http://schemas.microsoft.com/office/drawing/2014/main" id="{DBBFFEEE-8739-45B4-89EF-360B99A3919F}"/>
               </a:ext>
             </a:extLst>
           </p:cNvPr>
@@ -8225,7 +8221,7 @@
         </p:nvSpPr>
         <p:spPr>
           <a:xfrm rot="10800000">
-            <a:off x="10738872" y="5947621"/>
+            <a:off x="10738872" y="5953927"/>
             <a:ext cx="1757927" cy="579598"/>
           </a:xfrm>
           <a:prstGeom prst="snip2DiagRect">
@@ -8273,10 +8269,10 @@
       </p:sp>
       <p:sp>
         <p:nvSpPr>
-          <p:cNvPr id="11" name="TextBox 10">
-            <a:extLst>
-              <a:ext uri="{FF2B5EF4-FFF2-40B4-BE49-F238E27FC236}">
-                <a16:creationId xmlns:a16="http://schemas.microsoft.com/office/drawing/2014/main" id="{60035FEB-C8BD-4EDD-9B1E-9A87F81EBBCE}"/>
+          <p:cNvPr id="17" name="TextBox 16">
+            <a:extLst>
+              <a:ext uri="{FF2B5EF4-FFF2-40B4-BE49-F238E27FC236}">
+                <a16:creationId xmlns:a16="http://schemas.microsoft.com/office/drawing/2014/main" id="{2DD2F00B-94BA-4D04-A8F0-778C0C23B0A3}"/>
               </a:ext>
             </a:extLst>
           </p:cNvPr>
@@ -8285,7 +8281,7 @@
         </p:nvSpPr>
         <p:spPr>
           <a:xfrm>
-            <a:off x="10817937" y="5947623"/>
+            <a:off x="10817937" y="5953929"/>
             <a:ext cx="1588814" cy="584775"/>
           </a:xfrm>
           <a:prstGeom prst="rect">
@@ -8666,10 +8662,10 @@
       </p:sp>
       <p:sp>
         <p:nvSpPr>
-          <p:cNvPr id="21" name="Rectangle: Diagonal Corners Snipped 20">
-            <a:extLst>
-              <a:ext uri="{FF2B5EF4-FFF2-40B4-BE49-F238E27FC236}">
-                <a16:creationId xmlns:a16="http://schemas.microsoft.com/office/drawing/2014/main" id="{55269FB2-D5C2-4595-A855-AF70120B482D}"/>
+          <p:cNvPr id="12" name="Rectangle: Diagonal Corners Snipped 11">
+            <a:extLst>
+              <a:ext uri="{FF2B5EF4-FFF2-40B4-BE49-F238E27FC236}">
+                <a16:creationId xmlns:a16="http://schemas.microsoft.com/office/drawing/2014/main" id="{1E9D0E4C-4494-4AA3-BA63-B060FA2BB966}"/>
               </a:ext>
             </a:extLst>
           </p:cNvPr>
@@ -8678,7 +8674,114 @@
         </p:nvSpPr>
         <p:spPr>
           <a:xfrm rot="10800000">
-            <a:off x="-302508" y="5948689"/>
+            <a:off x="-302508" y="5954995"/>
+            <a:ext cx="1757927" cy="579598"/>
+          </a:xfrm>
+          <a:prstGeom prst="snip2DiagRect">
+            <a:avLst>
+              <a:gd name="adj1" fmla="val 50000"/>
+              <a:gd name="adj2" fmla="val 0"/>
+            </a:avLst>
+          </a:prstGeom>
+          <a:solidFill>
+            <a:schemeClr val="tx1">
+              <a:alpha val="60000"/>
+            </a:schemeClr>
+          </a:solidFill>
+          <a:ln w="95250">
+            <a:solidFill>
+              <a:srgbClr val="C00000"/>
+            </a:solidFill>
+          </a:ln>
+          <a:effectLst/>
+        </p:spPr>
+        <p:style>
+          <a:lnRef idx="2">
+            <a:schemeClr val="accent1">
+              <a:shade val="50000"/>
+            </a:schemeClr>
+          </a:lnRef>
+          <a:fillRef idx="1">
+            <a:schemeClr val="accent1"/>
+          </a:fillRef>
+          <a:effectRef idx="0">
+            <a:schemeClr val="accent1"/>
+          </a:effectRef>
+          <a:fontRef idx="minor">
+            <a:schemeClr val="lt1"/>
+          </a:fontRef>
+        </p:style>
+        <p:txBody>
+          <a:bodyPr rtlCol="0" anchor="ctr"/>
+          <a:lstStyle/>
+          <a:p>
+            <a:pPr algn="ctr"/>
+            <a:endParaRPr lang="en-US" dirty="0"/>
+          </a:p>
+        </p:txBody>
+      </p:sp>
+      <p:sp>
+        <p:nvSpPr>
+          <p:cNvPr id="13" name="TextBox 12">
+            <a:extLst>
+              <a:ext uri="{FF2B5EF4-FFF2-40B4-BE49-F238E27FC236}">
+                <a16:creationId xmlns:a16="http://schemas.microsoft.com/office/drawing/2014/main" id="{6B2DD9F8-0238-47D1-B9D5-08E4518D2E28}"/>
+              </a:ext>
+            </a:extLst>
+          </p:cNvPr>
+          <p:cNvSpPr txBox="1"/>
+          <p:nvPr/>
+        </p:nvSpPr>
+        <p:spPr>
+          <a:xfrm>
+            <a:off x="-223443" y="5954997"/>
+            <a:ext cx="1588814" cy="584775"/>
+          </a:xfrm>
+          <a:prstGeom prst="rect">
+            <a:avLst/>
+          </a:prstGeom>
+          <a:noFill/>
+        </p:spPr>
+        <p:txBody>
+          <a:bodyPr wrap="square" rtlCol="0">
+            <a:spAutoFit/>
+          </a:bodyPr>
+          <a:lstStyle/>
+          <a:p>
+            <a:pPr algn="ctr"/>
+            <a:r>
+              <a:rPr lang="en-US" sz="3200" spc="300" dirty="0">
+                <a:solidFill>
+                  <a:srgbClr val="C00000"/>
+                </a:solidFill>
+                <a:latin typeface="Impact" panose="020B0806030902050204" pitchFamily="34" charset="0"/>
+              </a:rPr>
+              <a:t>Back</a:t>
+            </a:r>
+            <a:endParaRPr lang="en-US" sz="8000" spc="300" dirty="0">
+              <a:solidFill>
+                <a:srgbClr val="C00000"/>
+              </a:solidFill>
+              <a:latin typeface="Impact" panose="020B0806030902050204" pitchFamily="34" charset="0"/>
+            </a:endParaRPr>
+          </a:p>
+        </p:txBody>
+      </p:sp>
+      <p:sp>
+        <p:nvSpPr>
+          <p:cNvPr id="14" name="Rectangle: Diagonal Corners Snipped 13">
+            <a:extLst>
+              <a:ext uri="{FF2B5EF4-FFF2-40B4-BE49-F238E27FC236}">
+                <a16:creationId xmlns:a16="http://schemas.microsoft.com/office/drawing/2014/main" id="{DBBFFEEE-8739-45B4-89EF-360B99A3919F}"/>
+              </a:ext>
+            </a:extLst>
+          </p:cNvPr>
+          <p:cNvSpPr/>
+          <p:nvPr/>
+        </p:nvSpPr>
+        <p:spPr>
+          <a:xfrm rot="10800000">
+            <a:off x="10738872" y="5953927"/>
             <a:ext cx="1757927" cy="579598"/>
           </a:xfrm>
           <a:prstGeom prst="snip2DiagRect">
@@ -8726,10 +8829,10 @@
       </p:sp>
       <p:sp>
         <p:nvSpPr>
-          <p:cNvPr id="22" name="TextBox 21">
-            <a:extLst>
-              <a:ext uri="{FF2B5EF4-FFF2-40B4-BE49-F238E27FC236}">
-                <a16:creationId xmlns:a16="http://schemas.microsoft.com/office/drawing/2014/main" id="{3BF0ADAB-2E25-4DFE-A509-7CDF1A777D2D}"/>
+          <p:cNvPr id="17" name="TextBox 16">
+            <a:extLst>
+              <a:ext uri="{FF2B5EF4-FFF2-40B4-BE49-F238E27FC236}">
+                <a16:creationId xmlns:a16="http://schemas.microsoft.com/office/drawing/2014/main" id="{2DD2F00B-94BA-4D04-A8F0-778C0C23B0A3}"/>
               </a:ext>
             </a:extLst>
           </p:cNvPr>
@@ -8738,114 +8841,7 @@
         </p:nvSpPr>
         <p:spPr>
           <a:xfrm>
-            <a:off x="-223443" y="5948691"/>
-            <a:ext cx="1588814" cy="584775"/>
-          </a:xfrm>
-          <a:prstGeom prst="rect">
-            <a:avLst/>
-          </a:prstGeom>
-          <a:noFill/>
-        </p:spPr>
-        <p:txBody>
-          <a:bodyPr wrap="square" rtlCol="0">
-            <a:spAutoFit/>
-          </a:bodyPr>
-          <a:lstStyle/>
-          <a:p>
-            <a:pPr algn="ctr"/>
-            <a:r>
-              <a:rPr lang="en-US" sz="3200" u="sng" spc="300" dirty="0">
-                <a:solidFill>
-                  <a:srgbClr val="C00000"/>
-                </a:solidFill>
-                <a:latin typeface="Impact" panose="020B0806030902050204" pitchFamily="34" charset="0"/>
-              </a:rPr>
-              <a:t>Back</a:t>
-            </a:r>
-            <a:endParaRPr lang="en-US" sz="8000" u="sng" spc="300" dirty="0">
-              <a:solidFill>
-                <a:srgbClr val="C00000"/>
-              </a:solidFill>
-              <a:latin typeface="Impact" panose="020B0806030902050204" pitchFamily="34" charset="0"/>
-            </a:endParaRPr>
-          </a:p>
-        </p:txBody>
-      </p:sp>
-      <p:sp>
-        <p:nvSpPr>
-          <p:cNvPr id="10" name="Rectangle: Diagonal Corners Snipped 9">
-            <a:extLst>
-              <a:ext uri="{FF2B5EF4-FFF2-40B4-BE49-F238E27FC236}">
-                <a16:creationId xmlns:a16="http://schemas.microsoft.com/office/drawing/2014/main" id="{53B7CC88-4C5D-4A0E-9BCF-617CFBD05F41}"/>
-              </a:ext>
-            </a:extLst>
-          </p:cNvPr>
-          <p:cNvSpPr/>
-          <p:nvPr/>
-        </p:nvSpPr>
-        <p:spPr>
-          <a:xfrm rot="10800000">
-            <a:off x="10738872" y="5947621"/>
-            <a:ext cx="1757927" cy="579598"/>
-          </a:xfrm>
-          <a:prstGeom prst="snip2DiagRect">
-            <a:avLst>
-              <a:gd name="adj1" fmla="val 50000"/>
-              <a:gd name="adj2" fmla="val 0"/>
-            </a:avLst>
-          </a:prstGeom>
-          <a:solidFill>
-            <a:schemeClr val="tx1">
-              <a:alpha val="60000"/>
-            </a:schemeClr>
-          </a:solidFill>
-          <a:ln w="95250">
-            <a:solidFill>
-              <a:schemeClr val="bg1"/>
-            </a:solidFill>
-          </a:ln>
-          <a:effectLst/>
-        </p:spPr>
-        <p:style>
-          <a:lnRef idx="2">
-            <a:schemeClr val="accent1">
-              <a:shade val="50000"/>
-            </a:schemeClr>
-          </a:lnRef>
-          <a:fillRef idx="1">
-            <a:schemeClr val="accent1"/>
-          </a:fillRef>
-          <a:effectRef idx="0">
-            <a:schemeClr val="accent1"/>
-          </a:effectRef>
-          <a:fontRef idx="minor">
-            <a:schemeClr val="lt1"/>
-          </a:fontRef>
-        </p:style>
-        <p:txBody>
-          <a:bodyPr rtlCol="0" anchor="ctr"/>
-          <a:lstStyle/>
-          <a:p>
-            <a:pPr algn="ctr"/>
-            <a:endParaRPr lang="en-US" dirty="0"/>
-          </a:p>
-        </p:txBody>
-      </p:sp>
-      <p:sp>
-        <p:nvSpPr>
-          <p:cNvPr id="11" name="TextBox 10">
-            <a:extLst>
-              <a:ext uri="{FF2B5EF4-FFF2-40B4-BE49-F238E27FC236}">
-                <a16:creationId xmlns:a16="http://schemas.microsoft.com/office/drawing/2014/main" id="{60035FEB-C8BD-4EDD-9B1E-9A87F81EBBCE}"/>
-              </a:ext>
-            </a:extLst>
-          </p:cNvPr>
-          <p:cNvSpPr txBox="1"/>
-          <p:nvPr/>
-        </p:nvSpPr>
-        <p:spPr>
-          <a:xfrm>
-            <a:off x="10817937" y="5947623"/>
+            <a:off x="10817937" y="5953929"/>
             <a:ext cx="1588814" cy="584775"/>
           </a:xfrm>
           <a:prstGeom prst="rect">
@@ -8881,7 +8877,7 @@
     </p:spTree>
     <p:extLst>
       <p:ext uri="{BB962C8B-B14F-4D97-AF65-F5344CB8AC3E}">
-        <p14:creationId xmlns:p14="http://schemas.microsoft.com/office/powerpoint/2010/main" val="355099102"/>
+        <p14:creationId xmlns:p14="http://schemas.microsoft.com/office/powerpoint/2010/main" val="4146346727"/>
       </p:ext>
     </p:extLst>
   </p:cSld>
@@ -8922,7 +8918,7 @@
         </p:nvSpPr>
         <p:spPr>
           <a:xfrm>
-            <a:off x="-302508" y="4920450"/>
+            <a:off x="-340344" y="4939832"/>
             <a:ext cx="4379208" cy="1015662"/>
           </a:xfrm>
           <a:prstGeom prst="snip2DiagRect">
@@ -8982,7 +8978,7 @@
         </p:nvSpPr>
         <p:spPr>
           <a:xfrm>
-            <a:off x="1" y="4919420"/>
+            <a:off x="-37835" y="4938802"/>
             <a:ext cx="4076700" cy="1015663"/>
           </a:xfrm>
           <a:prstGeom prst="rect">
@@ -9029,7 +9025,7 @@
         </p:nvSpPr>
         <p:spPr>
           <a:xfrm>
-            <a:off x="8115299" y="4919420"/>
+            <a:off x="8153137" y="4938802"/>
             <a:ext cx="4379208" cy="1015662"/>
           </a:xfrm>
           <a:prstGeom prst="snip2DiagRect">
@@ -9089,7 +9085,7 @@
         </p:nvSpPr>
         <p:spPr>
           <a:xfrm>
-            <a:off x="8115299" y="4919420"/>
+            <a:off x="8153137" y="4938802"/>
             <a:ext cx="4076700" cy="1015663"/>
           </a:xfrm>
           <a:prstGeom prst="rect">
@@ -9289,10 +9285,10 @@
       </p:sp>
       <p:sp>
         <p:nvSpPr>
-          <p:cNvPr id="21" name="Rectangle: Diagonal Corners Snipped 20">
-            <a:extLst>
-              <a:ext uri="{FF2B5EF4-FFF2-40B4-BE49-F238E27FC236}">
-                <a16:creationId xmlns:a16="http://schemas.microsoft.com/office/drawing/2014/main" id="{741A35F0-FEF2-4F12-8A3D-FE5F85594A5C}"/>
+          <p:cNvPr id="11" name="Rectangle: Diagonal Corners Snipped 10">
+            <a:extLst>
+              <a:ext uri="{FF2B5EF4-FFF2-40B4-BE49-F238E27FC236}">
+                <a16:creationId xmlns:a16="http://schemas.microsoft.com/office/drawing/2014/main" id="{83C92873-A2B3-49BF-8352-1168971B1E3A}"/>
               </a:ext>
             </a:extLst>
           </p:cNvPr>
@@ -9301,7 +9297,7 @@
         </p:nvSpPr>
         <p:spPr>
           <a:xfrm rot="10800000">
-            <a:off x="-302508" y="5956010"/>
+            <a:off x="-302508" y="5954995"/>
             <a:ext cx="1757927" cy="579598"/>
           </a:xfrm>
           <a:prstGeom prst="snip2DiagRect">
@@ -9317,7 +9313,7 @@
           </a:solidFill>
           <a:ln w="95250">
             <a:solidFill>
-              <a:schemeClr val="bg1"/>
+              <a:srgbClr val="C00000"/>
             </a:solidFill>
           </a:ln>
           <a:effectLst/>
@@ -9349,10 +9345,10 @@
       </p:sp>
       <p:sp>
         <p:nvSpPr>
-          <p:cNvPr id="22" name="TextBox 21">
-            <a:extLst>
-              <a:ext uri="{FF2B5EF4-FFF2-40B4-BE49-F238E27FC236}">
-                <a16:creationId xmlns:a16="http://schemas.microsoft.com/office/drawing/2014/main" id="{8B7D35F3-6ABC-4B2F-B4FF-D6FF6EB49741}"/>
+          <p:cNvPr id="12" name="TextBox 11">
+            <a:extLst>
+              <a:ext uri="{FF2B5EF4-FFF2-40B4-BE49-F238E27FC236}">
+                <a16:creationId xmlns:a16="http://schemas.microsoft.com/office/drawing/2014/main" id="{F188608A-93F6-4918-BD99-6EBE2073CB08}"/>
               </a:ext>
             </a:extLst>
           </p:cNvPr>
@@ -9361,7 +9357,7 @@
         </p:nvSpPr>
         <p:spPr>
           <a:xfrm>
-            <a:off x="-223443" y="5956012"/>
+            <a:off x="-223443" y="5954997"/>
             <a:ext cx="1588814" cy="584775"/>
           </a:xfrm>
           <a:prstGeom prst="rect">
@@ -9377,7 +9373,7 @@
           <a:p>
             <a:pPr algn="ctr"/>
             <a:r>
-              <a:rPr lang="en-US" sz="3200" u="sng" spc="300" dirty="0">
+              <a:rPr lang="en-US" sz="3200" spc="300" dirty="0">
                 <a:solidFill>
                   <a:srgbClr val="C00000"/>
                 </a:solidFill>
@@ -9385,7 +9381,7 @@
               </a:rPr>
               <a:t>Exit</a:t>
             </a:r>
-            <a:endParaRPr lang="en-US" sz="8000" u="sng" spc="300" dirty="0">
+            <a:endParaRPr lang="en-US" sz="8000" spc="300" dirty="0">
               <a:solidFill>
                 <a:srgbClr val="C00000"/>
               </a:solidFill>
@@ -9397,7 +9393,7 @@
     </p:spTree>
     <p:extLst>
       <p:ext uri="{BB962C8B-B14F-4D97-AF65-F5344CB8AC3E}">
-        <p14:creationId xmlns:p14="http://schemas.microsoft.com/office/powerpoint/2010/main" val="1172348951"/>
+        <p14:creationId xmlns:p14="http://schemas.microsoft.com/office/powerpoint/2010/main" val="3446164290"/>
       </p:ext>
     </p:extLst>
   </p:cSld>
@@ -9655,7 +9651,7 @@
                 </a:solidFill>
                 <a:latin typeface="Impact" panose="020B0806030902050204" pitchFamily="34" charset="0"/>
               </a:rPr>
-              <a:t> then 16. </a:t>
+              <a:t> then 16 letters. </a:t>
             </a:r>
           </a:p>
           <a:p>
@@ -9742,10 +9738,10 @@
       </p:sp>
       <p:sp>
         <p:nvSpPr>
-          <p:cNvPr id="21" name="Rectangle: Diagonal Corners Snipped 20">
-            <a:extLst>
-              <a:ext uri="{FF2B5EF4-FFF2-40B4-BE49-F238E27FC236}">
-                <a16:creationId xmlns:a16="http://schemas.microsoft.com/office/drawing/2014/main" id="{55269FB2-D5C2-4595-A855-AF70120B482D}"/>
+          <p:cNvPr id="12" name="Rectangle: Diagonal Corners Snipped 11">
+            <a:extLst>
+              <a:ext uri="{FF2B5EF4-FFF2-40B4-BE49-F238E27FC236}">
+                <a16:creationId xmlns:a16="http://schemas.microsoft.com/office/drawing/2014/main" id="{1E9D0E4C-4494-4AA3-BA63-B060FA2BB966}"/>
               </a:ext>
             </a:extLst>
           </p:cNvPr>
@@ -9754,7 +9750,7 @@
         </p:nvSpPr>
         <p:spPr>
           <a:xfrm rot="10800000">
-            <a:off x="-302508" y="5948689"/>
+            <a:off x="-302508" y="5954995"/>
             <a:ext cx="1757927" cy="579598"/>
           </a:xfrm>
           <a:prstGeom prst="snip2DiagRect">
@@ -9802,10 +9798,10 @@
       </p:sp>
       <p:sp>
         <p:nvSpPr>
-          <p:cNvPr id="22" name="TextBox 21">
-            <a:extLst>
-              <a:ext uri="{FF2B5EF4-FFF2-40B4-BE49-F238E27FC236}">
-                <a16:creationId xmlns:a16="http://schemas.microsoft.com/office/drawing/2014/main" id="{3BF0ADAB-2E25-4DFE-A509-7CDF1A777D2D}"/>
+          <p:cNvPr id="13" name="TextBox 12">
+            <a:extLst>
+              <a:ext uri="{FF2B5EF4-FFF2-40B4-BE49-F238E27FC236}">
+                <a16:creationId xmlns:a16="http://schemas.microsoft.com/office/drawing/2014/main" id="{6B2DD9F8-0238-47D1-B9D5-08E4518D2E28}"/>
               </a:ext>
             </a:extLst>
           </p:cNvPr>
@@ -9814,7 +9810,7 @@
         </p:nvSpPr>
         <p:spPr>
           <a:xfrm>
-            <a:off x="-223443" y="5948691"/>
+            <a:off x="-223443" y="5954997"/>
             <a:ext cx="1588814" cy="584775"/>
           </a:xfrm>
           <a:prstGeom prst="rect">
@@ -9849,10 +9845,10 @@
       </p:sp>
       <p:sp>
         <p:nvSpPr>
-          <p:cNvPr id="10" name="Rectangle: Diagonal Corners Snipped 9">
-            <a:extLst>
-              <a:ext uri="{FF2B5EF4-FFF2-40B4-BE49-F238E27FC236}">
-                <a16:creationId xmlns:a16="http://schemas.microsoft.com/office/drawing/2014/main" id="{53B7CC88-4C5D-4A0E-9BCF-617CFBD05F41}"/>
+          <p:cNvPr id="14" name="Rectangle: Diagonal Corners Snipped 13">
+            <a:extLst>
+              <a:ext uri="{FF2B5EF4-FFF2-40B4-BE49-F238E27FC236}">
+                <a16:creationId xmlns:a16="http://schemas.microsoft.com/office/drawing/2014/main" id="{DBBFFEEE-8739-45B4-89EF-360B99A3919F}"/>
               </a:ext>
             </a:extLst>
           </p:cNvPr>
@@ -9861,7 +9857,7 @@
         </p:nvSpPr>
         <p:spPr>
           <a:xfrm rot="10800000">
-            <a:off x="10738872" y="5947621"/>
+            <a:off x="10738872" y="5953927"/>
             <a:ext cx="1757927" cy="579598"/>
           </a:xfrm>
           <a:prstGeom prst="snip2DiagRect">
@@ -9877,7 +9873,7 @@
           </a:solidFill>
           <a:ln w="95250">
             <a:solidFill>
-              <a:schemeClr val="bg1"/>
+              <a:srgbClr val="2EEE53"/>
             </a:solidFill>
           </a:ln>
           <a:effectLst/>
@@ -9909,10 +9905,10 @@
       </p:sp>
       <p:sp>
         <p:nvSpPr>
-          <p:cNvPr id="11" name="TextBox 10">
-            <a:extLst>
-              <a:ext uri="{FF2B5EF4-FFF2-40B4-BE49-F238E27FC236}">
-                <a16:creationId xmlns:a16="http://schemas.microsoft.com/office/drawing/2014/main" id="{60035FEB-C8BD-4EDD-9B1E-9A87F81EBBCE}"/>
+          <p:cNvPr id="17" name="TextBox 16">
+            <a:extLst>
+              <a:ext uri="{FF2B5EF4-FFF2-40B4-BE49-F238E27FC236}">
+                <a16:creationId xmlns:a16="http://schemas.microsoft.com/office/drawing/2014/main" id="{2DD2F00B-94BA-4D04-A8F0-778C0C23B0A3}"/>
               </a:ext>
             </a:extLst>
           </p:cNvPr>
@@ -9921,7 +9917,7 @@
         </p:nvSpPr>
         <p:spPr>
           <a:xfrm>
-            <a:off x="10817937" y="5947623"/>
+            <a:off x="10817937" y="5953929"/>
             <a:ext cx="1588814" cy="584775"/>
           </a:xfrm>
           <a:prstGeom prst="rect">
@@ -9937,7 +9933,7 @@
           <a:p>
             <a:pPr algn="ctr"/>
             <a:r>
-              <a:rPr lang="en-US" sz="3200" u="sng" spc="300" dirty="0">
+              <a:rPr lang="en-US" sz="3200" spc="300" dirty="0">
                 <a:solidFill>
                   <a:srgbClr val="2EEE53"/>
                 </a:solidFill>
@@ -9945,7 +9941,7 @@
               </a:rPr>
               <a:t>Next</a:t>
             </a:r>
-            <a:endParaRPr lang="en-US" sz="8000" u="sng" spc="300" dirty="0">
+            <a:endParaRPr lang="en-US" sz="8000" spc="300" dirty="0">
               <a:solidFill>
                 <a:srgbClr val="2EEE53"/>
               </a:solidFill>
@@ -9957,7 +9953,7 @@
     </p:spTree>
     <p:extLst>
       <p:ext uri="{BB962C8B-B14F-4D97-AF65-F5344CB8AC3E}">
-        <p14:creationId xmlns:p14="http://schemas.microsoft.com/office/powerpoint/2010/main" val="1106067274"/>
+        <p14:creationId xmlns:p14="http://schemas.microsoft.com/office/powerpoint/2010/main" val="2924455872"/>
       </p:ext>
     </p:extLst>
   </p:cSld>
@@ -10892,7 +10888,7 @@
           </a:solidFill>
           <a:ln w="95250">
             <a:solidFill>
-              <a:schemeClr val="bg1"/>
+              <a:srgbClr val="2EEE53"/>
             </a:solidFill>
           </a:ln>
           <a:effectLst/>
@@ -10952,7 +10948,7 @@
           <a:p>
             <a:pPr algn="ctr"/>
             <a:r>
-              <a:rPr lang="en-US" sz="3200" u="sng" spc="300" dirty="0">
+              <a:rPr lang="en-US" sz="3200" spc="300" dirty="0">
                 <a:solidFill>
                   <a:srgbClr val="2EEE53"/>
                 </a:solidFill>
@@ -10960,7 +10956,7 @@
               </a:rPr>
               <a:t>Next</a:t>
             </a:r>
-            <a:endParaRPr lang="en-US" sz="8000" u="sng" spc="300" dirty="0">
+            <a:endParaRPr lang="en-US" sz="8000" spc="300" dirty="0">
               <a:solidFill>
                 <a:srgbClr val="2EEE53"/>
               </a:solidFill>
@@ -10972,7 +10968,7 @@
     </p:spTree>
     <p:extLst>
       <p:ext uri="{BB962C8B-B14F-4D97-AF65-F5344CB8AC3E}">
-        <p14:creationId xmlns:p14="http://schemas.microsoft.com/office/powerpoint/2010/main" val="3588738791"/>
+        <p14:creationId xmlns:p14="http://schemas.microsoft.com/office/powerpoint/2010/main" val="4047793849"/>
       </p:ext>
     </p:extLst>
   </p:cSld>
@@ -11311,10 +11307,10 @@
       </p:sp>
       <p:sp>
         <p:nvSpPr>
-          <p:cNvPr id="21" name="Rectangle: Diagonal Corners Snipped 20">
-            <a:extLst>
-              <a:ext uri="{FF2B5EF4-FFF2-40B4-BE49-F238E27FC236}">
-                <a16:creationId xmlns:a16="http://schemas.microsoft.com/office/drawing/2014/main" id="{55269FB2-D5C2-4595-A855-AF70120B482D}"/>
+          <p:cNvPr id="12" name="Rectangle: Diagonal Corners Snipped 11">
+            <a:extLst>
+              <a:ext uri="{FF2B5EF4-FFF2-40B4-BE49-F238E27FC236}">
+                <a16:creationId xmlns:a16="http://schemas.microsoft.com/office/drawing/2014/main" id="{5AEDF43C-4B1C-46DE-A976-42F9D3F24795}"/>
               </a:ext>
             </a:extLst>
           </p:cNvPr>
@@ -11323,7 +11319,7 @@
         </p:nvSpPr>
         <p:spPr>
           <a:xfrm rot="10800000">
-            <a:off x="-302508" y="5948689"/>
+            <a:off x="-302508" y="5954995"/>
             <a:ext cx="1757927" cy="579598"/>
           </a:xfrm>
           <a:prstGeom prst="snip2DiagRect">
@@ -11371,10 +11367,10 @@
       </p:sp>
       <p:sp>
         <p:nvSpPr>
-          <p:cNvPr id="22" name="TextBox 21">
-            <a:extLst>
-              <a:ext uri="{FF2B5EF4-FFF2-40B4-BE49-F238E27FC236}">
-                <a16:creationId xmlns:a16="http://schemas.microsoft.com/office/drawing/2014/main" id="{3BF0ADAB-2E25-4DFE-A509-7CDF1A777D2D}"/>
+          <p:cNvPr id="13" name="TextBox 12">
+            <a:extLst>
+              <a:ext uri="{FF2B5EF4-FFF2-40B4-BE49-F238E27FC236}">
+                <a16:creationId xmlns:a16="http://schemas.microsoft.com/office/drawing/2014/main" id="{876122FE-D1AE-4D46-BD21-424A76DCB5C5}"/>
               </a:ext>
             </a:extLst>
           </p:cNvPr>
@@ -11383,7 +11379,7 @@
         </p:nvSpPr>
         <p:spPr>
           <a:xfrm>
-            <a:off x="-223443" y="5948691"/>
+            <a:off x="-223443" y="5954997"/>
             <a:ext cx="1588814" cy="584775"/>
           </a:xfrm>
           <a:prstGeom prst="rect">
@@ -11418,10 +11414,10 @@
       </p:sp>
       <p:sp>
         <p:nvSpPr>
-          <p:cNvPr id="10" name="Rectangle: Diagonal Corners Snipped 9">
-            <a:extLst>
-              <a:ext uri="{FF2B5EF4-FFF2-40B4-BE49-F238E27FC236}">
-                <a16:creationId xmlns:a16="http://schemas.microsoft.com/office/drawing/2014/main" id="{53B7CC88-4C5D-4A0E-9BCF-617CFBD05F41}"/>
+          <p:cNvPr id="14" name="Rectangle: Diagonal Corners Snipped 13">
+            <a:extLst>
+              <a:ext uri="{FF2B5EF4-FFF2-40B4-BE49-F238E27FC236}">
+                <a16:creationId xmlns:a16="http://schemas.microsoft.com/office/drawing/2014/main" id="{4511A0AA-F108-4A54-9BBD-0FBF1553B8AE}"/>
               </a:ext>
             </a:extLst>
           </p:cNvPr>
@@ -11430,7 +11426,7 @@
         </p:nvSpPr>
         <p:spPr>
           <a:xfrm rot="10800000">
-            <a:off x="10066020" y="5947621"/>
+            <a:off x="10066020" y="5953927"/>
             <a:ext cx="2430778" cy="579598"/>
           </a:xfrm>
           <a:prstGeom prst="snip2DiagRect">
@@ -11478,10 +11474,10 @@
       </p:sp>
       <p:sp>
         <p:nvSpPr>
-          <p:cNvPr id="11" name="TextBox 10">
-            <a:extLst>
-              <a:ext uri="{FF2B5EF4-FFF2-40B4-BE49-F238E27FC236}">
-                <a16:creationId xmlns:a16="http://schemas.microsoft.com/office/drawing/2014/main" id="{60035FEB-C8BD-4EDD-9B1E-9A87F81EBBCE}"/>
+          <p:cNvPr id="17" name="TextBox 16">
+            <a:extLst>
+              <a:ext uri="{FF2B5EF4-FFF2-40B4-BE49-F238E27FC236}">
+                <a16:creationId xmlns:a16="http://schemas.microsoft.com/office/drawing/2014/main" id="{6CEB6982-E29E-46C2-B9F6-65EDFD188CD7}"/>
               </a:ext>
             </a:extLst>
           </p:cNvPr>
@@ -11490,7 +11486,7 @@
         </p:nvSpPr>
         <p:spPr>
           <a:xfrm>
-            <a:off x="10066020" y="5947623"/>
+            <a:off x="10066020" y="5953929"/>
             <a:ext cx="2340731" cy="584775"/>
           </a:xfrm>
           <a:prstGeom prst="rect">
@@ -11865,10 +11861,10 @@
       </p:sp>
       <p:sp>
         <p:nvSpPr>
-          <p:cNvPr id="21" name="Rectangle: Diagonal Corners Snipped 20">
-            <a:extLst>
-              <a:ext uri="{FF2B5EF4-FFF2-40B4-BE49-F238E27FC236}">
-                <a16:creationId xmlns:a16="http://schemas.microsoft.com/office/drawing/2014/main" id="{55269FB2-D5C2-4595-A855-AF70120B482D}"/>
+          <p:cNvPr id="12" name="Rectangle: Diagonal Corners Snipped 11">
+            <a:extLst>
+              <a:ext uri="{FF2B5EF4-FFF2-40B4-BE49-F238E27FC236}">
+                <a16:creationId xmlns:a16="http://schemas.microsoft.com/office/drawing/2014/main" id="{5AEDF43C-4B1C-46DE-A976-42F9D3F24795}"/>
               </a:ext>
             </a:extLst>
           </p:cNvPr>
@@ -11877,8 +11873,115 @@
         </p:nvSpPr>
         <p:spPr>
           <a:xfrm rot="10800000">
-            <a:off x="-302508" y="5948689"/>
+            <a:off x="-302508" y="5954995"/>
             <a:ext cx="1757927" cy="579598"/>
+          </a:xfrm>
+          <a:prstGeom prst="snip2DiagRect">
+            <a:avLst>
+              <a:gd name="adj1" fmla="val 50000"/>
+              <a:gd name="adj2" fmla="val 0"/>
+            </a:avLst>
+          </a:prstGeom>
+          <a:solidFill>
+            <a:schemeClr val="tx1">
+              <a:alpha val="60000"/>
+            </a:schemeClr>
+          </a:solidFill>
+          <a:ln w="95250">
+            <a:solidFill>
+              <a:srgbClr val="C00000"/>
+            </a:solidFill>
+          </a:ln>
+          <a:effectLst/>
+        </p:spPr>
+        <p:style>
+          <a:lnRef idx="2">
+            <a:schemeClr val="accent1">
+              <a:shade val="50000"/>
+            </a:schemeClr>
+          </a:lnRef>
+          <a:fillRef idx="1">
+            <a:schemeClr val="accent1"/>
+          </a:fillRef>
+          <a:effectRef idx="0">
+            <a:schemeClr val="accent1"/>
+          </a:effectRef>
+          <a:fontRef idx="minor">
+            <a:schemeClr val="lt1"/>
+          </a:fontRef>
+        </p:style>
+        <p:txBody>
+          <a:bodyPr rtlCol="0" anchor="ctr"/>
+          <a:lstStyle/>
+          <a:p>
+            <a:pPr algn="ctr"/>
+            <a:endParaRPr lang="en-US" dirty="0"/>
+          </a:p>
+        </p:txBody>
+      </p:sp>
+      <p:sp>
+        <p:nvSpPr>
+          <p:cNvPr id="13" name="TextBox 12">
+            <a:extLst>
+              <a:ext uri="{FF2B5EF4-FFF2-40B4-BE49-F238E27FC236}">
+                <a16:creationId xmlns:a16="http://schemas.microsoft.com/office/drawing/2014/main" id="{876122FE-D1AE-4D46-BD21-424A76DCB5C5}"/>
+              </a:ext>
+            </a:extLst>
+          </p:cNvPr>
+          <p:cNvSpPr txBox="1"/>
+          <p:nvPr/>
+        </p:nvSpPr>
+        <p:spPr>
+          <a:xfrm>
+            <a:off x="-223443" y="5954997"/>
+            <a:ext cx="1588814" cy="584775"/>
+          </a:xfrm>
+          <a:prstGeom prst="rect">
+            <a:avLst/>
+          </a:prstGeom>
+          <a:noFill/>
+        </p:spPr>
+        <p:txBody>
+          <a:bodyPr wrap="square" rtlCol="0">
+            <a:spAutoFit/>
+          </a:bodyPr>
+          <a:lstStyle/>
+          <a:p>
+            <a:pPr algn="ctr"/>
+            <a:r>
+              <a:rPr lang="en-US" sz="3200" spc="300" dirty="0">
+                <a:solidFill>
+                  <a:srgbClr val="C00000"/>
+                </a:solidFill>
+                <a:latin typeface="Impact" panose="020B0806030902050204" pitchFamily="34" charset="0"/>
+              </a:rPr>
+              <a:t>Exit</a:t>
+            </a:r>
+            <a:endParaRPr lang="en-US" sz="8000" spc="300" dirty="0">
+              <a:solidFill>
+                <a:srgbClr val="C00000"/>
+              </a:solidFill>
+              <a:latin typeface="Impact" panose="020B0806030902050204" pitchFamily="34" charset="0"/>
+            </a:endParaRPr>
+          </a:p>
+        </p:txBody>
+      </p:sp>
+      <p:sp>
+        <p:nvSpPr>
+          <p:cNvPr id="14" name="Rectangle: Diagonal Corners Snipped 13">
+            <a:extLst>
+              <a:ext uri="{FF2B5EF4-FFF2-40B4-BE49-F238E27FC236}">
+                <a16:creationId xmlns:a16="http://schemas.microsoft.com/office/drawing/2014/main" id="{4511A0AA-F108-4A54-9BBD-0FBF1553B8AE}"/>
+              </a:ext>
+            </a:extLst>
+          </p:cNvPr>
+          <p:cNvSpPr/>
+          <p:nvPr/>
+        </p:nvSpPr>
+        <p:spPr>
+          <a:xfrm rot="10800000">
+            <a:off x="10066020" y="5953927"/>
+            <a:ext cx="2430778" cy="579598"/>
           </a:xfrm>
           <a:prstGeom prst="snip2DiagRect">
             <a:avLst>
@@ -11925,10 +12028,10 @@
       </p:sp>
       <p:sp>
         <p:nvSpPr>
-          <p:cNvPr id="22" name="TextBox 21">
-            <a:extLst>
-              <a:ext uri="{FF2B5EF4-FFF2-40B4-BE49-F238E27FC236}">
-                <a16:creationId xmlns:a16="http://schemas.microsoft.com/office/drawing/2014/main" id="{3BF0ADAB-2E25-4DFE-A509-7CDF1A777D2D}"/>
+          <p:cNvPr id="17" name="TextBox 16">
+            <a:extLst>
+              <a:ext uri="{FF2B5EF4-FFF2-40B4-BE49-F238E27FC236}">
+                <a16:creationId xmlns:a16="http://schemas.microsoft.com/office/drawing/2014/main" id="{6CEB6982-E29E-46C2-B9F6-65EDFD188CD7}"/>
               </a:ext>
             </a:extLst>
           </p:cNvPr>
@@ -11937,114 +12040,7 @@
         </p:nvSpPr>
         <p:spPr>
           <a:xfrm>
-            <a:off x="-223443" y="5948691"/>
-            <a:ext cx="1588814" cy="584775"/>
-          </a:xfrm>
-          <a:prstGeom prst="rect">
-            <a:avLst/>
-          </a:prstGeom>
-          <a:noFill/>
-        </p:spPr>
-        <p:txBody>
-          <a:bodyPr wrap="square" rtlCol="0">
-            <a:spAutoFit/>
-          </a:bodyPr>
-          <a:lstStyle/>
-          <a:p>
-            <a:pPr algn="ctr"/>
-            <a:r>
-              <a:rPr lang="en-US" sz="3200" u="sng" spc="300" dirty="0">
-                <a:solidFill>
-                  <a:srgbClr val="C00000"/>
-                </a:solidFill>
-                <a:latin typeface="Impact" panose="020B0806030902050204" pitchFamily="34" charset="0"/>
-              </a:rPr>
-              <a:t>Exit</a:t>
-            </a:r>
-            <a:endParaRPr lang="en-US" sz="8000" u="sng" spc="300" dirty="0">
-              <a:solidFill>
-                <a:srgbClr val="C00000"/>
-              </a:solidFill>
-              <a:latin typeface="Impact" panose="020B0806030902050204" pitchFamily="34" charset="0"/>
-            </a:endParaRPr>
-          </a:p>
-        </p:txBody>
-      </p:sp>
-      <p:sp>
-        <p:nvSpPr>
-          <p:cNvPr id="10" name="Rectangle: Diagonal Corners Snipped 9">
-            <a:extLst>
-              <a:ext uri="{FF2B5EF4-FFF2-40B4-BE49-F238E27FC236}">
-                <a16:creationId xmlns:a16="http://schemas.microsoft.com/office/drawing/2014/main" id="{53B7CC88-4C5D-4A0E-9BCF-617CFBD05F41}"/>
-              </a:ext>
-            </a:extLst>
-          </p:cNvPr>
-          <p:cNvSpPr/>
-          <p:nvPr/>
-        </p:nvSpPr>
-        <p:spPr>
-          <a:xfrm rot="10800000">
-            <a:off x="10066020" y="5947621"/>
-            <a:ext cx="2430778" cy="579598"/>
-          </a:xfrm>
-          <a:prstGeom prst="snip2DiagRect">
-            <a:avLst>
-              <a:gd name="adj1" fmla="val 50000"/>
-              <a:gd name="adj2" fmla="val 0"/>
-            </a:avLst>
-          </a:prstGeom>
-          <a:solidFill>
-            <a:schemeClr val="tx1">
-              <a:alpha val="60000"/>
-            </a:schemeClr>
-          </a:solidFill>
-          <a:ln w="95250">
-            <a:solidFill>
-              <a:schemeClr val="bg1"/>
-            </a:solidFill>
-          </a:ln>
-          <a:effectLst/>
-        </p:spPr>
-        <p:style>
-          <a:lnRef idx="2">
-            <a:schemeClr val="accent1">
-              <a:shade val="50000"/>
-            </a:schemeClr>
-          </a:lnRef>
-          <a:fillRef idx="1">
-            <a:schemeClr val="accent1"/>
-          </a:fillRef>
-          <a:effectRef idx="0">
-            <a:schemeClr val="accent1"/>
-          </a:effectRef>
-          <a:fontRef idx="minor">
-            <a:schemeClr val="lt1"/>
-          </a:fontRef>
-        </p:style>
-        <p:txBody>
-          <a:bodyPr rtlCol="0" anchor="ctr"/>
-          <a:lstStyle/>
-          <a:p>
-            <a:pPr algn="ctr"/>
-            <a:endParaRPr lang="en-US" dirty="0"/>
-          </a:p>
-        </p:txBody>
-      </p:sp>
-      <p:sp>
-        <p:nvSpPr>
-          <p:cNvPr id="11" name="TextBox 10">
-            <a:extLst>
-              <a:ext uri="{FF2B5EF4-FFF2-40B4-BE49-F238E27FC236}">
-                <a16:creationId xmlns:a16="http://schemas.microsoft.com/office/drawing/2014/main" id="{60035FEB-C8BD-4EDD-9B1E-9A87F81EBBCE}"/>
-              </a:ext>
-            </a:extLst>
-          </p:cNvPr>
-          <p:cNvSpPr txBox="1"/>
-          <p:nvPr/>
-        </p:nvSpPr>
-        <p:spPr>
-          <a:xfrm>
-            <a:off x="10066020" y="5947623"/>
+            <a:off x="10066020" y="5953929"/>
             <a:ext cx="2340731" cy="584775"/>
           </a:xfrm>
           <a:prstGeom prst="rect">
@@ -12080,7 +12076,7 @@
     </p:spTree>
     <p:extLst>
       <p:ext uri="{BB962C8B-B14F-4D97-AF65-F5344CB8AC3E}">
-        <p14:creationId xmlns:p14="http://schemas.microsoft.com/office/powerpoint/2010/main" val="768829944"/>
+        <p14:creationId xmlns:p14="http://schemas.microsoft.com/office/powerpoint/2010/main" val="1874483986"/>
       </p:ext>
     </p:extLst>
   </p:cSld>
@@ -12419,10 +12415,10 @@
       </p:sp>
       <p:sp>
         <p:nvSpPr>
-          <p:cNvPr id="21" name="Rectangle: Diagonal Corners Snipped 20">
-            <a:extLst>
-              <a:ext uri="{FF2B5EF4-FFF2-40B4-BE49-F238E27FC236}">
-                <a16:creationId xmlns:a16="http://schemas.microsoft.com/office/drawing/2014/main" id="{55269FB2-D5C2-4595-A855-AF70120B482D}"/>
+          <p:cNvPr id="12" name="Rectangle: Diagonal Corners Snipped 11">
+            <a:extLst>
+              <a:ext uri="{FF2B5EF4-FFF2-40B4-BE49-F238E27FC236}">
+                <a16:creationId xmlns:a16="http://schemas.microsoft.com/office/drawing/2014/main" id="{5AEDF43C-4B1C-46DE-A976-42F9D3F24795}"/>
               </a:ext>
             </a:extLst>
           </p:cNvPr>
@@ -12431,7 +12427,7 @@
         </p:nvSpPr>
         <p:spPr>
           <a:xfrm rot="10800000">
-            <a:off x="-302508" y="5948689"/>
+            <a:off x="-302508" y="5954995"/>
             <a:ext cx="1757927" cy="579598"/>
           </a:xfrm>
           <a:prstGeom prst="snip2DiagRect">
@@ -12479,10 +12475,10 @@
       </p:sp>
       <p:sp>
         <p:nvSpPr>
-          <p:cNvPr id="22" name="TextBox 21">
-            <a:extLst>
-              <a:ext uri="{FF2B5EF4-FFF2-40B4-BE49-F238E27FC236}">
-                <a16:creationId xmlns:a16="http://schemas.microsoft.com/office/drawing/2014/main" id="{3BF0ADAB-2E25-4DFE-A509-7CDF1A777D2D}"/>
+          <p:cNvPr id="13" name="TextBox 12">
+            <a:extLst>
+              <a:ext uri="{FF2B5EF4-FFF2-40B4-BE49-F238E27FC236}">
+                <a16:creationId xmlns:a16="http://schemas.microsoft.com/office/drawing/2014/main" id="{876122FE-D1AE-4D46-BD21-424A76DCB5C5}"/>
               </a:ext>
             </a:extLst>
           </p:cNvPr>
@@ -12491,7 +12487,7 @@
         </p:nvSpPr>
         <p:spPr>
           <a:xfrm>
-            <a:off x="-223443" y="5948691"/>
+            <a:off x="-223443" y="5954997"/>
             <a:ext cx="1588814" cy="584775"/>
           </a:xfrm>
           <a:prstGeom prst="rect">
@@ -12526,10 +12522,10 @@
       </p:sp>
       <p:sp>
         <p:nvSpPr>
-          <p:cNvPr id="10" name="Rectangle: Diagonal Corners Snipped 9">
-            <a:extLst>
-              <a:ext uri="{FF2B5EF4-FFF2-40B4-BE49-F238E27FC236}">
-                <a16:creationId xmlns:a16="http://schemas.microsoft.com/office/drawing/2014/main" id="{53B7CC88-4C5D-4A0E-9BCF-617CFBD05F41}"/>
+          <p:cNvPr id="14" name="Rectangle: Diagonal Corners Snipped 13">
+            <a:extLst>
+              <a:ext uri="{FF2B5EF4-FFF2-40B4-BE49-F238E27FC236}">
+                <a16:creationId xmlns:a16="http://schemas.microsoft.com/office/drawing/2014/main" id="{4511A0AA-F108-4A54-9BBD-0FBF1553B8AE}"/>
               </a:ext>
             </a:extLst>
           </p:cNvPr>
@@ -12538,7 +12534,7 @@
         </p:nvSpPr>
         <p:spPr>
           <a:xfrm rot="10800000">
-            <a:off x="10066020" y="5947621"/>
+            <a:off x="10066020" y="5953927"/>
             <a:ext cx="2430778" cy="579598"/>
           </a:xfrm>
           <a:prstGeom prst="snip2DiagRect">
@@ -12554,7 +12550,7 @@
           </a:solidFill>
           <a:ln w="95250">
             <a:solidFill>
-              <a:schemeClr val="bg1"/>
+              <a:srgbClr val="2EEE53"/>
             </a:solidFill>
           </a:ln>
           <a:effectLst/>
@@ -12586,10 +12582,10 @@
       </p:sp>
       <p:sp>
         <p:nvSpPr>
-          <p:cNvPr id="11" name="TextBox 10">
-            <a:extLst>
-              <a:ext uri="{FF2B5EF4-FFF2-40B4-BE49-F238E27FC236}">
-                <a16:creationId xmlns:a16="http://schemas.microsoft.com/office/drawing/2014/main" id="{60035FEB-C8BD-4EDD-9B1E-9A87F81EBBCE}"/>
+          <p:cNvPr id="17" name="TextBox 16">
+            <a:extLst>
+              <a:ext uri="{FF2B5EF4-FFF2-40B4-BE49-F238E27FC236}">
+                <a16:creationId xmlns:a16="http://schemas.microsoft.com/office/drawing/2014/main" id="{6CEB6982-E29E-46C2-B9F6-65EDFD188CD7}"/>
               </a:ext>
             </a:extLst>
           </p:cNvPr>
@@ -12598,7 +12594,7 @@
         </p:nvSpPr>
         <p:spPr>
           <a:xfrm>
-            <a:off x="10066020" y="5947623"/>
+            <a:off x="10066020" y="5953929"/>
             <a:ext cx="2340731" cy="584775"/>
           </a:xfrm>
           <a:prstGeom prst="rect">
@@ -12614,7 +12610,7 @@
           <a:p>
             <a:pPr algn="ctr"/>
             <a:r>
-              <a:rPr lang="en-US" sz="3200" u="sng" spc="300" dirty="0">
+              <a:rPr lang="en-US" sz="3200" spc="300" dirty="0">
                 <a:solidFill>
                   <a:srgbClr val="2EEE53"/>
                 </a:solidFill>
@@ -12622,7 +12618,7 @@
               </a:rPr>
               <a:t>Restart</a:t>
             </a:r>
-            <a:endParaRPr lang="en-US" sz="8000" u="sng" spc="300" dirty="0">
+            <a:endParaRPr lang="en-US" sz="8000" spc="300" dirty="0">
               <a:solidFill>
                 <a:srgbClr val="2EEE53"/>
               </a:solidFill>
@@ -12634,7 +12630,7 @@
     </p:spTree>
     <p:extLst>
       <p:ext uri="{BB962C8B-B14F-4D97-AF65-F5344CB8AC3E}">
-        <p14:creationId xmlns:p14="http://schemas.microsoft.com/office/powerpoint/2010/main" val="1820290967"/>
+        <p14:creationId xmlns:p14="http://schemas.microsoft.com/office/powerpoint/2010/main" val="2046252282"/>
       </p:ext>
     </p:extLst>
   </p:cSld>
@@ -13738,10 +13734,10 @@
       </p:sp>
       <p:sp>
         <p:nvSpPr>
-          <p:cNvPr id="21" name="Rectangle: Diagonal Corners Snipped 20">
-            <a:extLst>
-              <a:ext uri="{FF2B5EF4-FFF2-40B4-BE49-F238E27FC236}">
-                <a16:creationId xmlns:a16="http://schemas.microsoft.com/office/drawing/2014/main" id="{55269FB2-D5C2-4595-A855-AF70120B482D}"/>
+          <p:cNvPr id="10" name="Rectangle: Diagonal Corners Snipped 9">
+            <a:extLst>
+              <a:ext uri="{FF2B5EF4-FFF2-40B4-BE49-F238E27FC236}">
+                <a16:creationId xmlns:a16="http://schemas.microsoft.com/office/drawing/2014/main" id="{F2AB6B86-F8D0-4172-9021-1AC403E5BED7}"/>
               </a:ext>
             </a:extLst>
           </p:cNvPr>
@@ -13750,7 +13746,7 @@
         </p:nvSpPr>
         <p:spPr>
           <a:xfrm rot="10800000">
-            <a:off x="-302508" y="5948689"/>
+            <a:off x="-302508" y="5954995"/>
             <a:ext cx="1757927" cy="579598"/>
           </a:xfrm>
           <a:prstGeom prst="snip2DiagRect">
@@ -13798,10 +13794,10 @@
       </p:sp>
       <p:sp>
         <p:nvSpPr>
-          <p:cNvPr id="22" name="TextBox 21">
-            <a:extLst>
-              <a:ext uri="{FF2B5EF4-FFF2-40B4-BE49-F238E27FC236}">
-                <a16:creationId xmlns:a16="http://schemas.microsoft.com/office/drawing/2014/main" id="{3BF0ADAB-2E25-4DFE-A509-7CDF1A777D2D}"/>
+          <p:cNvPr id="11" name="TextBox 10">
+            <a:extLst>
+              <a:ext uri="{FF2B5EF4-FFF2-40B4-BE49-F238E27FC236}">
+                <a16:creationId xmlns:a16="http://schemas.microsoft.com/office/drawing/2014/main" id="{30E2A955-3C25-40DE-8A6D-A0D0CBE4248F}"/>
               </a:ext>
             </a:extLst>
           </p:cNvPr>
@@ -13810,7 +13806,7 @@
         </p:nvSpPr>
         <p:spPr>
           <a:xfrm>
-            <a:off x="-223443" y="5948691"/>
+            <a:off x="-223443" y="5954997"/>
             <a:ext cx="1588814" cy="584775"/>
           </a:xfrm>
           <a:prstGeom prst="rect">
@@ -13845,10 +13841,10 @@
       </p:sp>
       <p:sp>
         <p:nvSpPr>
-          <p:cNvPr id="8" name="Rectangle: Diagonal Corners Snipped 7">
-            <a:extLst>
-              <a:ext uri="{FF2B5EF4-FFF2-40B4-BE49-F238E27FC236}">
-                <a16:creationId xmlns:a16="http://schemas.microsoft.com/office/drawing/2014/main" id="{D11E828C-60B3-4C95-9A1F-6A7A2091F460}"/>
+          <p:cNvPr id="12" name="Rectangle: Diagonal Corners Snipped 11">
+            <a:extLst>
+              <a:ext uri="{FF2B5EF4-FFF2-40B4-BE49-F238E27FC236}">
+                <a16:creationId xmlns:a16="http://schemas.microsoft.com/office/drawing/2014/main" id="{80D35CF2-EE6E-43C8-8790-B40D5D4B931D}"/>
               </a:ext>
             </a:extLst>
           </p:cNvPr>
@@ -13857,7 +13853,7 @@
         </p:nvSpPr>
         <p:spPr>
           <a:xfrm rot="10800000">
-            <a:off x="10738872" y="5947621"/>
+            <a:off x="10738872" y="5953927"/>
             <a:ext cx="1757927" cy="579598"/>
           </a:xfrm>
           <a:prstGeom prst="snip2DiagRect">
@@ -13905,10 +13901,10 @@
       </p:sp>
       <p:sp>
         <p:nvSpPr>
-          <p:cNvPr id="9" name="TextBox 8">
-            <a:extLst>
-              <a:ext uri="{FF2B5EF4-FFF2-40B4-BE49-F238E27FC236}">
-                <a16:creationId xmlns:a16="http://schemas.microsoft.com/office/drawing/2014/main" id="{14B2AACE-269F-4FD5-907E-F3A451CE5443}"/>
+          <p:cNvPr id="13" name="TextBox 12">
+            <a:extLst>
+              <a:ext uri="{FF2B5EF4-FFF2-40B4-BE49-F238E27FC236}">
+                <a16:creationId xmlns:a16="http://schemas.microsoft.com/office/drawing/2014/main" id="{0DD89042-9E03-4701-846F-40AC637EB6F1}"/>
               </a:ext>
             </a:extLst>
           </p:cNvPr>
@@ -13917,7 +13913,7 @@
         </p:nvSpPr>
         <p:spPr>
           <a:xfrm>
-            <a:off x="10817937" y="5947623"/>
+            <a:off x="10817937" y="5953929"/>
             <a:ext cx="1588814" cy="584775"/>
           </a:xfrm>
           <a:prstGeom prst="rect">
@@ -13982,10 +13978,10 @@
       </p:grpSpPr>
       <p:sp>
         <p:nvSpPr>
-          <p:cNvPr id="33" name="Rectangle: Diagonal Corners Snipped 32">
-            <a:extLst>
-              <a:ext uri="{FF2B5EF4-FFF2-40B4-BE49-F238E27FC236}">
-                <a16:creationId xmlns:a16="http://schemas.microsoft.com/office/drawing/2014/main" id="{5AC22A66-BD1C-4AD6-A5D0-9C9F8E4FF764}"/>
+          <p:cNvPr id="37" name="Rectangle: Diagonal Corners Snipped 36">
+            <a:extLst>
+              <a:ext uri="{FF2B5EF4-FFF2-40B4-BE49-F238E27FC236}">
+                <a16:creationId xmlns:a16="http://schemas.microsoft.com/office/drawing/2014/main" id="{EEFE3E76-8EBC-4733-AEC7-EE7031520585}"/>
               </a:ext>
             </a:extLst>
           </p:cNvPr>
@@ -13994,7 +13990,7 @@
         </p:nvSpPr>
         <p:spPr>
           <a:xfrm>
-            <a:off x="-302508" y="4920450"/>
+            <a:off x="8153137" y="4938802"/>
             <a:ext cx="4379208" cy="1015662"/>
           </a:xfrm>
           <a:prstGeom prst="snip2DiagRect">
@@ -14042,10 +14038,10 @@
       </p:sp>
       <p:sp>
         <p:nvSpPr>
-          <p:cNvPr id="34" name="TextBox 33">
-            <a:extLst>
-              <a:ext uri="{FF2B5EF4-FFF2-40B4-BE49-F238E27FC236}">
-                <a16:creationId xmlns:a16="http://schemas.microsoft.com/office/drawing/2014/main" id="{1ED1439D-1351-4562-85BD-D942DC3531A0}"/>
+          <p:cNvPr id="38" name="TextBox 37">
+            <a:extLst>
+              <a:ext uri="{FF2B5EF4-FFF2-40B4-BE49-F238E27FC236}">
+                <a16:creationId xmlns:a16="http://schemas.microsoft.com/office/drawing/2014/main" id="{46D89E96-512D-4DF9-9AA6-F7B266F2C4BB}"/>
               </a:ext>
             </a:extLst>
           </p:cNvPr>
@@ -14054,7 +14050,7 @@
         </p:nvSpPr>
         <p:spPr>
           <a:xfrm>
-            <a:off x="1" y="4919420"/>
+            <a:off x="8153137" y="4938802"/>
             <a:ext cx="4076700" cy="1015663"/>
           </a:xfrm>
           <a:prstGeom prst="rect">
@@ -14076,7 +14072,7 @@
                 </a:solidFill>
                 <a:latin typeface="Impact" panose="020B0806030902050204" pitchFamily="34" charset="0"/>
               </a:rPr>
-              <a:t>Decrypt</a:t>
+              <a:t>Encrypt</a:t>
             </a:r>
             <a:endParaRPr lang="en-US" sz="8000" spc="300" dirty="0">
               <a:solidFill>
@@ -14089,10 +14085,10 @@
       </p:sp>
       <p:sp>
         <p:nvSpPr>
-          <p:cNvPr id="37" name="Rectangle: Diagonal Corners Snipped 36">
-            <a:extLst>
-              <a:ext uri="{FF2B5EF4-FFF2-40B4-BE49-F238E27FC236}">
-                <a16:creationId xmlns:a16="http://schemas.microsoft.com/office/drawing/2014/main" id="{EEFE3E76-8EBC-4733-AEC7-EE7031520585}"/>
+          <p:cNvPr id="40" name="Rectangle: Diagonal Corners Snipped 39">
+            <a:extLst>
+              <a:ext uri="{FF2B5EF4-FFF2-40B4-BE49-F238E27FC236}">
+                <a16:creationId xmlns:a16="http://schemas.microsoft.com/office/drawing/2014/main" id="{7BBCF4E2-9D5D-4D65-9B24-D6E002BE26A6}"/>
               </a:ext>
             </a:extLst>
           </p:cNvPr>
@@ -14101,14 +14097,11 @@
         </p:nvSpPr>
         <p:spPr>
           <a:xfrm>
-            <a:off x="8115299" y="4919420"/>
-            <a:ext cx="4379208" cy="1015662"/>
+            <a:off x="-375920" y="329713"/>
+            <a:ext cx="10043160" cy="2007573"/>
           </a:xfrm>
           <a:prstGeom prst="snip2DiagRect">
-            <a:avLst>
-              <a:gd name="adj1" fmla="val 0"/>
-              <a:gd name="adj2" fmla="val 31559"/>
-            </a:avLst>
+            <a:avLst/>
           </a:prstGeom>
           <a:solidFill>
             <a:schemeClr val="tx1">
@@ -14149,10 +14142,10 @@
       </p:sp>
       <p:sp>
         <p:nvSpPr>
-          <p:cNvPr id="38" name="TextBox 37">
-            <a:extLst>
-              <a:ext uri="{FF2B5EF4-FFF2-40B4-BE49-F238E27FC236}">
-                <a16:creationId xmlns:a16="http://schemas.microsoft.com/office/drawing/2014/main" id="{46D89E96-512D-4DF9-9AA6-F7B266F2C4BB}"/>
+          <p:cNvPr id="41" name="TextBox 40">
+            <a:extLst>
+              <a:ext uri="{FF2B5EF4-FFF2-40B4-BE49-F238E27FC236}">
+                <a16:creationId xmlns:a16="http://schemas.microsoft.com/office/drawing/2014/main" id="{27B6D619-A007-418F-B651-9AF637930451}"/>
               </a:ext>
             </a:extLst>
           </p:cNvPr>
@@ -14161,8 +14154,8 @@
         </p:nvSpPr>
         <p:spPr>
           <a:xfrm>
-            <a:off x="8115299" y="4919420"/>
-            <a:ext cx="4076700" cy="1015663"/>
+            <a:off x="0" y="386080"/>
+            <a:ext cx="9667240" cy="947420"/>
           </a:xfrm>
           <a:prstGeom prst="rect">
             <a:avLst/>
@@ -14175,31 +14168,92 @@
           </a:bodyPr>
           <a:lstStyle/>
           <a:p>
-            <a:pPr algn="ctr"/>
-            <a:r>
-              <a:rPr lang="en-US" sz="6000" u="sng" spc="300" dirty="0">
-                <a:solidFill>
-                  <a:srgbClr val="2EEE53"/>
-                </a:solidFill>
-                <a:latin typeface="Impact" panose="020B0806030902050204" pitchFamily="34" charset="0"/>
-              </a:rPr>
-              <a:t>Encrypt</a:t>
-            </a:r>
-            <a:endParaRPr lang="en-US" sz="8000" u="sng" spc="300" dirty="0">
-              <a:solidFill>
-                <a:srgbClr val="2EEE53"/>
-              </a:solidFill>
-              <a:latin typeface="Impact" panose="020B0806030902050204" pitchFamily="34" charset="0"/>
-            </a:endParaRPr>
-          </a:p>
-        </p:txBody>
-      </p:sp>
-      <p:sp>
-        <p:nvSpPr>
-          <p:cNvPr id="40" name="Rectangle: Diagonal Corners Snipped 39">
-            <a:extLst>
-              <a:ext uri="{FF2B5EF4-FFF2-40B4-BE49-F238E27FC236}">
-                <a16:creationId xmlns:a16="http://schemas.microsoft.com/office/drawing/2014/main" id="{7BBCF4E2-9D5D-4D65-9B24-D6E002BE26A6}"/>
+            <a:r>
+              <a:rPr lang="en-US" sz="5400" spc="300" dirty="0">
+                <a:solidFill>
+                  <a:schemeClr val="bg1"/>
+                </a:solidFill>
+                <a:latin typeface="Impact" panose="020B0806030902050204" pitchFamily="34" charset="0"/>
+              </a:rPr>
+              <a:t>	</a:t>
+            </a:r>
+            <a:r>
+              <a:rPr lang="en-US" sz="4800" spc="300" dirty="0">
+                <a:solidFill>
+                  <a:srgbClr val="2EEE53"/>
+                </a:solidFill>
+                <a:latin typeface="Impact" panose="020B0806030902050204" pitchFamily="34" charset="0"/>
+              </a:rPr>
+              <a:t>Project - WEX.asm:</a:t>
+            </a:r>
+            <a:r>
+              <a:rPr lang="en-US" sz="5400" spc="300" dirty="0">
+                <a:solidFill>
+                  <a:schemeClr val="bg1"/>
+                </a:solidFill>
+                <a:latin typeface="Impact" panose="020B0806030902050204" pitchFamily="34" charset="0"/>
+              </a:rPr>
+              <a:t>	</a:t>
+            </a:r>
+          </a:p>
+        </p:txBody>
+      </p:sp>
+      <p:sp>
+        <p:nvSpPr>
+          <p:cNvPr id="42" name="TextBox 41">
+            <a:extLst>
+              <a:ext uri="{FF2B5EF4-FFF2-40B4-BE49-F238E27FC236}">
+                <a16:creationId xmlns:a16="http://schemas.microsoft.com/office/drawing/2014/main" id="{7070F77C-DBF6-4383-8BE7-082ABA4FFE40}"/>
+              </a:ext>
+            </a:extLst>
+          </p:cNvPr>
+          <p:cNvSpPr txBox="1"/>
+          <p:nvPr/>
+        </p:nvSpPr>
+        <p:spPr>
+          <a:xfrm>
+            <a:off x="0" y="1213767"/>
+            <a:ext cx="9667240" cy="1015663"/>
+          </a:xfrm>
+          <a:prstGeom prst="rect">
+            <a:avLst/>
+          </a:prstGeom>
+          <a:noFill/>
+        </p:spPr>
+        <p:txBody>
+          <a:bodyPr wrap="square" rtlCol="0">
+            <a:spAutoFit/>
+          </a:bodyPr>
+          <a:lstStyle/>
+          <a:p>
+            <a:pPr algn="ctr"/>
+            <a:r>
+              <a:rPr lang="en-US" sz="6000" spc="300" dirty="0">
+                <a:solidFill>
+                  <a:schemeClr val="bg1"/>
+                </a:solidFill>
+                <a:latin typeface="Impact" panose="020B0806030902050204" pitchFamily="34" charset="0"/>
+              </a:rPr>
+              <a:t>	         </a:t>
+            </a:r>
+            <a:r>
+              <a:rPr lang="en-US" sz="6000" spc="300" dirty="0">
+                <a:solidFill>
+                  <a:srgbClr val="2EEE53"/>
+                </a:solidFill>
+                <a:latin typeface="Impact" panose="020B0806030902050204" pitchFamily="34" charset="0"/>
+              </a:rPr>
+              <a:t>Mission Encryption	</a:t>
+            </a:r>
+          </a:p>
+        </p:txBody>
+      </p:sp>
+      <p:sp>
+        <p:nvSpPr>
+          <p:cNvPr id="16" name="Rectangle: Diagonal Corners Snipped 15">
+            <a:extLst>
+              <a:ext uri="{FF2B5EF4-FFF2-40B4-BE49-F238E27FC236}">
+                <a16:creationId xmlns:a16="http://schemas.microsoft.com/office/drawing/2014/main" id="{68044510-FB9F-4213-8053-A939E065310A}"/>
               </a:ext>
             </a:extLst>
           </p:cNvPr>
@@ -14207,12 +14261,15 @@
           <p:nvPr/>
         </p:nvSpPr>
         <p:spPr>
-          <a:xfrm>
-            <a:off x="-375920" y="329713"/>
-            <a:ext cx="10043160" cy="2007573"/>
+          <a:xfrm rot="10800000">
+            <a:off x="-302508" y="5954995"/>
+            <a:ext cx="1757927" cy="579598"/>
           </a:xfrm>
           <a:prstGeom prst="snip2DiagRect">
-            <a:avLst/>
+            <a:avLst>
+              <a:gd name="adj1" fmla="val 50000"/>
+              <a:gd name="adj2" fmla="val 0"/>
+            </a:avLst>
           </a:prstGeom>
           <a:solidFill>
             <a:schemeClr val="tx1">
@@ -14247,16 +14304,16 @@
           <a:lstStyle/>
           <a:p>
             <a:pPr algn="ctr"/>
-            <a:endParaRPr lang="en-US"/>
-          </a:p>
-        </p:txBody>
-      </p:sp>
-      <p:sp>
-        <p:nvSpPr>
-          <p:cNvPr id="41" name="TextBox 40">
-            <a:extLst>
-              <a:ext uri="{FF2B5EF4-FFF2-40B4-BE49-F238E27FC236}">
-                <a16:creationId xmlns:a16="http://schemas.microsoft.com/office/drawing/2014/main" id="{27B6D619-A007-418F-B651-9AF637930451}"/>
+            <a:endParaRPr lang="en-US" dirty="0"/>
+          </a:p>
+        </p:txBody>
+      </p:sp>
+      <p:sp>
+        <p:nvSpPr>
+          <p:cNvPr id="17" name="TextBox 16">
+            <a:extLst>
+              <a:ext uri="{FF2B5EF4-FFF2-40B4-BE49-F238E27FC236}">
+                <a16:creationId xmlns:a16="http://schemas.microsoft.com/office/drawing/2014/main" id="{0138DD4C-CC3E-4BBA-B035-FE486B8211E6}"/>
               </a:ext>
             </a:extLst>
           </p:cNvPr>
@@ -14265,175 +14322,7 @@
         </p:nvSpPr>
         <p:spPr>
           <a:xfrm>
-            <a:off x="0" y="386080"/>
-            <a:ext cx="9667240" cy="947420"/>
-          </a:xfrm>
-          <a:prstGeom prst="rect">
-            <a:avLst/>
-          </a:prstGeom>
-          <a:noFill/>
-        </p:spPr>
-        <p:txBody>
-          <a:bodyPr wrap="square" rtlCol="0">
-            <a:spAutoFit/>
-          </a:bodyPr>
-          <a:lstStyle/>
-          <a:p>
-            <a:r>
-              <a:rPr lang="en-US" sz="5400" spc="300" dirty="0">
-                <a:solidFill>
-                  <a:schemeClr val="bg1"/>
-                </a:solidFill>
-                <a:latin typeface="Impact" panose="020B0806030902050204" pitchFamily="34" charset="0"/>
-              </a:rPr>
-              <a:t>	</a:t>
-            </a:r>
-            <a:r>
-              <a:rPr lang="en-US" sz="4800" spc="300" dirty="0">
-                <a:solidFill>
-                  <a:srgbClr val="2EEE53"/>
-                </a:solidFill>
-                <a:latin typeface="Impact" panose="020B0806030902050204" pitchFamily="34" charset="0"/>
-              </a:rPr>
-              <a:t>Project - WEX.asm:</a:t>
-            </a:r>
-            <a:r>
-              <a:rPr lang="en-US" sz="5400" spc="300" dirty="0">
-                <a:solidFill>
-                  <a:schemeClr val="bg1"/>
-                </a:solidFill>
-                <a:latin typeface="Impact" panose="020B0806030902050204" pitchFamily="34" charset="0"/>
-              </a:rPr>
-              <a:t>	</a:t>
-            </a:r>
-          </a:p>
-        </p:txBody>
-      </p:sp>
-      <p:sp>
-        <p:nvSpPr>
-          <p:cNvPr id="42" name="TextBox 41">
-            <a:extLst>
-              <a:ext uri="{FF2B5EF4-FFF2-40B4-BE49-F238E27FC236}">
-                <a16:creationId xmlns:a16="http://schemas.microsoft.com/office/drawing/2014/main" id="{7070F77C-DBF6-4383-8BE7-082ABA4FFE40}"/>
-              </a:ext>
-            </a:extLst>
-          </p:cNvPr>
-          <p:cNvSpPr txBox="1"/>
-          <p:nvPr/>
-        </p:nvSpPr>
-        <p:spPr>
-          <a:xfrm>
-            <a:off x="0" y="1213767"/>
-            <a:ext cx="9667240" cy="1015663"/>
-          </a:xfrm>
-          <a:prstGeom prst="rect">
-            <a:avLst/>
-          </a:prstGeom>
-          <a:noFill/>
-        </p:spPr>
-        <p:txBody>
-          <a:bodyPr wrap="square" rtlCol="0">
-            <a:spAutoFit/>
-          </a:bodyPr>
-          <a:lstStyle/>
-          <a:p>
-            <a:pPr algn="ctr"/>
-            <a:r>
-              <a:rPr lang="en-US" sz="6000" spc="300" dirty="0">
-                <a:solidFill>
-                  <a:schemeClr val="bg1"/>
-                </a:solidFill>
-                <a:latin typeface="Impact" panose="020B0806030902050204" pitchFamily="34" charset="0"/>
-              </a:rPr>
-              <a:t>	         </a:t>
-            </a:r>
-            <a:r>
-              <a:rPr lang="en-US" sz="6000" spc="300" dirty="0">
-                <a:solidFill>
-                  <a:srgbClr val="2EEE53"/>
-                </a:solidFill>
-                <a:latin typeface="Impact" panose="020B0806030902050204" pitchFamily="34" charset="0"/>
-              </a:rPr>
-              <a:t>Mission Encryption	</a:t>
-            </a:r>
-          </a:p>
-        </p:txBody>
-      </p:sp>
-      <p:sp>
-        <p:nvSpPr>
-          <p:cNvPr id="21" name="Rectangle: Diagonal Corners Snipped 20">
-            <a:extLst>
-              <a:ext uri="{FF2B5EF4-FFF2-40B4-BE49-F238E27FC236}">
-                <a16:creationId xmlns:a16="http://schemas.microsoft.com/office/drawing/2014/main" id="{741A35F0-FEF2-4F12-8A3D-FE5F85594A5C}"/>
-              </a:ext>
-            </a:extLst>
-          </p:cNvPr>
-          <p:cNvSpPr/>
-          <p:nvPr/>
-        </p:nvSpPr>
-        <p:spPr>
-          <a:xfrm rot="10800000">
-            <a:off x="-302508" y="5956010"/>
-            <a:ext cx="1757927" cy="579598"/>
-          </a:xfrm>
-          <a:prstGeom prst="snip2DiagRect">
-            <a:avLst>
-              <a:gd name="adj1" fmla="val 50000"/>
-              <a:gd name="adj2" fmla="val 0"/>
-            </a:avLst>
-          </a:prstGeom>
-          <a:solidFill>
-            <a:schemeClr val="tx1">
-              <a:alpha val="60000"/>
-            </a:schemeClr>
-          </a:solidFill>
-          <a:ln w="95250">
-            <a:solidFill>
-              <a:schemeClr val="bg1"/>
-            </a:solidFill>
-          </a:ln>
-          <a:effectLst/>
-        </p:spPr>
-        <p:style>
-          <a:lnRef idx="2">
-            <a:schemeClr val="accent1">
-              <a:shade val="50000"/>
-            </a:schemeClr>
-          </a:lnRef>
-          <a:fillRef idx="1">
-            <a:schemeClr val="accent1"/>
-          </a:fillRef>
-          <a:effectRef idx="0">
-            <a:schemeClr val="accent1"/>
-          </a:effectRef>
-          <a:fontRef idx="minor">
-            <a:schemeClr val="lt1"/>
-          </a:fontRef>
-        </p:style>
-        <p:txBody>
-          <a:bodyPr rtlCol="0" anchor="ctr"/>
-          <a:lstStyle/>
-          <a:p>
-            <a:pPr algn="ctr"/>
-            <a:endParaRPr lang="en-US" dirty="0"/>
-          </a:p>
-        </p:txBody>
-      </p:sp>
-      <p:sp>
-        <p:nvSpPr>
-          <p:cNvPr id="22" name="TextBox 21">
-            <a:extLst>
-              <a:ext uri="{FF2B5EF4-FFF2-40B4-BE49-F238E27FC236}">
-                <a16:creationId xmlns:a16="http://schemas.microsoft.com/office/drawing/2014/main" id="{8B7D35F3-6ABC-4B2F-B4FF-D6FF6EB49741}"/>
-              </a:ext>
-            </a:extLst>
-          </p:cNvPr>
-          <p:cNvSpPr txBox="1"/>
-          <p:nvPr/>
-        </p:nvSpPr>
-        <p:spPr>
-          <a:xfrm>
-            <a:off x="-223443" y="5956012"/>
+            <a:off x="-223443" y="5954997"/>
             <a:ext cx="1588814" cy="584775"/>
           </a:xfrm>
           <a:prstGeom prst="rect">
@@ -14466,10 +14355,117 @@
           </a:p>
         </p:txBody>
       </p:sp>
+      <p:sp>
+        <p:nvSpPr>
+          <p:cNvPr id="18" name="Rectangle: Diagonal Corners Snipped 17">
+            <a:extLst>
+              <a:ext uri="{FF2B5EF4-FFF2-40B4-BE49-F238E27FC236}">
+                <a16:creationId xmlns:a16="http://schemas.microsoft.com/office/drawing/2014/main" id="{AC78F248-E5EB-42D3-9E5E-0D2292CBF718}"/>
+              </a:ext>
+            </a:extLst>
+          </p:cNvPr>
+          <p:cNvSpPr/>
+          <p:nvPr/>
+        </p:nvSpPr>
+        <p:spPr>
+          <a:xfrm>
+            <a:off x="-340344" y="4939832"/>
+            <a:ext cx="4379208" cy="1015662"/>
+          </a:xfrm>
+          <a:prstGeom prst="snip2DiagRect">
+            <a:avLst>
+              <a:gd name="adj1" fmla="val 0"/>
+              <a:gd name="adj2" fmla="val 31559"/>
+            </a:avLst>
+          </a:prstGeom>
+          <a:solidFill>
+            <a:schemeClr val="tx1">
+              <a:alpha val="60000"/>
+            </a:schemeClr>
+          </a:solidFill>
+          <a:ln w="95250">
+            <a:solidFill>
+              <a:srgbClr val="2EEE53"/>
+            </a:solidFill>
+          </a:ln>
+          <a:effectLst/>
+        </p:spPr>
+        <p:style>
+          <a:lnRef idx="2">
+            <a:schemeClr val="accent1">
+              <a:shade val="50000"/>
+            </a:schemeClr>
+          </a:lnRef>
+          <a:fillRef idx="1">
+            <a:schemeClr val="accent1"/>
+          </a:fillRef>
+          <a:effectRef idx="0">
+            <a:schemeClr val="accent1"/>
+          </a:effectRef>
+          <a:fontRef idx="minor">
+            <a:schemeClr val="lt1"/>
+          </a:fontRef>
+        </p:style>
+        <p:txBody>
+          <a:bodyPr rtlCol="0" anchor="ctr"/>
+          <a:lstStyle/>
+          <a:p>
+            <a:pPr algn="ctr"/>
+            <a:endParaRPr lang="en-US"/>
+          </a:p>
+        </p:txBody>
+      </p:sp>
+      <p:sp>
+        <p:nvSpPr>
+          <p:cNvPr id="19" name="TextBox 18">
+            <a:extLst>
+              <a:ext uri="{FF2B5EF4-FFF2-40B4-BE49-F238E27FC236}">
+                <a16:creationId xmlns:a16="http://schemas.microsoft.com/office/drawing/2014/main" id="{9911CC9D-FAC7-4F9D-97A1-FF3974CFB44D}"/>
+              </a:ext>
+            </a:extLst>
+          </p:cNvPr>
+          <p:cNvSpPr txBox="1"/>
+          <p:nvPr/>
+        </p:nvSpPr>
+        <p:spPr>
+          <a:xfrm>
+            <a:off x="-37836" y="4934653"/>
+            <a:ext cx="4076700" cy="1015663"/>
+          </a:xfrm>
+          <a:prstGeom prst="rect">
+            <a:avLst/>
+          </a:prstGeom>
+          <a:noFill/>
+        </p:spPr>
+        <p:txBody>
+          <a:bodyPr wrap="square" rtlCol="0">
+            <a:spAutoFit/>
+          </a:bodyPr>
+          <a:lstStyle/>
+          <a:p>
+            <a:pPr algn="ctr"/>
+            <a:r>
+              <a:rPr lang="en-US" sz="6000" spc="300" dirty="0">
+                <a:solidFill>
+                  <a:srgbClr val="2EEE53"/>
+                </a:solidFill>
+                <a:latin typeface="Impact" panose="020B0806030902050204" pitchFamily="34" charset="0"/>
+              </a:rPr>
+              <a:t>Decrypt</a:t>
+            </a:r>
+            <a:endParaRPr lang="en-US" sz="8000" spc="300" dirty="0">
+              <a:solidFill>
+                <a:srgbClr val="2EEE53"/>
+              </a:solidFill>
+              <a:latin typeface="Impact" panose="020B0806030902050204" pitchFamily="34" charset="0"/>
+            </a:endParaRPr>
+          </a:p>
+        </p:txBody>
+      </p:sp>
     </p:spTree>
     <p:extLst>
       <p:ext uri="{BB962C8B-B14F-4D97-AF65-F5344CB8AC3E}">
-        <p14:creationId xmlns:p14="http://schemas.microsoft.com/office/powerpoint/2010/main" val="677481355"/>
+        <p14:creationId xmlns:p14="http://schemas.microsoft.com/office/powerpoint/2010/main" val="1512776803"/>
       </p:ext>
     </p:extLst>
   </p:cSld>
@@ -14829,10 +14825,10 @@
       </p:sp>
       <p:sp>
         <p:nvSpPr>
-          <p:cNvPr id="21" name="Rectangle: Diagonal Corners Snipped 20">
-            <a:extLst>
-              <a:ext uri="{FF2B5EF4-FFF2-40B4-BE49-F238E27FC236}">
-                <a16:creationId xmlns:a16="http://schemas.microsoft.com/office/drawing/2014/main" id="{55269FB2-D5C2-4595-A855-AF70120B482D}"/>
+          <p:cNvPr id="10" name="Rectangle: Diagonal Corners Snipped 9">
+            <a:extLst>
+              <a:ext uri="{FF2B5EF4-FFF2-40B4-BE49-F238E27FC236}">
+                <a16:creationId xmlns:a16="http://schemas.microsoft.com/office/drawing/2014/main" id="{F2AB6B86-F8D0-4172-9021-1AC403E5BED7}"/>
               </a:ext>
             </a:extLst>
           </p:cNvPr>
@@ -14841,7 +14837,114 @@
         </p:nvSpPr>
         <p:spPr>
           <a:xfrm rot="10800000">
-            <a:off x="-302508" y="5948689"/>
+            <a:off x="-302508" y="5954995"/>
+            <a:ext cx="1757927" cy="579598"/>
+          </a:xfrm>
+          <a:prstGeom prst="snip2DiagRect">
+            <a:avLst>
+              <a:gd name="adj1" fmla="val 50000"/>
+              <a:gd name="adj2" fmla="val 0"/>
+            </a:avLst>
+          </a:prstGeom>
+          <a:solidFill>
+            <a:schemeClr val="tx1">
+              <a:alpha val="60000"/>
+            </a:schemeClr>
+          </a:solidFill>
+          <a:ln w="95250">
+            <a:solidFill>
+              <a:srgbClr val="C00000"/>
+            </a:solidFill>
+          </a:ln>
+          <a:effectLst/>
+        </p:spPr>
+        <p:style>
+          <a:lnRef idx="2">
+            <a:schemeClr val="accent1">
+              <a:shade val="50000"/>
+            </a:schemeClr>
+          </a:lnRef>
+          <a:fillRef idx="1">
+            <a:schemeClr val="accent1"/>
+          </a:fillRef>
+          <a:effectRef idx="0">
+            <a:schemeClr val="accent1"/>
+          </a:effectRef>
+          <a:fontRef idx="minor">
+            <a:schemeClr val="lt1"/>
+          </a:fontRef>
+        </p:style>
+        <p:txBody>
+          <a:bodyPr rtlCol="0" anchor="ctr"/>
+          <a:lstStyle/>
+          <a:p>
+            <a:pPr algn="ctr"/>
+            <a:endParaRPr lang="en-US" dirty="0"/>
+          </a:p>
+        </p:txBody>
+      </p:sp>
+      <p:sp>
+        <p:nvSpPr>
+          <p:cNvPr id="11" name="TextBox 10">
+            <a:extLst>
+              <a:ext uri="{FF2B5EF4-FFF2-40B4-BE49-F238E27FC236}">
+                <a16:creationId xmlns:a16="http://schemas.microsoft.com/office/drawing/2014/main" id="{30E2A955-3C25-40DE-8A6D-A0D0CBE4248F}"/>
+              </a:ext>
+            </a:extLst>
+          </p:cNvPr>
+          <p:cNvSpPr txBox="1"/>
+          <p:nvPr/>
+        </p:nvSpPr>
+        <p:spPr>
+          <a:xfrm>
+            <a:off x="-223443" y="5954997"/>
+            <a:ext cx="1588814" cy="584775"/>
+          </a:xfrm>
+          <a:prstGeom prst="rect">
+            <a:avLst/>
+          </a:prstGeom>
+          <a:noFill/>
+        </p:spPr>
+        <p:txBody>
+          <a:bodyPr wrap="square" rtlCol="0">
+            <a:spAutoFit/>
+          </a:bodyPr>
+          <a:lstStyle/>
+          <a:p>
+            <a:pPr algn="ctr"/>
+            <a:r>
+              <a:rPr lang="en-US" sz="3200" spc="300" dirty="0">
+                <a:solidFill>
+                  <a:srgbClr val="C00000"/>
+                </a:solidFill>
+                <a:latin typeface="Impact" panose="020B0806030902050204" pitchFamily="34" charset="0"/>
+              </a:rPr>
+              <a:t>Back</a:t>
+            </a:r>
+            <a:endParaRPr lang="en-US" sz="8000" spc="300" dirty="0">
+              <a:solidFill>
+                <a:srgbClr val="C00000"/>
+              </a:solidFill>
+              <a:latin typeface="Impact" panose="020B0806030902050204" pitchFamily="34" charset="0"/>
+            </a:endParaRPr>
+          </a:p>
+        </p:txBody>
+      </p:sp>
+      <p:sp>
+        <p:nvSpPr>
+          <p:cNvPr id="12" name="Rectangle: Diagonal Corners Snipped 11">
+            <a:extLst>
+              <a:ext uri="{FF2B5EF4-FFF2-40B4-BE49-F238E27FC236}">
+                <a16:creationId xmlns:a16="http://schemas.microsoft.com/office/drawing/2014/main" id="{80D35CF2-EE6E-43C8-8790-B40D5D4B931D}"/>
+              </a:ext>
+            </a:extLst>
+          </p:cNvPr>
+          <p:cNvSpPr/>
+          <p:nvPr/>
+        </p:nvSpPr>
+        <p:spPr>
+          <a:xfrm rot="10800000">
+            <a:off x="10738872" y="5953927"/>
             <a:ext cx="1757927" cy="579598"/>
           </a:xfrm>
           <a:prstGeom prst="snip2DiagRect">
@@ -14889,10 +14992,10 @@
       </p:sp>
       <p:sp>
         <p:nvSpPr>
-          <p:cNvPr id="22" name="TextBox 21">
-            <a:extLst>
-              <a:ext uri="{FF2B5EF4-FFF2-40B4-BE49-F238E27FC236}">
-                <a16:creationId xmlns:a16="http://schemas.microsoft.com/office/drawing/2014/main" id="{3BF0ADAB-2E25-4DFE-A509-7CDF1A777D2D}"/>
+          <p:cNvPr id="13" name="TextBox 12">
+            <a:extLst>
+              <a:ext uri="{FF2B5EF4-FFF2-40B4-BE49-F238E27FC236}">
+                <a16:creationId xmlns:a16="http://schemas.microsoft.com/office/drawing/2014/main" id="{0DD89042-9E03-4701-846F-40AC637EB6F1}"/>
               </a:ext>
             </a:extLst>
           </p:cNvPr>
@@ -14901,114 +15004,7 @@
         </p:nvSpPr>
         <p:spPr>
           <a:xfrm>
-            <a:off x="-223443" y="5948691"/>
-            <a:ext cx="1588814" cy="584775"/>
-          </a:xfrm>
-          <a:prstGeom prst="rect">
-            <a:avLst/>
-          </a:prstGeom>
-          <a:noFill/>
-        </p:spPr>
-        <p:txBody>
-          <a:bodyPr wrap="square" rtlCol="0">
-            <a:spAutoFit/>
-          </a:bodyPr>
-          <a:lstStyle/>
-          <a:p>
-            <a:pPr algn="ctr"/>
-            <a:r>
-              <a:rPr lang="en-US" sz="3200" u="sng" spc="300" dirty="0">
-                <a:solidFill>
-                  <a:srgbClr val="C00000"/>
-                </a:solidFill>
-                <a:latin typeface="Impact" panose="020B0806030902050204" pitchFamily="34" charset="0"/>
-              </a:rPr>
-              <a:t>Back</a:t>
-            </a:r>
-            <a:endParaRPr lang="en-US" sz="8000" u="sng" spc="300" dirty="0">
-              <a:solidFill>
-                <a:srgbClr val="C00000"/>
-              </a:solidFill>
-              <a:latin typeface="Impact" panose="020B0806030902050204" pitchFamily="34" charset="0"/>
-            </a:endParaRPr>
-          </a:p>
-        </p:txBody>
-      </p:sp>
-      <p:sp>
-        <p:nvSpPr>
-          <p:cNvPr id="8" name="Rectangle: Diagonal Corners Snipped 7">
-            <a:extLst>
-              <a:ext uri="{FF2B5EF4-FFF2-40B4-BE49-F238E27FC236}">
-                <a16:creationId xmlns:a16="http://schemas.microsoft.com/office/drawing/2014/main" id="{D11E828C-60B3-4C95-9A1F-6A7A2091F460}"/>
-              </a:ext>
-            </a:extLst>
-          </p:cNvPr>
-          <p:cNvSpPr/>
-          <p:nvPr/>
-        </p:nvSpPr>
-        <p:spPr>
-          <a:xfrm rot="10800000">
-            <a:off x="10738872" y="5947621"/>
-            <a:ext cx="1757927" cy="579598"/>
-          </a:xfrm>
-          <a:prstGeom prst="snip2DiagRect">
-            <a:avLst>
-              <a:gd name="adj1" fmla="val 50000"/>
-              <a:gd name="adj2" fmla="val 0"/>
-            </a:avLst>
-          </a:prstGeom>
-          <a:solidFill>
-            <a:schemeClr val="tx1">
-              <a:alpha val="60000"/>
-            </a:schemeClr>
-          </a:solidFill>
-          <a:ln w="95250">
-            <a:solidFill>
-              <a:schemeClr val="bg1"/>
-            </a:solidFill>
-          </a:ln>
-          <a:effectLst/>
-        </p:spPr>
-        <p:style>
-          <a:lnRef idx="2">
-            <a:schemeClr val="accent1">
-              <a:shade val="50000"/>
-            </a:schemeClr>
-          </a:lnRef>
-          <a:fillRef idx="1">
-            <a:schemeClr val="accent1"/>
-          </a:fillRef>
-          <a:effectRef idx="0">
-            <a:schemeClr val="accent1"/>
-          </a:effectRef>
-          <a:fontRef idx="minor">
-            <a:schemeClr val="lt1"/>
-          </a:fontRef>
-        </p:style>
-        <p:txBody>
-          <a:bodyPr rtlCol="0" anchor="ctr"/>
-          <a:lstStyle/>
-          <a:p>
-            <a:pPr algn="ctr"/>
-            <a:endParaRPr lang="en-US" dirty="0"/>
-          </a:p>
-        </p:txBody>
-      </p:sp>
-      <p:sp>
-        <p:nvSpPr>
-          <p:cNvPr id="9" name="TextBox 8">
-            <a:extLst>
-              <a:ext uri="{FF2B5EF4-FFF2-40B4-BE49-F238E27FC236}">
-                <a16:creationId xmlns:a16="http://schemas.microsoft.com/office/drawing/2014/main" id="{14B2AACE-269F-4FD5-907E-F3A451CE5443}"/>
-              </a:ext>
-            </a:extLst>
-          </p:cNvPr>
-          <p:cNvSpPr txBox="1"/>
-          <p:nvPr/>
-        </p:nvSpPr>
-        <p:spPr>
-          <a:xfrm>
-            <a:off x="10817937" y="5947623"/>
+            <a:off x="10817937" y="5953929"/>
             <a:ext cx="1588814" cy="584775"/>
           </a:xfrm>
           <a:prstGeom prst="rect">
@@ -15044,7 +15040,7 @@
     </p:spTree>
     <p:extLst>
       <p:ext uri="{BB962C8B-B14F-4D97-AF65-F5344CB8AC3E}">
-        <p14:creationId xmlns:p14="http://schemas.microsoft.com/office/powerpoint/2010/main" val="1606287899"/>
+        <p14:creationId xmlns:p14="http://schemas.microsoft.com/office/powerpoint/2010/main" val="767479335"/>
       </p:ext>
     </p:extLst>
   </p:cSld>
@@ -15404,10 +15400,10 @@
       </p:sp>
       <p:sp>
         <p:nvSpPr>
-          <p:cNvPr id="21" name="Rectangle: Diagonal Corners Snipped 20">
-            <a:extLst>
-              <a:ext uri="{FF2B5EF4-FFF2-40B4-BE49-F238E27FC236}">
-                <a16:creationId xmlns:a16="http://schemas.microsoft.com/office/drawing/2014/main" id="{55269FB2-D5C2-4595-A855-AF70120B482D}"/>
+          <p:cNvPr id="10" name="Rectangle: Diagonal Corners Snipped 9">
+            <a:extLst>
+              <a:ext uri="{FF2B5EF4-FFF2-40B4-BE49-F238E27FC236}">
+                <a16:creationId xmlns:a16="http://schemas.microsoft.com/office/drawing/2014/main" id="{F2AB6B86-F8D0-4172-9021-1AC403E5BED7}"/>
               </a:ext>
             </a:extLst>
           </p:cNvPr>
@@ -15416,7 +15412,7 @@
         </p:nvSpPr>
         <p:spPr>
           <a:xfrm rot="10800000">
-            <a:off x="-302508" y="5948689"/>
+            <a:off x="-302508" y="5954995"/>
             <a:ext cx="1757927" cy="579598"/>
           </a:xfrm>
           <a:prstGeom prst="snip2DiagRect">
@@ -15464,10 +15460,10 @@
       </p:sp>
       <p:sp>
         <p:nvSpPr>
-          <p:cNvPr id="22" name="TextBox 21">
-            <a:extLst>
-              <a:ext uri="{FF2B5EF4-FFF2-40B4-BE49-F238E27FC236}">
-                <a16:creationId xmlns:a16="http://schemas.microsoft.com/office/drawing/2014/main" id="{3BF0ADAB-2E25-4DFE-A509-7CDF1A777D2D}"/>
+          <p:cNvPr id="11" name="TextBox 10">
+            <a:extLst>
+              <a:ext uri="{FF2B5EF4-FFF2-40B4-BE49-F238E27FC236}">
+                <a16:creationId xmlns:a16="http://schemas.microsoft.com/office/drawing/2014/main" id="{30E2A955-3C25-40DE-8A6D-A0D0CBE4248F}"/>
               </a:ext>
             </a:extLst>
           </p:cNvPr>
@@ -15476,7 +15472,7 @@
         </p:nvSpPr>
         <p:spPr>
           <a:xfrm>
-            <a:off x="-223443" y="5948691"/>
+            <a:off x="-223443" y="5954997"/>
             <a:ext cx="1588814" cy="584775"/>
           </a:xfrm>
           <a:prstGeom prst="rect">
@@ -15511,10 +15507,10 @@
       </p:sp>
       <p:sp>
         <p:nvSpPr>
-          <p:cNvPr id="8" name="Rectangle: Diagonal Corners Snipped 7">
-            <a:extLst>
-              <a:ext uri="{FF2B5EF4-FFF2-40B4-BE49-F238E27FC236}">
-                <a16:creationId xmlns:a16="http://schemas.microsoft.com/office/drawing/2014/main" id="{D11E828C-60B3-4C95-9A1F-6A7A2091F460}"/>
+          <p:cNvPr id="12" name="Rectangle: Diagonal Corners Snipped 11">
+            <a:extLst>
+              <a:ext uri="{FF2B5EF4-FFF2-40B4-BE49-F238E27FC236}">
+                <a16:creationId xmlns:a16="http://schemas.microsoft.com/office/drawing/2014/main" id="{80D35CF2-EE6E-43C8-8790-B40D5D4B931D}"/>
               </a:ext>
             </a:extLst>
           </p:cNvPr>
@@ -15523,7 +15519,7 @@
         </p:nvSpPr>
         <p:spPr>
           <a:xfrm rot="10800000">
-            <a:off x="10738872" y="5947621"/>
+            <a:off x="10738872" y="5953927"/>
             <a:ext cx="1757927" cy="579598"/>
           </a:xfrm>
           <a:prstGeom prst="snip2DiagRect">
@@ -15539,7 +15535,7 @@
           </a:solidFill>
           <a:ln w="95250">
             <a:solidFill>
-              <a:schemeClr val="bg1"/>
+              <a:srgbClr val="2EEE53"/>
             </a:solidFill>
           </a:ln>
           <a:effectLst/>
@@ -15571,10 +15567,10 @@
       </p:sp>
       <p:sp>
         <p:nvSpPr>
-          <p:cNvPr id="9" name="TextBox 8">
-            <a:extLst>
-              <a:ext uri="{FF2B5EF4-FFF2-40B4-BE49-F238E27FC236}">
-                <a16:creationId xmlns:a16="http://schemas.microsoft.com/office/drawing/2014/main" id="{14B2AACE-269F-4FD5-907E-F3A451CE5443}"/>
+          <p:cNvPr id="13" name="TextBox 12">
+            <a:extLst>
+              <a:ext uri="{FF2B5EF4-FFF2-40B4-BE49-F238E27FC236}">
+                <a16:creationId xmlns:a16="http://schemas.microsoft.com/office/drawing/2014/main" id="{0DD89042-9E03-4701-846F-40AC637EB6F1}"/>
               </a:ext>
             </a:extLst>
           </p:cNvPr>
@@ -15583,7 +15579,7 @@
         </p:nvSpPr>
         <p:spPr>
           <a:xfrm>
-            <a:off x="10817937" y="5947623"/>
+            <a:off x="10817937" y="5953929"/>
             <a:ext cx="1588814" cy="584775"/>
           </a:xfrm>
           <a:prstGeom prst="rect">
@@ -15599,7 +15595,7 @@
           <a:p>
             <a:pPr algn="ctr"/>
             <a:r>
-              <a:rPr lang="en-US" sz="3200" u="sng" spc="300" dirty="0">
+              <a:rPr lang="en-US" sz="3200" spc="300" dirty="0">
                 <a:solidFill>
                   <a:srgbClr val="2EEE53"/>
                 </a:solidFill>
@@ -15607,7 +15603,7 @@
               </a:rPr>
               <a:t>Next</a:t>
             </a:r>
-            <a:endParaRPr lang="en-US" sz="8000" u="sng" spc="300" dirty="0">
+            <a:endParaRPr lang="en-US" sz="8000" spc="300" dirty="0">
               <a:solidFill>
                 <a:srgbClr val="2EEE53"/>
               </a:solidFill>
@@ -15619,7 +15615,7 @@
     </p:spTree>
     <p:extLst>
       <p:ext uri="{BB962C8B-B14F-4D97-AF65-F5344CB8AC3E}">
-        <p14:creationId xmlns:p14="http://schemas.microsoft.com/office/powerpoint/2010/main" val="947868035"/>
+        <p14:creationId xmlns:p14="http://schemas.microsoft.com/office/powerpoint/2010/main" val="531142622"/>
       </p:ext>
     </p:extLst>
   </p:cSld>
@@ -16674,10 +16670,10 @@
       </p:sp>
       <p:sp>
         <p:nvSpPr>
-          <p:cNvPr id="21" name="Rectangle: Diagonal Corners Snipped 20">
-            <a:extLst>
-              <a:ext uri="{FF2B5EF4-FFF2-40B4-BE49-F238E27FC236}">
-                <a16:creationId xmlns:a16="http://schemas.microsoft.com/office/drawing/2014/main" id="{55269FB2-D5C2-4595-A855-AF70120B482D}"/>
+          <p:cNvPr id="12" name="Rectangle: Diagonal Corners Snipped 11">
+            <a:extLst>
+              <a:ext uri="{FF2B5EF4-FFF2-40B4-BE49-F238E27FC236}">
+                <a16:creationId xmlns:a16="http://schemas.microsoft.com/office/drawing/2014/main" id="{3E074101-ED45-47F3-9880-70918F77EFA1}"/>
               </a:ext>
             </a:extLst>
           </p:cNvPr>
@@ -16686,7 +16682,7 @@
         </p:nvSpPr>
         <p:spPr>
           <a:xfrm rot="10800000">
-            <a:off x="-302508" y="5948689"/>
+            <a:off x="-302508" y="5954995"/>
             <a:ext cx="1757927" cy="579598"/>
           </a:xfrm>
           <a:prstGeom prst="snip2DiagRect">
@@ -16734,10 +16730,10 @@
       </p:sp>
       <p:sp>
         <p:nvSpPr>
-          <p:cNvPr id="22" name="TextBox 21">
-            <a:extLst>
-              <a:ext uri="{FF2B5EF4-FFF2-40B4-BE49-F238E27FC236}">
-                <a16:creationId xmlns:a16="http://schemas.microsoft.com/office/drawing/2014/main" id="{3BF0ADAB-2E25-4DFE-A509-7CDF1A777D2D}"/>
+          <p:cNvPr id="13" name="TextBox 12">
+            <a:extLst>
+              <a:ext uri="{FF2B5EF4-FFF2-40B4-BE49-F238E27FC236}">
+                <a16:creationId xmlns:a16="http://schemas.microsoft.com/office/drawing/2014/main" id="{F6C5A567-CA49-4B3F-80DD-23A87F15C3B9}"/>
               </a:ext>
             </a:extLst>
           </p:cNvPr>
@@ -16746,7 +16742,7 @@
         </p:nvSpPr>
         <p:spPr>
           <a:xfrm>
-            <a:off x="-223443" y="5948691"/>
+            <a:off x="-223443" y="5954997"/>
             <a:ext cx="1588814" cy="584775"/>
           </a:xfrm>
           <a:prstGeom prst="rect">
@@ -16781,10 +16777,10 @@
       </p:sp>
       <p:sp>
         <p:nvSpPr>
-          <p:cNvPr id="10" name="Rectangle: Diagonal Corners Snipped 9">
-            <a:extLst>
-              <a:ext uri="{FF2B5EF4-FFF2-40B4-BE49-F238E27FC236}">
-                <a16:creationId xmlns:a16="http://schemas.microsoft.com/office/drawing/2014/main" id="{53B7CC88-4C5D-4A0E-9BCF-617CFBD05F41}"/>
+          <p:cNvPr id="14" name="Rectangle: Diagonal Corners Snipped 13">
+            <a:extLst>
+              <a:ext uri="{FF2B5EF4-FFF2-40B4-BE49-F238E27FC236}">
+                <a16:creationId xmlns:a16="http://schemas.microsoft.com/office/drawing/2014/main" id="{E16ADE09-3ABF-4074-9FBA-50D4D778B3C4}"/>
               </a:ext>
             </a:extLst>
           </p:cNvPr>
@@ -16793,7 +16789,7 @@
         </p:nvSpPr>
         <p:spPr>
           <a:xfrm rot="10800000">
-            <a:off x="10738872" y="5947621"/>
+            <a:off x="10738872" y="5953927"/>
             <a:ext cx="1757927" cy="579598"/>
           </a:xfrm>
           <a:prstGeom prst="snip2DiagRect">
@@ -16841,10 +16837,10 @@
       </p:sp>
       <p:sp>
         <p:nvSpPr>
-          <p:cNvPr id="11" name="TextBox 10">
-            <a:extLst>
-              <a:ext uri="{FF2B5EF4-FFF2-40B4-BE49-F238E27FC236}">
-                <a16:creationId xmlns:a16="http://schemas.microsoft.com/office/drawing/2014/main" id="{60035FEB-C8BD-4EDD-9B1E-9A87F81EBBCE}"/>
+          <p:cNvPr id="17" name="TextBox 16">
+            <a:extLst>
+              <a:ext uri="{FF2B5EF4-FFF2-40B4-BE49-F238E27FC236}">
+                <a16:creationId xmlns:a16="http://schemas.microsoft.com/office/drawing/2014/main" id="{716C6318-4E35-425B-86F1-3EA4B10658A7}"/>
               </a:ext>
             </a:extLst>
           </p:cNvPr>
@@ -16853,7 +16849,7 @@
         </p:nvSpPr>
         <p:spPr>
           <a:xfrm>
-            <a:off x="10817937" y="5947623"/>
+            <a:off x="10817937" y="5953929"/>
             <a:ext cx="1588814" cy="584775"/>
           </a:xfrm>
           <a:prstGeom prst="rect">
@@ -17234,10 +17230,10 @@
       </p:sp>
       <p:sp>
         <p:nvSpPr>
-          <p:cNvPr id="21" name="Rectangle: Diagonal Corners Snipped 20">
-            <a:extLst>
-              <a:ext uri="{FF2B5EF4-FFF2-40B4-BE49-F238E27FC236}">
-                <a16:creationId xmlns:a16="http://schemas.microsoft.com/office/drawing/2014/main" id="{55269FB2-D5C2-4595-A855-AF70120B482D}"/>
+          <p:cNvPr id="12" name="Rectangle: Diagonal Corners Snipped 11">
+            <a:extLst>
+              <a:ext uri="{FF2B5EF4-FFF2-40B4-BE49-F238E27FC236}">
+                <a16:creationId xmlns:a16="http://schemas.microsoft.com/office/drawing/2014/main" id="{3E074101-ED45-47F3-9880-70918F77EFA1}"/>
               </a:ext>
             </a:extLst>
           </p:cNvPr>
@@ -17246,7 +17242,114 @@
         </p:nvSpPr>
         <p:spPr>
           <a:xfrm rot="10800000">
-            <a:off x="-302508" y="5948689"/>
+            <a:off x="-302508" y="5954995"/>
+            <a:ext cx="1757927" cy="579598"/>
+          </a:xfrm>
+          <a:prstGeom prst="snip2DiagRect">
+            <a:avLst>
+              <a:gd name="adj1" fmla="val 50000"/>
+              <a:gd name="adj2" fmla="val 0"/>
+            </a:avLst>
+          </a:prstGeom>
+          <a:solidFill>
+            <a:schemeClr val="tx1">
+              <a:alpha val="60000"/>
+            </a:schemeClr>
+          </a:solidFill>
+          <a:ln w="95250">
+            <a:solidFill>
+              <a:srgbClr val="C00000"/>
+            </a:solidFill>
+          </a:ln>
+          <a:effectLst/>
+        </p:spPr>
+        <p:style>
+          <a:lnRef idx="2">
+            <a:schemeClr val="accent1">
+              <a:shade val="50000"/>
+            </a:schemeClr>
+          </a:lnRef>
+          <a:fillRef idx="1">
+            <a:schemeClr val="accent1"/>
+          </a:fillRef>
+          <a:effectRef idx="0">
+            <a:schemeClr val="accent1"/>
+          </a:effectRef>
+          <a:fontRef idx="minor">
+            <a:schemeClr val="lt1"/>
+          </a:fontRef>
+        </p:style>
+        <p:txBody>
+          <a:bodyPr rtlCol="0" anchor="ctr"/>
+          <a:lstStyle/>
+          <a:p>
+            <a:pPr algn="ctr"/>
+            <a:endParaRPr lang="en-US" dirty="0"/>
+          </a:p>
+        </p:txBody>
+      </p:sp>
+      <p:sp>
+        <p:nvSpPr>
+          <p:cNvPr id="13" name="TextBox 12">
+            <a:extLst>
+              <a:ext uri="{FF2B5EF4-FFF2-40B4-BE49-F238E27FC236}">
+                <a16:creationId xmlns:a16="http://schemas.microsoft.com/office/drawing/2014/main" id="{F6C5A567-CA49-4B3F-80DD-23A87F15C3B9}"/>
+              </a:ext>
+            </a:extLst>
+          </p:cNvPr>
+          <p:cNvSpPr txBox="1"/>
+          <p:nvPr/>
+        </p:nvSpPr>
+        <p:spPr>
+          <a:xfrm>
+            <a:off x="-223443" y="5954997"/>
+            <a:ext cx="1588814" cy="584775"/>
+          </a:xfrm>
+          <a:prstGeom prst="rect">
+            <a:avLst/>
+          </a:prstGeom>
+          <a:noFill/>
+        </p:spPr>
+        <p:txBody>
+          <a:bodyPr wrap="square" rtlCol="0">
+            <a:spAutoFit/>
+          </a:bodyPr>
+          <a:lstStyle/>
+          <a:p>
+            <a:pPr algn="ctr"/>
+            <a:r>
+              <a:rPr lang="en-US" sz="3200" spc="300" dirty="0">
+                <a:solidFill>
+                  <a:srgbClr val="C00000"/>
+                </a:solidFill>
+                <a:latin typeface="Impact" panose="020B0806030902050204" pitchFamily="34" charset="0"/>
+              </a:rPr>
+              <a:t>Back</a:t>
+            </a:r>
+            <a:endParaRPr lang="en-US" sz="8000" spc="300" dirty="0">
+              <a:solidFill>
+                <a:srgbClr val="C00000"/>
+              </a:solidFill>
+              <a:latin typeface="Impact" panose="020B0806030902050204" pitchFamily="34" charset="0"/>
+            </a:endParaRPr>
+          </a:p>
+        </p:txBody>
+      </p:sp>
+      <p:sp>
+        <p:nvSpPr>
+          <p:cNvPr id="14" name="Rectangle: Diagonal Corners Snipped 13">
+            <a:extLst>
+              <a:ext uri="{FF2B5EF4-FFF2-40B4-BE49-F238E27FC236}">
+                <a16:creationId xmlns:a16="http://schemas.microsoft.com/office/drawing/2014/main" id="{E16ADE09-3ABF-4074-9FBA-50D4D778B3C4}"/>
+              </a:ext>
+            </a:extLst>
+          </p:cNvPr>
+          <p:cNvSpPr/>
+          <p:nvPr/>
+        </p:nvSpPr>
+        <p:spPr>
+          <a:xfrm rot="10800000">
+            <a:off x="10738872" y="5953927"/>
             <a:ext cx="1757927" cy="579598"/>
           </a:xfrm>
           <a:prstGeom prst="snip2DiagRect">
@@ -17294,10 +17397,10 @@
       </p:sp>
       <p:sp>
         <p:nvSpPr>
-          <p:cNvPr id="22" name="TextBox 21">
-            <a:extLst>
-              <a:ext uri="{FF2B5EF4-FFF2-40B4-BE49-F238E27FC236}">
-                <a16:creationId xmlns:a16="http://schemas.microsoft.com/office/drawing/2014/main" id="{3BF0ADAB-2E25-4DFE-A509-7CDF1A777D2D}"/>
+          <p:cNvPr id="17" name="TextBox 16">
+            <a:extLst>
+              <a:ext uri="{FF2B5EF4-FFF2-40B4-BE49-F238E27FC236}">
+                <a16:creationId xmlns:a16="http://schemas.microsoft.com/office/drawing/2014/main" id="{716C6318-4E35-425B-86F1-3EA4B10658A7}"/>
               </a:ext>
             </a:extLst>
           </p:cNvPr>
@@ -17306,114 +17409,7 @@
         </p:nvSpPr>
         <p:spPr>
           <a:xfrm>
-            <a:off x="-223443" y="5948691"/>
-            <a:ext cx="1588814" cy="584775"/>
-          </a:xfrm>
-          <a:prstGeom prst="rect">
-            <a:avLst/>
-          </a:prstGeom>
-          <a:noFill/>
-        </p:spPr>
-        <p:txBody>
-          <a:bodyPr wrap="square" rtlCol="0">
-            <a:spAutoFit/>
-          </a:bodyPr>
-          <a:lstStyle/>
-          <a:p>
-            <a:pPr algn="ctr"/>
-            <a:r>
-              <a:rPr lang="en-US" sz="3200" u="sng" spc="300" dirty="0">
-                <a:solidFill>
-                  <a:srgbClr val="C00000"/>
-                </a:solidFill>
-                <a:latin typeface="Impact" panose="020B0806030902050204" pitchFamily="34" charset="0"/>
-              </a:rPr>
-              <a:t>Back</a:t>
-            </a:r>
-            <a:endParaRPr lang="en-US" sz="8000" u="sng" spc="300" dirty="0">
-              <a:solidFill>
-                <a:srgbClr val="C00000"/>
-              </a:solidFill>
-              <a:latin typeface="Impact" panose="020B0806030902050204" pitchFamily="34" charset="0"/>
-            </a:endParaRPr>
-          </a:p>
-        </p:txBody>
-      </p:sp>
-      <p:sp>
-        <p:nvSpPr>
-          <p:cNvPr id="10" name="Rectangle: Diagonal Corners Snipped 9">
-            <a:extLst>
-              <a:ext uri="{FF2B5EF4-FFF2-40B4-BE49-F238E27FC236}">
-                <a16:creationId xmlns:a16="http://schemas.microsoft.com/office/drawing/2014/main" id="{53B7CC88-4C5D-4A0E-9BCF-617CFBD05F41}"/>
-              </a:ext>
-            </a:extLst>
-          </p:cNvPr>
-          <p:cNvSpPr/>
-          <p:nvPr/>
-        </p:nvSpPr>
-        <p:spPr>
-          <a:xfrm rot="10800000">
-            <a:off x="10738872" y="5947621"/>
-            <a:ext cx="1757927" cy="579598"/>
-          </a:xfrm>
-          <a:prstGeom prst="snip2DiagRect">
-            <a:avLst>
-              <a:gd name="adj1" fmla="val 50000"/>
-              <a:gd name="adj2" fmla="val 0"/>
-            </a:avLst>
-          </a:prstGeom>
-          <a:solidFill>
-            <a:schemeClr val="tx1">
-              <a:alpha val="60000"/>
-            </a:schemeClr>
-          </a:solidFill>
-          <a:ln w="95250">
-            <a:solidFill>
-              <a:schemeClr val="bg1"/>
-            </a:solidFill>
-          </a:ln>
-          <a:effectLst/>
-        </p:spPr>
-        <p:style>
-          <a:lnRef idx="2">
-            <a:schemeClr val="accent1">
-              <a:shade val="50000"/>
-            </a:schemeClr>
-          </a:lnRef>
-          <a:fillRef idx="1">
-            <a:schemeClr val="accent1"/>
-          </a:fillRef>
-          <a:effectRef idx="0">
-            <a:schemeClr val="accent1"/>
-          </a:effectRef>
-          <a:fontRef idx="minor">
-            <a:schemeClr val="lt1"/>
-          </a:fontRef>
-        </p:style>
-        <p:txBody>
-          <a:bodyPr rtlCol="0" anchor="ctr"/>
-          <a:lstStyle/>
-          <a:p>
-            <a:pPr algn="ctr"/>
-            <a:endParaRPr lang="en-US" dirty="0"/>
-          </a:p>
-        </p:txBody>
-      </p:sp>
-      <p:sp>
-        <p:nvSpPr>
-          <p:cNvPr id="11" name="TextBox 10">
-            <a:extLst>
-              <a:ext uri="{FF2B5EF4-FFF2-40B4-BE49-F238E27FC236}">
-                <a16:creationId xmlns:a16="http://schemas.microsoft.com/office/drawing/2014/main" id="{60035FEB-C8BD-4EDD-9B1E-9A87F81EBBCE}"/>
-              </a:ext>
-            </a:extLst>
-          </p:cNvPr>
-          <p:cNvSpPr txBox="1"/>
-          <p:nvPr/>
-        </p:nvSpPr>
-        <p:spPr>
-          <a:xfrm>
-            <a:off x="10817937" y="5947623"/>
+            <a:off x="10817937" y="5953929"/>
             <a:ext cx="1588814" cy="584775"/>
           </a:xfrm>
           <a:prstGeom prst="rect">
@@ -17449,7 +17445,7 @@
     </p:spTree>
     <p:extLst>
       <p:ext uri="{BB962C8B-B14F-4D97-AF65-F5344CB8AC3E}">
-        <p14:creationId xmlns:p14="http://schemas.microsoft.com/office/powerpoint/2010/main" val="2767661822"/>
+        <p14:creationId xmlns:p14="http://schemas.microsoft.com/office/powerpoint/2010/main" val="309062697"/>
       </p:ext>
     </p:extLst>
   </p:cSld>
@@ -17794,10 +17790,10 @@
       </p:sp>
       <p:sp>
         <p:nvSpPr>
-          <p:cNvPr id="21" name="Rectangle: Diagonal Corners Snipped 20">
-            <a:extLst>
-              <a:ext uri="{FF2B5EF4-FFF2-40B4-BE49-F238E27FC236}">
-                <a16:creationId xmlns:a16="http://schemas.microsoft.com/office/drawing/2014/main" id="{55269FB2-D5C2-4595-A855-AF70120B482D}"/>
+          <p:cNvPr id="12" name="Rectangle: Diagonal Corners Snipped 11">
+            <a:extLst>
+              <a:ext uri="{FF2B5EF4-FFF2-40B4-BE49-F238E27FC236}">
+                <a16:creationId xmlns:a16="http://schemas.microsoft.com/office/drawing/2014/main" id="{3E074101-ED45-47F3-9880-70918F77EFA1}"/>
               </a:ext>
             </a:extLst>
           </p:cNvPr>
@@ -17806,7 +17802,7 @@
         </p:nvSpPr>
         <p:spPr>
           <a:xfrm rot="10800000">
-            <a:off x="-302508" y="5948689"/>
+            <a:off x="-302508" y="5954995"/>
             <a:ext cx="1757927" cy="579598"/>
           </a:xfrm>
           <a:prstGeom prst="snip2DiagRect">
@@ -17854,10 +17850,10 @@
       </p:sp>
       <p:sp>
         <p:nvSpPr>
-          <p:cNvPr id="22" name="TextBox 21">
-            <a:extLst>
-              <a:ext uri="{FF2B5EF4-FFF2-40B4-BE49-F238E27FC236}">
-                <a16:creationId xmlns:a16="http://schemas.microsoft.com/office/drawing/2014/main" id="{3BF0ADAB-2E25-4DFE-A509-7CDF1A777D2D}"/>
+          <p:cNvPr id="13" name="TextBox 12">
+            <a:extLst>
+              <a:ext uri="{FF2B5EF4-FFF2-40B4-BE49-F238E27FC236}">
+                <a16:creationId xmlns:a16="http://schemas.microsoft.com/office/drawing/2014/main" id="{F6C5A567-CA49-4B3F-80DD-23A87F15C3B9}"/>
               </a:ext>
             </a:extLst>
           </p:cNvPr>
@@ -17866,7 +17862,7 @@
         </p:nvSpPr>
         <p:spPr>
           <a:xfrm>
-            <a:off x="-223443" y="5948691"/>
+            <a:off x="-223443" y="5954997"/>
             <a:ext cx="1588814" cy="584775"/>
           </a:xfrm>
           <a:prstGeom prst="rect">
@@ -17901,10 +17897,10 @@
       </p:sp>
       <p:sp>
         <p:nvSpPr>
-          <p:cNvPr id="10" name="Rectangle: Diagonal Corners Snipped 9">
-            <a:extLst>
-              <a:ext uri="{FF2B5EF4-FFF2-40B4-BE49-F238E27FC236}">
-                <a16:creationId xmlns:a16="http://schemas.microsoft.com/office/drawing/2014/main" id="{53B7CC88-4C5D-4A0E-9BCF-617CFBD05F41}"/>
+          <p:cNvPr id="14" name="Rectangle: Diagonal Corners Snipped 13">
+            <a:extLst>
+              <a:ext uri="{FF2B5EF4-FFF2-40B4-BE49-F238E27FC236}">
+                <a16:creationId xmlns:a16="http://schemas.microsoft.com/office/drawing/2014/main" id="{E16ADE09-3ABF-4074-9FBA-50D4D778B3C4}"/>
               </a:ext>
             </a:extLst>
           </p:cNvPr>
@@ -17913,7 +17909,7 @@
         </p:nvSpPr>
         <p:spPr>
           <a:xfrm rot="10800000">
-            <a:off x="10738872" y="5947621"/>
+            <a:off x="10738872" y="5953927"/>
             <a:ext cx="1757927" cy="579598"/>
           </a:xfrm>
           <a:prstGeom prst="snip2DiagRect">
@@ -17929,7 +17925,7 @@
           </a:solidFill>
           <a:ln w="95250">
             <a:solidFill>
-              <a:schemeClr val="bg1"/>
+              <a:srgbClr val="2EEE53"/>
             </a:solidFill>
           </a:ln>
           <a:effectLst/>
@@ -17961,10 +17957,10 @@
       </p:sp>
       <p:sp>
         <p:nvSpPr>
-          <p:cNvPr id="11" name="TextBox 10">
-            <a:extLst>
-              <a:ext uri="{FF2B5EF4-FFF2-40B4-BE49-F238E27FC236}">
-                <a16:creationId xmlns:a16="http://schemas.microsoft.com/office/drawing/2014/main" id="{60035FEB-C8BD-4EDD-9B1E-9A87F81EBBCE}"/>
+          <p:cNvPr id="17" name="TextBox 16">
+            <a:extLst>
+              <a:ext uri="{FF2B5EF4-FFF2-40B4-BE49-F238E27FC236}">
+                <a16:creationId xmlns:a16="http://schemas.microsoft.com/office/drawing/2014/main" id="{716C6318-4E35-425B-86F1-3EA4B10658A7}"/>
               </a:ext>
             </a:extLst>
           </p:cNvPr>
@@ -17973,7 +17969,7 @@
         </p:nvSpPr>
         <p:spPr>
           <a:xfrm>
-            <a:off x="10817937" y="5947623"/>
+            <a:off x="10817937" y="5953929"/>
             <a:ext cx="1588814" cy="584775"/>
           </a:xfrm>
           <a:prstGeom prst="rect">
@@ -17989,7 +17985,7 @@
           <a:p>
             <a:pPr algn="ctr"/>
             <a:r>
-              <a:rPr lang="en-US" sz="3200" u="sng" spc="300" dirty="0">
+              <a:rPr lang="en-US" sz="3200" spc="300" dirty="0">
                 <a:solidFill>
                   <a:srgbClr val="2EEE53"/>
                 </a:solidFill>
@@ -17997,7 +17993,7 @@
               </a:rPr>
               <a:t>Next</a:t>
             </a:r>
-            <a:endParaRPr lang="en-US" sz="8000" u="sng" spc="300" dirty="0">
+            <a:endParaRPr lang="en-US" sz="8000" spc="300" dirty="0">
               <a:solidFill>
                 <a:srgbClr val="2EEE53"/>
               </a:solidFill>
@@ -18009,7 +18005,7 @@
     </p:spTree>
     <p:extLst>
       <p:ext uri="{BB962C8B-B14F-4D97-AF65-F5344CB8AC3E}">
-        <p14:creationId xmlns:p14="http://schemas.microsoft.com/office/powerpoint/2010/main" val="3029119542"/>
+        <p14:creationId xmlns:p14="http://schemas.microsoft.com/office/powerpoint/2010/main" val="719850693"/>
       </p:ext>
     </p:extLst>
   </p:cSld>
@@ -18542,10 +18538,10 @@
       </p:sp>
       <p:sp>
         <p:nvSpPr>
-          <p:cNvPr id="10" name="Rectangle: Diagonal Corners Snipped 9">
-            <a:extLst>
-              <a:ext uri="{FF2B5EF4-FFF2-40B4-BE49-F238E27FC236}">
-                <a16:creationId xmlns:a16="http://schemas.microsoft.com/office/drawing/2014/main" id="{53B7CC88-4C5D-4A0E-9BCF-617CFBD05F41}"/>
+          <p:cNvPr id="6" name="Rectangle: Diagonal Corners Snipped 5">
+            <a:extLst>
+              <a:ext uri="{FF2B5EF4-FFF2-40B4-BE49-F238E27FC236}">
+                <a16:creationId xmlns:a16="http://schemas.microsoft.com/office/drawing/2014/main" id="{062DCE8A-0AE9-4F4F-87BE-20C20853C780}"/>
               </a:ext>
             </a:extLst>
           </p:cNvPr>
@@ -18602,10 +18598,10 @@
       </p:sp>
       <p:sp>
         <p:nvSpPr>
-          <p:cNvPr id="11" name="TextBox 10">
-            <a:extLst>
-              <a:ext uri="{FF2B5EF4-FFF2-40B4-BE49-F238E27FC236}">
-                <a16:creationId xmlns:a16="http://schemas.microsoft.com/office/drawing/2014/main" id="{60035FEB-C8BD-4EDD-9B1E-9A87F81EBBCE}"/>
+          <p:cNvPr id="7" name="TextBox 6">
+            <a:extLst>
+              <a:ext uri="{FF2B5EF4-FFF2-40B4-BE49-F238E27FC236}">
+                <a16:creationId xmlns:a16="http://schemas.microsoft.com/office/drawing/2014/main" id="{DF436022-48DC-428B-8B7B-465B2C7CFC25}"/>
               </a:ext>
             </a:extLst>
           </p:cNvPr>
@@ -18621,6 +18617,9 @@
             <a:avLst/>
           </a:prstGeom>
           <a:noFill/>
+          <a:ln>
+            <a:noFill/>
+          </a:ln>
         </p:spPr>
         <p:txBody>
           <a:bodyPr wrap="square" rtlCol="0">
@@ -18650,7 +18649,7 @@
     </p:spTree>
     <p:extLst>
       <p:ext uri="{BB962C8B-B14F-4D97-AF65-F5344CB8AC3E}">
-        <p14:creationId xmlns:p14="http://schemas.microsoft.com/office/powerpoint/2010/main" val="1066838294"/>
+        <p14:creationId xmlns:p14="http://schemas.microsoft.com/office/powerpoint/2010/main" val="1175555624"/>
       </p:ext>
     </p:extLst>
   </p:cSld>
@@ -18944,7 +18943,7 @@
           </a:solidFill>
           <a:ln w="95250">
             <a:solidFill>
-              <a:schemeClr val="bg1"/>
+              <a:srgbClr val="2EEE53"/>
             </a:solidFill>
           </a:ln>
           <a:effectLst/>
@@ -19004,7 +19003,7 @@
           <a:p>
             <a:pPr algn="ctr"/>
             <a:r>
-              <a:rPr lang="en-US" sz="3200" u="sng" spc="300" dirty="0">
+              <a:rPr lang="en-US" sz="3200" spc="300" dirty="0">
                 <a:solidFill>
                   <a:srgbClr val="2EEE53"/>
                 </a:solidFill>
@@ -19012,7 +19011,7 @@
               </a:rPr>
               <a:t>Next</a:t>
             </a:r>
-            <a:endParaRPr lang="en-US" sz="8000" u="sng" spc="300" dirty="0">
+            <a:endParaRPr lang="en-US" sz="8000" spc="300" dirty="0">
               <a:solidFill>
                 <a:srgbClr val="2EEE53"/>
               </a:solidFill>
@@ -19024,7 +19023,7 @@
     </p:spTree>
     <p:extLst>
       <p:ext uri="{BB962C8B-B14F-4D97-AF65-F5344CB8AC3E}">
-        <p14:creationId xmlns:p14="http://schemas.microsoft.com/office/powerpoint/2010/main" val="3587874175"/>
+        <p14:creationId xmlns:p14="http://schemas.microsoft.com/office/powerpoint/2010/main" val="1066838294"/>
       </p:ext>
     </p:extLst>
   </p:cSld>
@@ -19065,7 +19064,7 @@
         </p:nvSpPr>
         <p:spPr>
           <a:xfrm>
-            <a:off x="-302508" y="4920450"/>
+            <a:off x="-340344" y="4939832"/>
             <a:ext cx="4379208" cy="1015662"/>
           </a:xfrm>
           <a:prstGeom prst="snip2DiagRect">
@@ -19125,7 +19124,7 @@
         </p:nvSpPr>
         <p:spPr>
           <a:xfrm>
-            <a:off x="1" y="4919420"/>
+            <a:off x="-37835" y="4938802"/>
             <a:ext cx="4076700" cy="1015663"/>
           </a:xfrm>
           <a:prstGeom prst="rect">
@@ -19141,7 +19140,7 @@
           <a:p>
             <a:pPr algn="ctr"/>
             <a:r>
-              <a:rPr lang="en-US" sz="6000" u="sng" spc="300" dirty="0">
+              <a:rPr lang="en-US" sz="6000" spc="300" dirty="0">
                 <a:solidFill>
                   <a:srgbClr val="2EEE53"/>
                 </a:solidFill>
@@ -19149,7 +19148,7 @@
               </a:rPr>
               <a:t>Decrypt</a:t>
             </a:r>
-            <a:endParaRPr lang="en-US" sz="8000" u="sng" spc="300" dirty="0">
+            <a:endParaRPr lang="en-US" sz="8000" spc="300" dirty="0">
               <a:solidFill>
                 <a:srgbClr val="2EEE53"/>
               </a:solidFill>
@@ -19172,7 +19171,7 @@
         </p:nvSpPr>
         <p:spPr>
           <a:xfrm>
-            <a:off x="8115299" y="4919420"/>
+            <a:off x="8153137" y="4938802"/>
             <a:ext cx="4379208" cy="1015662"/>
           </a:xfrm>
           <a:prstGeom prst="snip2DiagRect">
@@ -19180,6 +19179,110 @@
               <a:gd name="adj1" fmla="val 0"/>
               <a:gd name="adj2" fmla="val 31559"/>
             </a:avLst>
+          </a:prstGeom>
+          <a:solidFill>
+            <a:schemeClr val="tx1">
+              <a:alpha val="60000"/>
+            </a:schemeClr>
+          </a:solidFill>
+          <a:ln w="95250">
+            <a:solidFill>
+              <a:srgbClr val="2EEE53"/>
+            </a:solidFill>
+          </a:ln>
+          <a:effectLst/>
+        </p:spPr>
+        <p:style>
+          <a:lnRef idx="2">
+            <a:schemeClr val="accent1">
+              <a:shade val="50000"/>
+            </a:schemeClr>
+          </a:lnRef>
+          <a:fillRef idx="1">
+            <a:schemeClr val="accent1"/>
+          </a:fillRef>
+          <a:effectRef idx="0">
+            <a:schemeClr val="accent1"/>
+          </a:effectRef>
+          <a:fontRef idx="minor">
+            <a:schemeClr val="lt1"/>
+          </a:fontRef>
+        </p:style>
+        <p:txBody>
+          <a:bodyPr rtlCol="0" anchor="ctr"/>
+          <a:lstStyle/>
+          <a:p>
+            <a:pPr algn="ctr"/>
+            <a:endParaRPr lang="en-US"/>
+          </a:p>
+        </p:txBody>
+      </p:sp>
+      <p:sp>
+        <p:nvSpPr>
+          <p:cNvPr id="38" name="TextBox 37">
+            <a:extLst>
+              <a:ext uri="{FF2B5EF4-FFF2-40B4-BE49-F238E27FC236}">
+                <a16:creationId xmlns:a16="http://schemas.microsoft.com/office/drawing/2014/main" id="{46D89E96-512D-4DF9-9AA6-F7B266F2C4BB}"/>
+              </a:ext>
+            </a:extLst>
+          </p:cNvPr>
+          <p:cNvSpPr txBox="1"/>
+          <p:nvPr/>
+        </p:nvSpPr>
+        <p:spPr>
+          <a:xfrm>
+            <a:off x="8153137" y="4938802"/>
+            <a:ext cx="4076700" cy="1015663"/>
+          </a:xfrm>
+          <a:prstGeom prst="rect">
+            <a:avLst/>
+          </a:prstGeom>
+          <a:noFill/>
+        </p:spPr>
+        <p:txBody>
+          <a:bodyPr wrap="square" rtlCol="0">
+            <a:spAutoFit/>
+          </a:bodyPr>
+          <a:lstStyle/>
+          <a:p>
+            <a:pPr algn="ctr"/>
+            <a:r>
+              <a:rPr lang="en-US" sz="6000" spc="300" dirty="0">
+                <a:solidFill>
+                  <a:srgbClr val="2EEE53"/>
+                </a:solidFill>
+                <a:latin typeface="Impact" panose="020B0806030902050204" pitchFamily="34" charset="0"/>
+              </a:rPr>
+              <a:t>Encrypt</a:t>
+            </a:r>
+            <a:endParaRPr lang="en-US" sz="8000" spc="300" dirty="0">
+              <a:solidFill>
+                <a:srgbClr val="2EEE53"/>
+              </a:solidFill>
+              <a:latin typeface="Impact" panose="020B0806030902050204" pitchFamily="34" charset="0"/>
+            </a:endParaRPr>
+          </a:p>
+        </p:txBody>
+      </p:sp>
+      <p:sp>
+        <p:nvSpPr>
+          <p:cNvPr id="40" name="Rectangle: Diagonal Corners Snipped 39">
+            <a:extLst>
+              <a:ext uri="{FF2B5EF4-FFF2-40B4-BE49-F238E27FC236}">
+                <a16:creationId xmlns:a16="http://schemas.microsoft.com/office/drawing/2014/main" id="{7BBCF4E2-9D5D-4D65-9B24-D6E002BE26A6}"/>
+              </a:ext>
+            </a:extLst>
+          </p:cNvPr>
+          <p:cNvSpPr/>
+          <p:nvPr/>
+        </p:nvSpPr>
+        <p:spPr>
+          <a:xfrm>
+            <a:off x="-375920" y="329713"/>
+            <a:ext cx="10043160" cy="2007573"/>
+          </a:xfrm>
+          <a:prstGeom prst="snip2DiagRect">
+            <a:avLst/>
           </a:prstGeom>
           <a:solidFill>
             <a:schemeClr val="tx1">
@@ -19220,10 +19323,10 @@
       </p:sp>
       <p:sp>
         <p:nvSpPr>
-          <p:cNvPr id="38" name="TextBox 37">
-            <a:extLst>
-              <a:ext uri="{FF2B5EF4-FFF2-40B4-BE49-F238E27FC236}">
-                <a16:creationId xmlns:a16="http://schemas.microsoft.com/office/drawing/2014/main" id="{46D89E96-512D-4DF9-9AA6-F7B266F2C4BB}"/>
+          <p:cNvPr id="41" name="TextBox 40">
+            <a:extLst>
+              <a:ext uri="{FF2B5EF4-FFF2-40B4-BE49-F238E27FC236}">
+                <a16:creationId xmlns:a16="http://schemas.microsoft.com/office/drawing/2014/main" id="{27B6D619-A007-418F-B651-9AF637930451}"/>
               </a:ext>
             </a:extLst>
           </p:cNvPr>
@@ -19232,8 +19335,8 @@
         </p:nvSpPr>
         <p:spPr>
           <a:xfrm>
-            <a:off x="8115299" y="4919420"/>
-            <a:ext cx="4076700" cy="1015663"/>
+            <a:off x="0" y="386080"/>
+            <a:ext cx="9667240" cy="947420"/>
           </a:xfrm>
           <a:prstGeom prst="rect">
             <a:avLst/>
@@ -19246,31 +19349,92 @@
           </a:bodyPr>
           <a:lstStyle/>
           <a:p>
+            <a:r>
+              <a:rPr lang="en-US" sz="5400" spc="300" dirty="0">
+                <a:solidFill>
+                  <a:schemeClr val="bg1"/>
+                </a:solidFill>
+                <a:latin typeface="Impact" panose="020B0806030902050204" pitchFamily="34" charset="0"/>
+              </a:rPr>
+              <a:t>	</a:t>
+            </a:r>
+            <a:r>
+              <a:rPr lang="en-US" sz="4800" spc="300" dirty="0">
+                <a:solidFill>
+                  <a:srgbClr val="2EEE53"/>
+                </a:solidFill>
+                <a:latin typeface="Impact" panose="020B0806030902050204" pitchFamily="34" charset="0"/>
+              </a:rPr>
+              <a:t>Project - WEX.asm:</a:t>
+            </a:r>
+            <a:r>
+              <a:rPr lang="en-US" sz="5400" spc="300" dirty="0">
+                <a:solidFill>
+                  <a:schemeClr val="bg1"/>
+                </a:solidFill>
+                <a:latin typeface="Impact" panose="020B0806030902050204" pitchFamily="34" charset="0"/>
+              </a:rPr>
+              <a:t>	</a:t>
+            </a:r>
+          </a:p>
+        </p:txBody>
+      </p:sp>
+      <p:sp>
+        <p:nvSpPr>
+          <p:cNvPr id="42" name="TextBox 41">
+            <a:extLst>
+              <a:ext uri="{FF2B5EF4-FFF2-40B4-BE49-F238E27FC236}">
+                <a16:creationId xmlns:a16="http://schemas.microsoft.com/office/drawing/2014/main" id="{7070F77C-DBF6-4383-8BE7-082ABA4FFE40}"/>
+              </a:ext>
+            </a:extLst>
+          </p:cNvPr>
+          <p:cNvSpPr txBox="1"/>
+          <p:nvPr/>
+        </p:nvSpPr>
+        <p:spPr>
+          <a:xfrm>
+            <a:off x="0" y="1213767"/>
+            <a:ext cx="9667240" cy="1015663"/>
+          </a:xfrm>
+          <a:prstGeom prst="rect">
+            <a:avLst/>
+          </a:prstGeom>
+          <a:noFill/>
+        </p:spPr>
+        <p:txBody>
+          <a:bodyPr wrap="square" rtlCol="0">
+            <a:spAutoFit/>
+          </a:bodyPr>
+          <a:lstStyle/>
+          <a:p>
             <a:pPr algn="ctr"/>
             <a:r>
               <a:rPr lang="en-US" sz="6000" spc="300" dirty="0">
                 <a:solidFill>
-                  <a:srgbClr val="2EEE53"/>
-                </a:solidFill>
-                <a:latin typeface="Impact" panose="020B0806030902050204" pitchFamily="34" charset="0"/>
-              </a:rPr>
-              <a:t>Encrypt</a:t>
-            </a:r>
-            <a:endParaRPr lang="en-US" sz="8000" spc="300" dirty="0">
-              <a:solidFill>
-                <a:srgbClr val="2EEE53"/>
-              </a:solidFill>
-              <a:latin typeface="Impact" panose="020B0806030902050204" pitchFamily="34" charset="0"/>
-            </a:endParaRPr>
-          </a:p>
-        </p:txBody>
-      </p:sp>
-      <p:sp>
-        <p:nvSpPr>
-          <p:cNvPr id="40" name="Rectangle: Diagonal Corners Snipped 39">
-            <a:extLst>
-              <a:ext uri="{FF2B5EF4-FFF2-40B4-BE49-F238E27FC236}">
-                <a16:creationId xmlns:a16="http://schemas.microsoft.com/office/drawing/2014/main" id="{7BBCF4E2-9D5D-4D65-9B24-D6E002BE26A6}"/>
+                  <a:schemeClr val="bg1"/>
+                </a:solidFill>
+                <a:latin typeface="Impact" panose="020B0806030902050204" pitchFamily="34" charset="0"/>
+              </a:rPr>
+              <a:t>	         </a:t>
+            </a:r>
+            <a:r>
+              <a:rPr lang="en-US" sz="6000" spc="300" dirty="0">
+                <a:solidFill>
+                  <a:srgbClr val="2EEE53"/>
+                </a:solidFill>
+                <a:latin typeface="Impact" panose="020B0806030902050204" pitchFamily="34" charset="0"/>
+              </a:rPr>
+              <a:t>Mission Encryption	</a:t>
+            </a:r>
+          </a:p>
+        </p:txBody>
+      </p:sp>
+      <p:sp>
+        <p:nvSpPr>
+          <p:cNvPr id="11" name="Rectangle: Diagonal Corners Snipped 10">
+            <a:extLst>
+              <a:ext uri="{FF2B5EF4-FFF2-40B4-BE49-F238E27FC236}">
+                <a16:creationId xmlns:a16="http://schemas.microsoft.com/office/drawing/2014/main" id="{CED5F9FF-0F1B-4B23-8A71-FF0A9EB2598D}"/>
               </a:ext>
             </a:extLst>
           </p:cNvPr>
@@ -19278,12 +19442,15 @@
           <p:nvPr/>
         </p:nvSpPr>
         <p:spPr>
-          <a:xfrm>
-            <a:off x="-375920" y="329713"/>
-            <a:ext cx="10043160" cy="2007573"/>
+          <a:xfrm rot="10800000">
+            <a:off x="-302508" y="5954995"/>
+            <a:ext cx="1757927" cy="579598"/>
           </a:xfrm>
           <a:prstGeom prst="snip2DiagRect">
-            <a:avLst/>
+            <a:avLst>
+              <a:gd name="adj1" fmla="val 50000"/>
+              <a:gd name="adj2" fmla="val 0"/>
+            </a:avLst>
           </a:prstGeom>
           <a:solidFill>
             <a:schemeClr val="tx1">
@@ -19318,16 +19485,16 @@
           <a:lstStyle/>
           <a:p>
             <a:pPr algn="ctr"/>
-            <a:endParaRPr lang="en-US"/>
-          </a:p>
-        </p:txBody>
-      </p:sp>
-      <p:sp>
-        <p:nvSpPr>
-          <p:cNvPr id="41" name="TextBox 40">
-            <a:extLst>
-              <a:ext uri="{FF2B5EF4-FFF2-40B4-BE49-F238E27FC236}">
-                <a16:creationId xmlns:a16="http://schemas.microsoft.com/office/drawing/2014/main" id="{27B6D619-A007-418F-B651-9AF637930451}"/>
+            <a:endParaRPr lang="en-US" dirty="0"/>
+          </a:p>
+        </p:txBody>
+      </p:sp>
+      <p:sp>
+        <p:nvSpPr>
+          <p:cNvPr id="12" name="TextBox 11">
+            <a:extLst>
+              <a:ext uri="{FF2B5EF4-FFF2-40B4-BE49-F238E27FC236}">
+                <a16:creationId xmlns:a16="http://schemas.microsoft.com/office/drawing/2014/main" id="{B1D9C419-3E70-437D-884B-C736BB144C89}"/>
               </a:ext>
             </a:extLst>
           </p:cNvPr>
@@ -19336,175 +19503,7 @@
         </p:nvSpPr>
         <p:spPr>
           <a:xfrm>
-            <a:off x="0" y="386080"/>
-            <a:ext cx="9667240" cy="947420"/>
-          </a:xfrm>
-          <a:prstGeom prst="rect">
-            <a:avLst/>
-          </a:prstGeom>
-          <a:noFill/>
-        </p:spPr>
-        <p:txBody>
-          <a:bodyPr wrap="square" rtlCol="0">
-            <a:spAutoFit/>
-          </a:bodyPr>
-          <a:lstStyle/>
-          <a:p>
-            <a:r>
-              <a:rPr lang="en-US" sz="5400" spc="300" dirty="0">
-                <a:solidFill>
-                  <a:schemeClr val="bg1"/>
-                </a:solidFill>
-                <a:latin typeface="Impact" panose="020B0806030902050204" pitchFamily="34" charset="0"/>
-              </a:rPr>
-              <a:t>	</a:t>
-            </a:r>
-            <a:r>
-              <a:rPr lang="en-US" sz="4800" spc="300" dirty="0">
-                <a:solidFill>
-                  <a:srgbClr val="2EEE53"/>
-                </a:solidFill>
-                <a:latin typeface="Impact" panose="020B0806030902050204" pitchFamily="34" charset="0"/>
-              </a:rPr>
-              <a:t>Project - WEX.asm:</a:t>
-            </a:r>
-            <a:r>
-              <a:rPr lang="en-US" sz="5400" spc="300" dirty="0">
-                <a:solidFill>
-                  <a:schemeClr val="bg1"/>
-                </a:solidFill>
-                <a:latin typeface="Impact" panose="020B0806030902050204" pitchFamily="34" charset="0"/>
-              </a:rPr>
-              <a:t>	</a:t>
-            </a:r>
-          </a:p>
-        </p:txBody>
-      </p:sp>
-      <p:sp>
-        <p:nvSpPr>
-          <p:cNvPr id="42" name="TextBox 41">
-            <a:extLst>
-              <a:ext uri="{FF2B5EF4-FFF2-40B4-BE49-F238E27FC236}">
-                <a16:creationId xmlns:a16="http://schemas.microsoft.com/office/drawing/2014/main" id="{7070F77C-DBF6-4383-8BE7-082ABA4FFE40}"/>
-              </a:ext>
-            </a:extLst>
-          </p:cNvPr>
-          <p:cNvSpPr txBox="1"/>
-          <p:nvPr/>
-        </p:nvSpPr>
-        <p:spPr>
-          <a:xfrm>
-            <a:off x="0" y="1213767"/>
-            <a:ext cx="9667240" cy="1015663"/>
-          </a:xfrm>
-          <a:prstGeom prst="rect">
-            <a:avLst/>
-          </a:prstGeom>
-          <a:noFill/>
-        </p:spPr>
-        <p:txBody>
-          <a:bodyPr wrap="square" rtlCol="0">
-            <a:spAutoFit/>
-          </a:bodyPr>
-          <a:lstStyle/>
-          <a:p>
-            <a:pPr algn="ctr"/>
-            <a:r>
-              <a:rPr lang="en-US" sz="6000" spc="300" dirty="0">
-                <a:solidFill>
-                  <a:schemeClr val="bg1"/>
-                </a:solidFill>
-                <a:latin typeface="Impact" panose="020B0806030902050204" pitchFamily="34" charset="0"/>
-              </a:rPr>
-              <a:t>	         </a:t>
-            </a:r>
-            <a:r>
-              <a:rPr lang="en-US" sz="6000" spc="300" dirty="0">
-                <a:solidFill>
-                  <a:srgbClr val="2EEE53"/>
-                </a:solidFill>
-                <a:latin typeface="Impact" panose="020B0806030902050204" pitchFamily="34" charset="0"/>
-              </a:rPr>
-              <a:t>Mission Encryption	</a:t>
-            </a:r>
-          </a:p>
-        </p:txBody>
-      </p:sp>
-      <p:sp>
-        <p:nvSpPr>
-          <p:cNvPr id="21" name="Rectangle: Diagonal Corners Snipped 20">
-            <a:extLst>
-              <a:ext uri="{FF2B5EF4-FFF2-40B4-BE49-F238E27FC236}">
-                <a16:creationId xmlns:a16="http://schemas.microsoft.com/office/drawing/2014/main" id="{741A35F0-FEF2-4F12-8A3D-FE5F85594A5C}"/>
-              </a:ext>
-            </a:extLst>
-          </p:cNvPr>
-          <p:cNvSpPr/>
-          <p:nvPr/>
-        </p:nvSpPr>
-        <p:spPr>
-          <a:xfrm rot="10800000">
-            <a:off x="-302508" y="5956010"/>
-            <a:ext cx="1757927" cy="579598"/>
-          </a:xfrm>
-          <a:prstGeom prst="snip2DiagRect">
-            <a:avLst>
-              <a:gd name="adj1" fmla="val 50000"/>
-              <a:gd name="adj2" fmla="val 0"/>
-            </a:avLst>
-          </a:prstGeom>
-          <a:solidFill>
-            <a:schemeClr val="tx1">
-              <a:alpha val="60000"/>
-            </a:schemeClr>
-          </a:solidFill>
-          <a:ln w="95250">
-            <a:solidFill>
-              <a:schemeClr val="bg1"/>
-            </a:solidFill>
-          </a:ln>
-          <a:effectLst/>
-        </p:spPr>
-        <p:style>
-          <a:lnRef idx="2">
-            <a:schemeClr val="accent1">
-              <a:shade val="50000"/>
-            </a:schemeClr>
-          </a:lnRef>
-          <a:fillRef idx="1">
-            <a:schemeClr val="accent1"/>
-          </a:fillRef>
-          <a:effectRef idx="0">
-            <a:schemeClr val="accent1"/>
-          </a:effectRef>
-          <a:fontRef idx="minor">
-            <a:schemeClr val="lt1"/>
-          </a:fontRef>
-        </p:style>
-        <p:txBody>
-          <a:bodyPr rtlCol="0" anchor="ctr"/>
-          <a:lstStyle/>
-          <a:p>
-            <a:pPr algn="ctr"/>
-            <a:endParaRPr lang="en-US" dirty="0"/>
-          </a:p>
-        </p:txBody>
-      </p:sp>
-      <p:sp>
-        <p:nvSpPr>
-          <p:cNvPr id="22" name="TextBox 21">
-            <a:extLst>
-              <a:ext uri="{FF2B5EF4-FFF2-40B4-BE49-F238E27FC236}">
-                <a16:creationId xmlns:a16="http://schemas.microsoft.com/office/drawing/2014/main" id="{8B7D35F3-6ABC-4B2F-B4FF-D6FF6EB49741}"/>
-              </a:ext>
-            </a:extLst>
-          </p:cNvPr>
-          <p:cNvSpPr txBox="1"/>
-          <p:nvPr/>
-        </p:nvSpPr>
-        <p:spPr>
-          <a:xfrm>
-            <a:off x="-223443" y="5956012"/>
+            <a:off x="-223443" y="5954997"/>
             <a:ext cx="1588814" cy="584775"/>
           </a:xfrm>
           <a:prstGeom prst="rect">
@@ -19540,7 +19539,7 @@
     </p:spTree>
     <p:extLst>
       <p:ext uri="{BB962C8B-B14F-4D97-AF65-F5344CB8AC3E}">
-        <p14:creationId xmlns:p14="http://schemas.microsoft.com/office/powerpoint/2010/main" val="1277819642"/>
+        <p14:creationId xmlns:p14="http://schemas.microsoft.com/office/powerpoint/2010/main" val="4087139688"/>
       </p:ext>
     </p:extLst>
   </p:cSld>
@@ -19915,7 +19914,7 @@
         </p:nvSpPr>
         <p:spPr>
           <a:xfrm rot="10800000">
-            <a:off x="-302508" y="5948689"/>
+            <a:off x="-302508" y="5954995"/>
             <a:ext cx="1757927" cy="579598"/>
           </a:xfrm>
           <a:prstGeom prst="snip2DiagRect">
@@ -19975,7 +19974,7 @@
         </p:nvSpPr>
         <p:spPr>
           <a:xfrm>
-            <a:off x="-223443" y="5948691"/>
+            <a:off x="-223443" y="5954997"/>
             <a:ext cx="1588814" cy="584775"/>
           </a:xfrm>
           <a:prstGeom prst="rect">
@@ -20022,7 +20021,7 @@
         </p:nvSpPr>
         <p:spPr>
           <a:xfrm rot="10800000">
-            <a:off x="10066020" y="5947621"/>
+            <a:off x="10066020" y="5953927"/>
             <a:ext cx="2430778" cy="579598"/>
           </a:xfrm>
           <a:prstGeom prst="snip2DiagRect">
@@ -20082,7 +20081,7 @@
         </p:nvSpPr>
         <p:spPr>
           <a:xfrm>
-            <a:off x="10066020" y="5947623"/>
+            <a:off x="10066020" y="5953929"/>
             <a:ext cx="2340731" cy="584775"/>
           </a:xfrm>
           <a:prstGeom prst="rect">
@@ -20493,8 +20492,115 @@
         </p:nvSpPr>
         <p:spPr>
           <a:xfrm rot="10800000">
-            <a:off x="-302508" y="5948689"/>
+            <a:off x="-302508" y="5954995"/>
             <a:ext cx="1757927" cy="579598"/>
+          </a:xfrm>
+          <a:prstGeom prst="snip2DiagRect">
+            <a:avLst>
+              <a:gd name="adj1" fmla="val 50000"/>
+              <a:gd name="adj2" fmla="val 0"/>
+            </a:avLst>
+          </a:prstGeom>
+          <a:solidFill>
+            <a:schemeClr val="tx1">
+              <a:alpha val="60000"/>
+            </a:schemeClr>
+          </a:solidFill>
+          <a:ln w="95250">
+            <a:solidFill>
+              <a:srgbClr val="C00000"/>
+            </a:solidFill>
+          </a:ln>
+          <a:effectLst/>
+        </p:spPr>
+        <p:style>
+          <a:lnRef idx="2">
+            <a:schemeClr val="accent1">
+              <a:shade val="50000"/>
+            </a:schemeClr>
+          </a:lnRef>
+          <a:fillRef idx="1">
+            <a:schemeClr val="accent1"/>
+          </a:fillRef>
+          <a:effectRef idx="0">
+            <a:schemeClr val="accent1"/>
+          </a:effectRef>
+          <a:fontRef idx="minor">
+            <a:schemeClr val="lt1"/>
+          </a:fontRef>
+        </p:style>
+        <p:txBody>
+          <a:bodyPr rtlCol="0" anchor="ctr"/>
+          <a:lstStyle/>
+          <a:p>
+            <a:pPr algn="ctr"/>
+            <a:endParaRPr lang="en-US" dirty="0"/>
+          </a:p>
+        </p:txBody>
+      </p:sp>
+      <p:sp>
+        <p:nvSpPr>
+          <p:cNvPr id="22" name="TextBox 21">
+            <a:extLst>
+              <a:ext uri="{FF2B5EF4-FFF2-40B4-BE49-F238E27FC236}">
+                <a16:creationId xmlns:a16="http://schemas.microsoft.com/office/drawing/2014/main" id="{3BF0ADAB-2E25-4DFE-A509-7CDF1A777D2D}"/>
+              </a:ext>
+            </a:extLst>
+          </p:cNvPr>
+          <p:cNvSpPr txBox="1"/>
+          <p:nvPr/>
+        </p:nvSpPr>
+        <p:spPr>
+          <a:xfrm>
+            <a:off x="-223443" y="5954997"/>
+            <a:ext cx="1588814" cy="584775"/>
+          </a:xfrm>
+          <a:prstGeom prst="rect">
+            <a:avLst/>
+          </a:prstGeom>
+          <a:noFill/>
+        </p:spPr>
+        <p:txBody>
+          <a:bodyPr wrap="square" rtlCol="0">
+            <a:spAutoFit/>
+          </a:bodyPr>
+          <a:lstStyle/>
+          <a:p>
+            <a:pPr algn="ctr"/>
+            <a:r>
+              <a:rPr lang="en-US" sz="3200" spc="300" dirty="0">
+                <a:solidFill>
+                  <a:srgbClr val="C00000"/>
+                </a:solidFill>
+                <a:latin typeface="Impact" panose="020B0806030902050204" pitchFamily="34" charset="0"/>
+              </a:rPr>
+              <a:t>Exit</a:t>
+            </a:r>
+            <a:endParaRPr lang="en-US" sz="8000" spc="300" dirty="0">
+              <a:solidFill>
+                <a:srgbClr val="C00000"/>
+              </a:solidFill>
+              <a:latin typeface="Impact" panose="020B0806030902050204" pitchFamily="34" charset="0"/>
+            </a:endParaRPr>
+          </a:p>
+        </p:txBody>
+      </p:sp>
+      <p:sp>
+        <p:nvSpPr>
+          <p:cNvPr id="10" name="Rectangle: Diagonal Corners Snipped 9">
+            <a:extLst>
+              <a:ext uri="{FF2B5EF4-FFF2-40B4-BE49-F238E27FC236}">
+                <a16:creationId xmlns:a16="http://schemas.microsoft.com/office/drawing/2014/main" id="{53B7CC88-4C5D-4A0E-9BCF-617CFBD05F41}"/>
+              </a:ext>
+            </a:extLst>
+          </p:cNvPr>
+          <p:cNvSpPr/>
+          <p:nvPr/>
+        </p:nvSpPr>
+        <p:spPr>
+          <a:xfrm rot="10800000">
+            <a:off x="10066020" y="5953927"/>
+            <a:ext cx="2430778" cy="579598"/>
           </a:xfrm>
           <a:prstGeom prst="snip2DiagRect">
             <a:avLst>
@@ -20541,10 +20647,10 @@
       </p:sp>
       <p:sp>
         <p:nvSpPr>
-          <p:cNvPr id="22" name="TextBox 21">
-            <a:extLst>
-              <a:ext uri="{FF2B5EF4-FFF2-40B4-BE49-F238E27FC236}">
-                <a16:creationId xmlns:a16="http://schemas.microsoft.com/office/drawing/2014/main" id="{3BF0ADAB-2E25-4DFE-A509-7CDF1A777D2D}"/>
+          <p:cNvPr id="11" name="TextBox 10">
+            <a:extLst>
+              <a:ext uri="{FF2B5EF4-FFF2-40B4-BE49-F238E27FC236}">
+                <a16:creationId xmlns:a16="http://schemas.microsoft.com/office/drawing/2014/main" id="{60035FEB-C8BD-4EDD-9B1E-9A87F81EBBCE}"/>
               </a:ext>
             </a:extLst>
           </p:cNvPr>
@@ -20553,114 +20659,7 @@
         </p:nvSpPr>
         <p:spPr>
           <a:xfrm>
-            <a:off x="-223443" y="5948691"/>
-            <a:ext cx="1588814" cy="584775"/>
-          </a:xfrm>
-          <a:prstGeom prst="rect">
-            <a:avLst/>
-          </a:prstGeom>
-          <a:noFill/>
-        </p:spPr>
-        <p:txBody>
-          <a:bodyPr wrap="square" rtlCol="0">
-            <a:spAutoFit/>
-          </a:bodyPr>
-          <a:lstStyle/>
-          <a:p>
-            <a:pPr algn="ctr"/>
-            <a:r>
-              <a:rPr lang="en-US" sz="3200" u="sng" spc="300" dirty="0">
-                <a:solidFill>
-                  <a:srgbClr val="C00000"/>
-                </a:solidFill>
-                <a:latin typeface="Impact" panose="020B0806030902050204" pitchFamily="34" charset="0"/>
-              </a:rPr>
-              <a:t>Exit</a:t>
-            </a:r>
-            <a:endParaRPr lang="en-US" sz="8000" u="sng" spc="300" dirty="0">
-              <a:solidFill>
-                <a:srgbClr val="C00000"/>
-              </a:solidFill>
-              <a:latin typeface="Impact" panose="020B0806030902050204" pitchFamily="34" charset="0"/>
-            </a:endParaRPr>
-          </a:p>
-        </p:txBody>
-      </p:sp>
-      <p:sp>
-        <p:nvSpPr>
-          <p:cNvPr id="10" name="Rectangle: Diagonal Corners Snipped 9">
-            <a:extLst>
-              <a:ext uri="{FF2B5EF4-FFF2-40B4-BE49-F238E27FC236}">
-                <a16:creationId xmlns:a16="http://schemas.microsoft.com/office/drawing/2014/main" id="{53B7CC88-4C5D-4A0E-9BCF-617CFBD05F41}"/>
-              </a:ext>
-            </a:extLst>
-          </p:cNvPr>
-          <p:cNvSpPr/>
-          <p:nvPr/>
-        </p:nvSpPr>
-        <p:spPr>
-          <a:xfrm rot="10800000">
-            <a:off x="10066020" y="5947621"/>
-            <a:ext cx="2430778" cy="579598"/>
-          </a:xfrm>
-          <a:prstGeom prst="snip2DiagRect">
-            <a:avLst>
-              <a:gd name="adj1" fmla="val 50000"/>
-              <a:gd name="adj2" fmla="val 0"/>
-            </a:avLst>
-          </a:prstGeom>
-          <a:solidFill>
-            <a:schemeClr val="tx1">
-              <a:alpha val="60000"/>
-            </a:schemeClr>
-          </a:solidFill>
-          <a:ln w="95250">
-            <a:solidFill>
-              <a:schemeClr val="bg1"/>
-            </a:solidFill>
-          </a:ln>
-          <a:effectLst/>
-        </p:spPr>
-        <p:style>
-          <a:lnRef idx="2">
-            <a:schemeClr val="accent1">
-              <a:shade val="50000"/>
-            </a:schemeClr>
-          </a:lnRef>
-          <a:fillRef idx="1">
-            <a:schemeClr val="accent1"/>
-          </a:fillRef>
-          <a:effectRef idx="0">
-            <a:schemeClr val="accent1"/>
-          </a:effectRef>
-          <a:fontRef idx="minor">
-            <a:schemeClr val="lt1"/>
-          </a:fontRef>
-        </p:style>
-        <p:txBody>
-          <a:bodyPr rtlCol="0" anchor="ctr"/>
-          <a:lstStyle/>
-          <a:p>
-            <a:pPr algn="ctr"/>
-            <a:endParaRPr lang="en-US" dirty="0"/>
-          </a:p>
-        </p:txBody>
-      </p:sp>
-      <p:sp>
-        <p:nvSpPr>
-          <p:cNvPr id="11" name="TextBox 10">
-            <a:extLst>
-              <a:ext uri="{FF2B5EF4-FFF2-40B4-BE49-F238E27FC236}">
-                <a16:creationId xmlns:a16="http://schemas.microsoft.com/office/drawing/2014/main" id="{60035FEB-C8BD-4EDD-9B1E-9A87F81EBBCE}"/>
-              </a:ext>
-            </a:extLst>
-          </p:cNvPr>
-          <p:cNvSpPr txBox="1"/>
-          <p:nvPr/>
-        </p:nvSpPr>
-        <p:spPr>
-          <a:xfrm>
-            <a:off x="10066020" y="5947623"/>
+            <a:off x="10066020" y="5953929"/>
             <a:ext cx="2340731" cy="584775"/>
           </a:xfrm>
           <a:prstGeom prst="rect">
@@ -20696,7 +20695,7 @@
     </p:spTree>
     <p:extLst>
       <p:ext uri="{BB962C8B-B14F-4D97-AF65-F5344CB8AC3E}">
-        <p14:creationId xmlns:p14="http://schemas.microsoft.com/office/powerpoint/2010/main" val="269755691"/>
+        <p14:creationId xmlns:p14="http://schemas.microsoft.com/office/powerpoint/2010/main" val="1472971372"/>
       </p:ext>
     </p:extLst>
   </p:cSld>
@@ -21071,7 +21070,7 @@
         </p:nvSpPr>
         <p:spPr>
           <a:xfrm rot="10800000">
-            <a:off x="-302508" y="5948689"/>
+            <a:off x="-302508" y="5954995"/>
             <a:ext cx="1757927" cy="579598"/>
           </a:xfrm>
           <a:prstGeom prst="snip2DiagRect">
@@ -21131,7 +21130,7 @@
         </p:nvSpPr>
         <p:spPr>
           <a:xfrm>
-            <a:off x="-223443" y="5948691"/>
+            <a:off x="-223443" y="5954997"/>
             <a:ext cx="1588814" cy="584775"/>
           </a:xfrm>
           <a:prstGeom prst="rect">
@@ -21178,7 +21177,7 @@
         </p:nvSpPr>
         <p:spPr>
           <a:xfrm rot="10800000">
-            <a:off x="10066020" y="5947621"/>
+            <a:off x="10066020" y="5953927"/>
             <a:ext cx="2430778" cy="579598"/>
           </a:xfrm>
           <a:prstGeom prst="snip2DiagRect">
@@ -21194,7 +21193,7 @@
           </a:solidFill>
           <a:ln w="95250">
             <a:solidFill>
-              <a:schemeClr val="bg1"/>
+              <a:srgbClr val="2EEE53"/>
             </a:solidFill>
           </a:ln>
           <a:effectLst/>
@@ -21238,7 +21237,7 @@
         </p:nvSpPr>
         <p:spPr>
           <a:xfrm>
-            <a:off x="10066020" y="5947623"/>
+            <a:off x="10066020" y="5953929"/>
             <a:ext cx="2340731" cy="584775"/>
           </a:xfrm>
           <a:prstGeom prst="rect">
@@ -21254,7 +21253,7 @@
           <a:p>
             <a:pPr algn="ctr"/>
             <a:r>
-              <a:rPr lang="en-US" sz="3200" u="sng" spc="300" dirty="0">
+              <a:rPr lang="en-US" sz="3200" spc="300" dirty="0">
                 <a:solidFill>
                   <a:srgbClr val="2EEE53"/>
                 </a:solidFill>
@@ -21262,7 +21261,7 @@
               </a:rPr>
               <a:t>Restart</a:t>
             </a:r>
-            <a:endParaRPr lang="en-US" sz="8000" u="sng" spc="300" dirty="0">
+            <a:endParaRPr lang="en-US" sz="8000" spc="300" dirty="0">
               <a:solidFill>
                 <a:srgbClr val="2EEE53"/>
               </a:solidFill>
@@ -21274,7 +21273,96 @@
     </p:spTree>
     <p:extLst>
       <p:ext uri="{BB962C8B-B14F-4D97-AF65-F5344CB8AC3E}">
-        <p14:creationId xmlns:p14="http://schemas.microsoft.com/office/powerpoint/2010/main" val="2268606271"/>
+        <p14:creationId xmlns:p14="http://schemas.microsoft.com/office/powerpoint/2010/main" val="1156412863"/>
+      </p:ext>
+    </p:extLst>
+  </p:cSld>
+  <p:clrMapOvr>
+    <a:masterClrMapping/>
+  </p:clrMapOvr>
+</p:sld>
+</file>
+
+<file path=ppt/slides/slide43.xml><?xml version="1.0" encoding="utf-8"?>
+<p:sld xmlns:a="http://schemas.openxmlformats.org/drawingml/2006/main" xmlns:r="http://schemas.openxmlformats.org/officeDocument/2006/relationships" xmlns:p="http://schemas.openxmlformats.org/presentationml/2006/main">
+  <p:cSld>
+    <p:bg>
+      <p:bgPr>
+        <a:solidFill>
+          <a:schemeClr val="bg1"/>
+        </a:solidFill>
+        <a:effectLst/>
+      </p:bgPr>
+    </p:bg>
+    <p:spTree>
+      <p:nvGrpSpPr>
+        <p:cNvPr id="1" name=""/>
+        <p:cNvGrpSpPr/>
+        <p:nvPr/>
+      </p:nvGrpSpPr>
+      <p:grpSpPr>
+        <a:xfrm>
+          <a:off x="0" y="0"/>
+          <a:ext cx="0" cy="0"/>
+          <a:chOff x="0" y="0"/>
+          <a:chExt cx="0" cy="0"/>
+        </a:xfrm>
+      </p:grpSpPr>
+      <p:sp>
+        <p:nvSpPr>
+          <p:cNvPr id="4" name="TextBox 3">
+            <a:extLst>
+              <a:ext uri="{FF2B5EF4-FFF2-40B4-BE49-F238E27FC236}">
+                <a16:creationId xmlns:a16="http://schemas.microsoft.com/office/drawing/2014/main" id="{86DC9F1A-F18E-4B3B-A52F-8252850B4725}"/>
+              </a:ext>
+            </a:extLst>
+          </p:cNvPr>
+          <p:cNvSpPr txBox="1"/>
+          <p:nvPr/>
+        </p:nvSpPr>
+        <p:spPr>
+          <a:xfrm>
+            <a:off x="-60960" y="0"/>
+            <a:ext cx="12313920" cy="1323439"/>
+          </a:xfrm>
+          <a:prstGeom prst="rect">
+            <a:avLst/>
+          </a:prstGeom>
+          <a:noFill/>
+        </p:spPr>
+        <p:txBody>
+          <a:bodyPr wrap="square" rtlCol="0" anchor="t">
+            <a:spAutoFit/>
+          </a:bodyPr>
+          <a:lstStyle/>
+          <a:p>
+            <a:r>
+              <a:rPr lang="en-US" sz="4000" spc="300" dirty="0">
+                <a:solidFill>
+                  <a:srgbClr val="2EEE53"/>
+                </a:solidFill>
+                <a:latin typeface="Impact" panose="020B0806030902050204" pitchFamily="34" charset="0"/>
+              </a:rPr>
+              <a:t>A B C D E F G H I J K L M N O P Q R S T U V W X Y Z</a:t>
+            </a:r>
+          </a:p>
+          <a:p>
+            <a:r>
+              <a:rPr lang="en-US" sz="4000" spc="300" dirty="0">
+                <a:solidFill>
+                  <a:srgbClr val="2EEE53"/>
+                </a:solidFill>
+                <a:latin typeface="Impact" panose="020B0806030902050204" pitchFamily="34" charset="0"/>
+              </a:rPr>
+              <a:t>1 2 3 4 5 6 7 8 9 </a:t>
+            </a:r>
+          </a:p>
+        </p:txBody>
+      </p:sp>
+    </p:spTree>
+    <p:extLst>
+      <p:ext uri="{BB962C8B-B14F-4D97-AF65-F5344CB8AC3E}">
+        <p14:creationId xmlns:p14="http://schemas.microsoft.com/office/powerpoint/2010/main" val="2041914058"/>
       </p:ext>
     </p:extLst>
   </p:cSld>
@@ -21721,10 +21809,10 @@
       </p:sp>
       <p:sp>
         <p:nvSpPr>
-          <p:cNvPr id="21" name="Rectangle: Diagonal Corners Snipped 20">
-            <a:extLst>
-              <a:ext uri="{FF2B5EF4-FFF2-40B4-BE49-F238E27FC236}">
-                <a16:creationId xmlns:a16="http://schemas.microsoft.com/office/drawing/2014/main" id="{55269FB2-D5C2-4595-A855-AF70120B482D}"/>
+          <p:cNvPr id="10" name="Rectangle: Diagonal Corners Snipped 9">
+            <a:extLst>
+              <a:ext uri="{FF2B5EF4-FFF2-40B4-BE49-F238E27FC236}">
+                <a16:creationId xmlns:a16="http://schemas.microsoft.com/office/drawing/2014/main" id="{65A8C782-3980-423F-B84B-DBC0B53376A7}"/>
               </a:ext>
             </a:extLst>
           </p:cNvPr>
@@ -21733,7 +21821,7 @@
         </p:nvSpPr>
         <p:spPr>
           <a:xfrm rot="10800000">
-            <a:off x="-302508" y="5948689"/>
+            <a:off x="-302508" y="5954995"/>
             <a:ext cx="1757927" cy="579598"/>
           </a:xfrm>
           <a:prstGeom prst="snip2DiagRect">
@@ -21781,10 +21869,10 @@
       </p:sp>
       <p:sp>
         <p:nvSpPr>
-          <p:cNvPr id="22" name="TextBox 21">
-            <a:extLst>
-              <a:ext uri="{FF2B5EF4-FFF2-40B4-BE49-F238E27FC236}">
-                <a16:creationId xmlns:a16="http://schemas.microsoft.com/office/drawing/2014/main" id="{3BF0ADAB-2E25-4DFE-A509-7CDF1A777D2D}"/>
+          <p:cNvPr id="11" name="TextBox 10">
+            <a:extLst>
+              <a:ext uri="{FF2B5EF4-FFF2-40B4-BE49-F238E27FC236}">
+                <a16:creationId xmlns:a16="http://schemas.microsoft.com/office/drawing/2014/main" id="{510C79EB-7E29-4A80-8F49-05D7D0CA8ADC}"/>
               </a:ext>
             </a:extLst>
           </p:cNvPr>
@@ -21793,7 +21881,7 @@
         </p:nvSpPr>
         <p:spPr>
           <a:xfrm>
-            <a:off x="-223443" y="5948691"/>
+            <a:off x="-223443" y="5954997"/>
             <a:ext cx="1588814" cy="584775"/>
           </a:xfrm>
           <a:prstGeom prst="rect">
@@ -21828,10 +21916,10 @@
       </p:sp>
       <p:sp>
         <p:nvSpPr>
-          <p:cNvPr id="23" name="Rectangle: Diagonal Corners Snipped 22">
-            <a:extLst>
-              <a:ext uri="{FF2B5EF4-FFF2-40B4-BE49-F238E27FC236}">
-                <a16:creationId xmlns:a16="http://schemas.microsoft.com/office/drawing/2014/main" id="{A3D14158-FA68-4F0A-B172-DBF0297E6299}"/>
+          <p:cNvPr id="12" name="Rectangle: Diagonal Corners Snipped 11">
+            <a:extLst>
+              <a:ext uri="{FF2B5EF4-FFF2-40B4-BE49-F238E27FC236}">
+                <a16:creationId xmlns:a16="http://schemas.microsoft.com/office/drawing/2014/main" id="{0C29FEFA-FE5D-4772-93E1-63E5C8758F04}"/>
               </a:ext>
             </a:extLst>
           </p:cNvPr>
@@ -21840,7 +21928,7 @@
         </p:nvSpPr>
         <p:spPr>
           <a:xfrm rot="10800000">
-            <a:off x="10738872" y="5947621"/>
+            <a:off x="10738872" y="5953927"/>
             <a:ext cx="1757927" cy="579598"/>
           </a:xfrm>
           <a:prstGeom prst="snip2DiagRect">
@@ -21888,10 +21976,10 @@
       </p:sp>
       <p:sp>
         <p:nvSpPr>
-          <p:cNvPr id="24" name="TextBox 23">
-            <a:extLst>
-              <a:ext uri="{FF2B5EF4-FFF2-40B4-BE49-F238E27FC236}">
-                <a16:creationId xmlns:a16="http://schemas.microsoft.com/office/drawing/2014/main" id="{A0E36ED7-446F-4183-B4AF-14C5C1E01967}"/>
+          <p:cNvPr id="13" name="TextBox 12">
+            <a:extLst>
+              <a:ext uri="{FF2B5EF4-FFF2-40B4-BE49-F238E27FC236}">
+                <a16:creationId xmlns:a16="http://schemas.microsoft.com/office/drawing/2014/main" id="{97936128-CFA4-4292-BC22-2B56B2C9B409}"/>
               </a:ext>
             </a:extLst>
           </p:cNvPr>
@@ -21900,7 +21988,7 @@
         </p:nvSpPr>
         <p:spPr>
           <a:xfrm>
-            <a:off x="10817937" y="5947623"/>
+            <a:off x="10817937" y="5953929"/>
             <a:ext cx="1588814" cy="584775"/>
           </a:xfrm>
           <a:prstGeom prst="rect">
@@ -21936,7 +22024,7 @@
     </p:spTree>
     <p:extLst>
       <p:ext uri="{BB962C8B-B14F-4D97-AF65-F5344CB8AC3E}">
-        <p14:creationId xmlns:p14="http://schemas.microsoft.com/office/powerpoint/2010/main" val="2818655923"/>
+        <p14:creationId xmlns:p14="http://schemas.microsoft.com/office/powerpoint/2010/main" val="784385959"/>
       </p:ext>
     </p:extLst>
   </p:cSld>
@@ -22383,10 +22471,10 @@
       </p:sp>
       <p:sp>
         <p:nvSpPr>
-          <p:cNvPr id="21" name="Rectangle: Diagonal Corners Snipped 20">
-            <a:extLst>
-              <a:ext uri="{FF2B5EF4-FFF2-40B4-BE49-F238E27FC236}">
-                <a16:creationId xmlns:a16="http://schemas.microsoft.com/office/drawing/2014/main" id="{55269FB2-D5C2-4595-A855-AF70120B482D}"/>
+          <p:cNvPr id="10" name="Rectangle: Diagonal Corners Snipped 9">
+            <a:extLst>
+              <a:ext uri="{FF2B5EF4-FFF2-40B4-BE49-F238E27FC236}">
+                <a16:creationId xmlns:a16="http://schemas.microsoft.com/office/drawing/2014/main" id="{65A8C782-3980-423F-B84B-DBC0B53376A7}"/>
               </a:ext>
             </a:extLst>
           </p:cNvPr>
@@ -22395,7 +22483,114 @@
         </p:nvSpPr>
         <p:spPr>
           <a:xfrm rot="10800000">
-            <a:off x="-302508" y="5948689"/>
+            <a:off x="-302508" y="5954995"/>
+            <a:ext cx="1757927" cy="579598"/>
+          </a:xfrm>
+          <a:prstGeom prst="snip2DiagRect">
+            <a:avLst>
+              <a:gd name="adj1" fmla="val 50000"/>
+              <a:gd name="adj2" fmla="val 0"/>
+            </a:avLst>
+          </a:prstGeom>
+          <a:solidFill>
+            <a:schemeClr val="tx1">
+              <a:alpha val="60000"/>
+            </a:schemeClr>
+          </a:solidFill>
+          <a:ln w="95250">
+            <a:solidFill>
+              <a:srgbClr val="C00000"/>
+            </a:solidFill>
+          </a:ln>
+          <a:effectLst/>
+        </p:spPr>
+        <p:style>
+          <a:lnRef idx="2">
+            <a:schemeClr val="accent1">
+              <a:shade val="50000"/>
+            </a:schemeClr>
+          </a:lnRef>
+          <a:fillRef idx="1">
+            <a:schemeClr val="accent1"/>
+          </a:fillRef>
+          <a:effectRef idx="0">
+            <a:schemeClr val="accent1"/>
+          </a:effectRef>
+          <a:fontRef idx="minor">
+            <a:schemeClr val="lt1"/>
+          </a:fontRef>
+        </p:style>
+        <p:txBody>
+          <a:bodyPr rtlCol="0" anchor="ctr"/>
+          <a:lstStyle/>
+          <a:p>
+            <a:pPr algn="ctr"/>
+            <a:endParaRPr lang="en-US" dirty="0"/>
+          </a:p>
+        </p:txBody>
+      </p:sp>
+      <p:sp>
+        <p:nvSpPr>
+          <p:cNvPr id="11" name="TextBox 10">
+            <a:extLst>
+              <a:ext uri="{FF2B5EF4-FFF2-40B4-BE49-F238E27FC236}">
+                <a16:creationId xmlns:a16="http://schemas.microsoft.com/office/drawing/2014/main" id="{510C79EB-7E29-4A80-8F49-05D7D0CA8ADC}"/>
+              </a:ext>
+            </a:extLst>
+          </p:cNvPr>
+          <p:cNvSpPr txBox="1"/>
+          <p:nvPr/>
+        </p:nvSpPr>
+        <p:spPr>
+          <a:xfrm>
+            <a:off x="-223443" y="5954997"/>
+            <a:ext cx="1588814" cy="584775"/>
+          </a:xfrm>
+          <a:prstGeom prst="rect">
+            <a:avLst/>
+          </a:prstGeom>
+          <a:noFill/>
+        </p:spPr>
+        <p:txBody>
+          <a:bodyPr wrap="square" rtlCol="0">
+            <a:spAutoFit/>
+          </a:bodyPr>
+          <a:lstStyle/>
+          <a:p>
+            <a:pPr algn="ctr"/>
+            <a:r>
+              <a:rPr lang="en-US" sz="3200" spc="300" dirty="0">
+                <a:solidFill>
+                  <a:srgbClr val="C00000"/>
+                </a:solidFill>
+                <a:latin typeface="Impact" panose="020B0806030902050204" pitchFamily="34" charset="0"/>
+              </a:rPr>
+              <a:t>Back</a:t>
+            </a:r>
+            <a:endParaRPr lang="en-US" sz="8000" spc="300" dirty="0">
+              <a:solidFill>
+                <a:srgbClr val="C00000"/>
+              </a:solidFill>
+              <a:latin typeface="Impact" panose="020B0806030902050204" pitchFamily="34" charset="0"/>
+            </a:endParaRPr>
+          </a:p>
+        </p:txBody>
+      </p:sp>
+      <p:sp>
+        <p:nvSpPr>
+          <p:cNvPr id="12" name="Rectangle: Diagonal Corners Snipped 11">
+            <a:extLst>
+              <a:ext uri="{FF2B5EF4-FFF2-40B4-BE49-F238E27FC236}">
+                <a16:creationId xmlns:a16="http://schemas.microsoft.com/office/drawing/2014/main" id="{0C29FEFA-FE5D-4772-93E1-63E5C8758F04}"/>
+              </a:ext>
+            </a:extLst>
+          </p:cNvPr>
+          <p:cNvSpPr/>
+          <p:nvPr/>
+        </p:nvSpPr>
+        <p:spPr>
+          <a:xfrm rot="10800000">
+            <a:off x="10738872" y="5953927"/>
             <a:ext cx="1757927" cy="579598"/>
           </a:xfrm>
           <a:prstGeom prst="snip2DiagRect">
@@ -22443,10 +22638,10 @@
       </p:sp>
       <p:sp>
         <p:nvSpPr>
-          <p:cNvPr id="22" name="TextBox 21">
-            <a:extLst>
-              <a:ext uri="{FF2B5EF4-FFF2-40B4-BE49-F238E27FC236}">
-                <a16:creationId xmlns:a16="http://schemas.microsoft.com/office/drawing/2014/main" id="{3BF0ADAB-2E25-4DFE-A509-7CDF1A777D2D}"/>
+          <p:cNvPr id="13" name="TextBox 12">
+            <a:extLst>
+              <a:ext uri="{FF2B5EF4-FFF2-40B4-BE49-F238E27FC236}">
+                <a16:creationId xmlns:a16="http://schemas.microsoft.com/office/drawing/2014/main" id="{97936128-CFA4-4292-BC22-2B56B2C9B409}"/>
               </a:ext>
             </a:extLst>
           </p:cNvPr>
@@ -22455,114 +22650,7 @@
         </p:nvSpPr>
         <p:spPr>
           <a:xfrm>
-            <a:off x="-223443" y="5948691"/>
-            <a:ext cx="1588814" cy="584775"/>
-          </a:xfrm>
-          <a:prstGeom prst="rect">
-            <a:avLst/>
-          </a:prstGeom>
-          <a:noFill/>
-        </p:spPr>
-        <p:txBody>
-          <a:bodyPr wrap="square" rtlCol="0">
-            <a:spAutoFit/>
-          </a:bodyPr>
-          <a:lstStyle/>
-          <a:p>
-            <a:pPr algn="ctr"/>
-            <a:r>
-              <a:rPr lang="en-US" sz="3200" u="sng" spc="300" dirty="0">
-                <a:solidFill>
-                  <a:srgbClr val="C00000"/>
-                </a:solidFill>
-                <a:latin typeface="Impact" panose="020B0806030902050204" pitchFamily="34" charset="0"/>
-              </a:rPr>
-              <a:t>Back</a:t>
-            </a:r>
-            <a:endParaRPr lang="en-US" sz="8000" u="sng" spc="300" dirty="0">
-              <a:solidFill>
-                <a:srgbClr val="C00000"/>
-              </a:solidFill>
-              <a:latin typeface="Impact" panose="020B0806030902050204" pitchFamily="34" charset="0"/>
-            </a:endParaRPr>
-          </a:p>
-        </p:txBody>
-      </p:sp>
-      <p:sp>
-        <p:nvSpPr>
-          <p:cNvPr id="23" name="Rectangle: Diagonal Corners Snipped 22">
-            <a:extLst>
-              <a:ext uri="{FF2B5EF4-FFF2-40B4-BE49-F238E27FC236}">
-                <a16:creationId xmlns:a16="http://schemas.microsoft.com/office/drawing/2014/main" id="{A3D14158-FA68-4F0A-B172-DBF0297E6299}"/>
-              </a:ext>
-            </a:extLst>
-          </p:cNvPr>
-          <p:cNvSpPr/>
-          <p:nvPr/>
-        </p:nvSpPr>
-        <p:spPr>
-          <a:xfrm rot="10800000">
-            <a:off x="10738872" y="5947621"/>
-            <a:ext cx="1757927" cy="579598"/>
-          </a:xfrm>
-          <a:prstGeom prst="snip2DiagRect">
-            <a:avLst>
-              <a:gd name="adj1" fmla="val 50000"/>
-              <a:gd name="adj2" fmla="val 0"/>
-            </a:avLst>
-          </a:prstGeom>
-          <a:solidFill>
-            <a:schemeClr val="tx1">
-              <a:alpha val="60000"/>
-            </a:schemeClr>
-          </a:solidFill>
-          <a:ln w="95250">
-            <a:solidFill>
-              <a:schemeClr val="bg1"/>
-            </a:solidFill>
-          </a:ln>
-          <a:effectLst/>
-        </p:spPr>
-        <p:style>
-          <a:lnRef idx="2">
-            <a:schemeClr val="accent1">
-              <a:shade val="50000"/>
-            </a:schemeClr>
-          </a:lnRef>
-          <a:fillRef idx="1">
-            <a:schemeClr val="accent1"/>
-          </a:fillRef>
-          <a:effectRef idx="0">
-            <a:schemeClr val="accent1"/>
-          </a:effectRef>
-          <a:fontRef idx="minor">
-            <a:schemeClr val="lt1"/>
-          </a:fontRef>
-        </p:style>
-        <p:txBody>
-          <a:bodyPr rtlCol="0" anchor="ctr"/>
-          <a:lstStyle/>
-          <a:p>
-            <a:pPr algn="ctr"/>
-            <a:endParaRPr lang="en-US" dirty="0"/>
-          </a:p>
-        </p:txBody>
-      </p:sp>
-      <p:sp>
-        <p:nvSpPr>
-          <p:cNvPr id="24" name="TextBox 23">
-            <a:extLst>
-              <a:ext uri="{FF2B5EF4-FFF2-40B4-BE49-F238E27FC236}">
-                <a16:creationId xmlns:a16="http://schemas.microsoft.com/office/drawing/2014/main" id="{A0E36ED7-446F-4183-B4AF-14C5C1E01967}"/>
-              </a:ext>
-            </a:extLst>
-          </p:cNvPr>
-          <p:cNvSpPr txBox="1"/>
-          <p:nvPr/>
-        </p:nvSpPr>
-        <p:spPr>
-          <a:xfrm>
-            <a:off x="10817937" y="5947623"/>
+            <a:off x="10817937" y="5953929"/>
             <a:ext cx="1588814" cy="584775"/>
           </a:xfrm>
           <a:prstGeom prst="rect">
@@ -22598,7 +22686,7 @@
     </p:spTree>
     <p:extLst>
       <p:ext uri="{BB962C8B-B14F-4D97-AF65-F5344CB8AC3E}">
-        <p14:creationId xmlns:p14="http://schemas.microsoft.com/office/powerpoint/2010/main" val="4280215800"/>
+        <p14:creationId xmlns:p14="http://schemas.microsoft.com/office/powerpoint/2010/main" val="2500660209"/>
       </p:ext>
     </p:extLst>
   </p:cSld>
@@ -23045,10 +23133,10 @@
       </p:sp>
       <p:sp>
         <p:nvSpPr>
-          <p:cNvPr id="21" name="Rectangle: Diagonal Corners Snipped 20">
-            <a:extLst>
-              <a:ext uri="{FF2B5EF4-FFF2-40B4-BE49-F238E27FC236}">
-                <a16:creationId xmlns:a16="http://schemas.microsoft.com/office/drawing/2014/main" id="{55269FB2-D5C2-4595-A855-AF70120B482D}"/>
+          <p:cNvPr id="10" name="Rectangle: Diagonal Corners Snipped 9">
+            <a:extLst>
+              <a:ext uri="{FF2B5EF4-FFF2-40B4-BE49-F238E27FC236}">
+                <a16:creationId xmlns:a16="http://schemas.microsoft.com/office/drawing/2014/main" id="{65A8C782-3980-423F-B84B-DBC0B53376A7}"/>
               </a:ext>
             </a:extLst>
           </p:cNvPr>
@@ -23057,7 +23145,7 @@
         </p:nvSpPr>
         <p:spPr>
           <a:xfrm rot="10800000">
-            <a:off x="-302508" y="5948689"/>
+            <a:off x="-302508" y="5954995"/>
             <a:ext cx="1757927" cy="579598"/>
           </a:xfrm>
           <a:prstGeom prst="snip2DiagRect">
@@ -23105,10 +23193,10 @@
       </p:sp>
       <p:sp>
         <p:nvSpPr>
-          <p:cNvPr id="22" name="TextBox 21">
-            <a:extLst>
-              <a:ext uri="{FF2B5EF4-FFF2-40B4-BE49-F238E27FC236}">
-                <a16:creationId xmlns:a16="http://schemas.microsoft.com/office/drawing/2014/main" id="{3BF0ADAB-2E25-4DFE-A509-7CDF1A777D2D}"/>
+          <p:cNvPr id="11" name="TextBox 10">
+            <a:extLst>
+              <a:ext uri="{FF2B5EF4-FFF2-40B4-BE49-F238E27FC236}">
+                <a16:creationId xmlns:a16="http://schemas.microsoft.com/office/drawing/2014/main" id="{510C79EB-7E29-4A80-8F49-05D7D0CA8ADC}"/>
               </a:ext>
             </a:extLst>
           </p:cNvPr>
@@ -23117,7 +23205,7 @@
         </p:nvSpPr>
         <p:spPr>
           <a:xfrm>
-            <a:off x="-223443" y="5948691"/>
+            <a:off x="-223443" y="5954997"/>
             <a:ext cx="1588814" cy="584775"/>
           </a:xfrm>
           <a:prstGeom prst="rect">
@@ -23152,10 +23240,10 @@
       </p:sp>
       <p:sp>
         <p:nvSpPr>
-          <p:cNvPr id="23" name="Rectangle: Diagonal Corners Snipped 22">
-            <a:extLst>
-              <a:ext uri="{FF2B5EF4-FFF2-40B4-BE49-F238E27FC236}">
-                <a16:creationId xmlns:a16="http://schemas.microsoft.com/office/drawing/2014/main" id="{A3D14158-FA68-4F0A-B172-DBF0297E6299}"/>
+          <p:cNvPr id="12" name="Rectangle: Diagonal Corners Snipped 11">
+            <a:extLst>
+              <a:ext uri="{FF2B5EF4-FFF2-40B4-BE49-F238E27FC236}">
+                <a16:creationId xmlns:a16="http://schemas.microsoft.com/office/drawing/2014/main" id="{0C29FEFA-FE5D-4772-93E1-63E5C8758F04}"/>
               </a:ext>
             </a:extLst>
           </p:cNvPr>
@@ -23164,7 +23252,7 @@
         </p:nvSpPr>
         <p:spPr>
           <a:xfrm rot="10800000">
-            <a:off x="10738872" y="5947621"/>
+            <a:off x="10738872" y="5953927"/>
             <a:ext cx="1757927" cy="579598"/>
           </a:xfrm>
           <a:prstGeom prst="snip2DiagRect">
@@ -23180,7 +23268,7 @@
           </a:solidFill>
           <a:ln w="95250">
             <a:solidFill>
-              <a:schemeClr val="bg1"/>
+              <a:srgbClr val="2EEE53"/>
             </a:solidFill>
           </a:ln>
           <a:effectLst/>
@@ -23212,10 +23300,10 @@
       </p:sp>
       <p:sp>
         <p:nvSpPr>
-          <p:cNvPr id="24" name="TextBox 23">
-            <a:extLst>
-              <a:ext uri="{FF2B5EF4-FFF2-40B4-BE49-F238E27FC236}">
-                <a16:creationId xmlns:a16="http://schemas.microsoft.com/office/drawing/2014/main" id="{A0E36ED7-446F-4183-B4AF-14C5C1E01967}"/>
+          <p:cNvPr id="13" name="TextBox 12">
+            <a:extLst>
+              <a:ext uri="{FF2B5EF4-FFF2-40B4-BE49-F238E27FC236}">
+                <a16:creationId xmlns:a16="http://schemas.microsoft.com/office/drawing/2014/main" id="{97936128-CFA4-4292-BC22-2B56B2C9B409}"/>
               </a:ext>
             </a:extLst>
           </p:cNvPr>
@@ -23224,7 +23312,7 @@
         </p:nvSpPr>
         <p:spPr>
           <a:xfrm>
-            <a:off x="10817937" y="5947623"/>
+            <a:off x="10817937" y="5953929"/>
             <a:ext cx="1588814" cy="584775"/>
           </a:xfrm>
           <a:prstGeom prst="rect">
@@ -23240,7 +23328,7 @@
           <a:p>
             <a:pPr algn="ctr"/>
             <a:r>
-              <a:rPr lang="en-US" sz="3200" u="sng" spc="300" dirty="0">
+              <a:rPr lang="en-US" sz="3200" spc="300" dirty="0">
                 <a:solidFill>
                   <a:srgbClr val="2EEE53"/>
                 </a:solidFill>
@@ -23248,7 +23336,7 @@
               </a:rPr>
               <a:t>Next</a:t>
             </a:r>
-            <a:endParaRPr lang="en-US" sz="8000" u="sng" spc="300" dirty="0">
+            <a:endParaRPr lang="en-US" sz="8000" spc="300" dirty="0">
               <a:solidFill>
                 <a:srgbClr val="2EEE53"/>
               </a:solidFill>
@@ -23260,7 +23348,7 @@
     </p:spTree>
     <p:extLst>
       <p:ext uri="{BB962C8B-B14F-4D97-AF65-F5344CB8AC3E}">
-        <p14:creationId xmlns:p14="http://schemas.microsoft.com/office/powerpoint/2010/main" val="3684106355"/>
+        <p14:creationId xmlns:p14="http://schemas.microsoft.com/office/powerpoint/2010/main" val="3150822073"/>
       </p:ext>
     </p:extLst>
   </p:cSld>
@@ -23641,10 +23729,10 @@
       </p:sp>
       <p:sp>
         <p:nvSpPr>
-          <p:cNvPr id="21" name="Rectangle: Diagonal Corners Snipped 20">
-            <a:extLst>
-              <a:ext uri="{FF2B5EF4-FFF2-40B4-BE49-F238E27FC236}">
-                <a16:creationId xmlns:a16="http://schemas.microsoft.com/office/drawing/2014/main" id="{55269FB2-D5C2-4595-A855-AF70120B482D}"/>
+          <p:cNvPr id="10" name="Rectangle: Diagonal Corners Snipped 9">
+            <a:extLst>
+              <a:ext uri="{FF2B5EF4-FFF2-40B4-BE49-F238E27FC236}">
+                <a16:creationId xmlns:a16="http://schemas.microsoft.com/office/drawing/2014/main" id="{3B2BE778-0F8A-49CE-A52A-167A4932E381}"/>
               </a:ext>
             </a:extLst>
           </p:cNvPr>
@@ -23653,7 +23741,7 @@
         </p:nvSpPr>
         <p:spPr>
           <a:xfrm rot="10800000">
-            <a:off x="-302508" y="5948689"/>
+            <a:off x="-302508" y="5954995"/>
             <a:ext cx="1757927" cy="579598"/>
           </a:xfrm>
           <a:prstGeom prst="snip2DiagRect">
@@ -23701,10 +23789,10 @@
       </p:sp>
       <p:sp>
         <p:nvSpPr>
-          <p:cNvPr id="22" name="TextBox 21">
-            <a:extLst>
-              <a:ext uri="{FF2B5EF4-FFF2-40B4-BE49-F238E27FC236}">
-                <a16:creationId xmlns:a16="http://schemas.microsoft.com/office/drawing/2014/main" id="{3BF0ADAB-2E25-4DFE-A509-7CDF1A777D2D}"/>
+          <p:cNvPr id="11" name="TextBox 10">
+            <a:extLst>
+              <a:ext uri="{FF2B5EF4-FFF2-40B4-BE49-F238E27FC236}">
+                <a16:creationId xmlns:a16="http://schemas.microsoft.com/office/drawing/2014/main" id="{F8DAD0C2-D3AD-4E8F-B02C-3231936089B4}"/>
               </a:ext>
             </a:extLst>
           </p:cNvPr>
@@ -23713,7 +23801,7 @@
         </p:nvSpPr>
         <p:spPr>
           <a:xfrm>
-            <a:off x="-223443" y="5948691"/>
+            <a:off x="-223443" y="5954997"/>
             <a:ext cx="1588814" cy="584775"/>
           </a:xfrm>
           <a:prstGeom prst="rect">
@@ -23748,10 +23836,10 @@
       </p:sp>
       <p:sp>
         <p:nvSpPr>
-          <p:cNvPr id="8" name="Rectangle: Diagonal Corners Snipped 7">
-            <a:extLst>
-              <a:ext uri="{FF2B5EF4-FFF2-40B4-BE49-F238E27FC236}">
-                <a16:creationId xmlns:a16="http://schemas.microsoft.com/office/drawing/2014/main" id="{4519259A-A9B7-48EC-8927-CB55A1BAA4E4}"/>
+          <p:cNvPr id="12" name="Rectangle: Diagonal Corners Snipped 11">
+            <a:extLst>
+              <a:ext uri="{FF2B5EF4-FFF2-40B4-BE49-F238E27FC236}">
+                <a16:creationId xmlns:a16="http://schemas.microsoft.com/office/drawing/2014/main" id="{9841CBF8-39F4-4CA8-B29F-0EC1F9947B45}"/>
               </a:ext>
             </a:extLst>
           </p:cNvPr>
@@ -23760,7 +23848,7 @@
         </p:nvSpPr>
         <p:spPr>
           <a:xfrm rot="10800000">
-            <a:off x="10738872" y="5947621"/>
+            <a:off x="10738872" y="5953927"/>
             <a:ext cx="1757927" cy="579598"/>
           </a:xfrm>
           <a:prstGeom prst="snip2DiagRect">
@@ -23808,10 +23896,10 @@
       </p:sp>
       <p:sp>
         <p:nvSpPr>
-          <p:cNvPr id="9" name="TextBox 8">
-            <a:extLst>
-              <a:ext uri="{FF2B5EF4-FFF2-40B4-BE49-F238E27FC236}">
-                <a16:creationId xmlns:a16="http://schemas.microsoft.com/office/drawing/2014/main" id="{BB364E21-713D-4C78-89D3-BDDDED17861B}"/>
+          <p:cNvPr id="13" name="TextBox 12">
+            <a:extLst>
+              <a:ext uri="{FF2B5EF4-FFF2-40B4-BE49-F238E27FC236}">
+                <a16:creationId xmlns:a16="http://schemas.microsoft.com/office/drawing/2014/main" id="{F996EC19-C304-43F3-9DF5-2EB13CDA4AFD}"/>
               </a:ext>
             </a:extLst>
           </p:cNvPr>
@@ -23820,7 +23908,7 @@
         </p:nvSpPr>
         <p:spPr>
           <a:xfrm>
-            <a:off x="10817937" y="5947623"/>
+            <a:off x="10817937" y="5953929"/>
             <a:ext cx="1588814" cy="584775"/>
           </a:xfrm>
           <a:prstGeom prst="rect">
@@ -24237,10 +24325,10 @@
       </p:sp>
       <p:sp>
         <p:nvSpPr>
-          <p:cNvPr id="21" name="Rectangle: Diagonal Corners Snipped 20">
-            <a:extLst>
-              <a:ext uri="{FF2B5EF4-FFF2-40B4-BE49-F238E27FC236}">
-                <a16:creationId xmlns:a16="http://schemas.microsoft.com/office/drawing/2014/main" id="{55269FB2-D5C2-4595-A855-AF70120B482D}"/>
+          <p:cNvPr id="10" name="Rectangle: Diagonal Corners Snipped 9">
+            <a:extLst>
+              <a:ext uri="{FF2B5EF4-FFF2-40B4-BE49-F238E27FC236}">
+                <a16:creationId xmlns:a16="http://schemas.microsoft.com/office/drawing/2014/main" id="{3B2BE778-0F8A-49CE-A52A-167A4932E381}"/>
               </a:ext>
             </a:extLst>
           </p:cNvPr>
@@ -24249,7 +24337,114 @@
         </p:nvSpPr>
         <p:spPr>
           <a:xfrm rot="10800000">
-            <a:off x="-302508" y="5948689"/>
+            <a:off x="-302508" y="5954995"/>
+            <a:ext cx="1757927" cy="579598"/>
+          </a:xfrm>
+          <a:prstGeom prst="snip2DiagRect">
+            <a:avLst>
+              <a:gd name="adj1" fmla="val 50000"/>
+              <a:gd name="adj2" fmla="val 0"/>
+            </a:avLst>
+          </a:prstGeom>
+          <a:solidFill>
+            <a:schemeClr val="tx1">
+              <a:alpha val="60000"/>
+            </a:schemeClr>
+          </a:solidFill>
+          <a:ln w="95250">
+            <a:solidFill>
+              <a:srgbClr val="C00000"/>
+            </a:solidFill>
+          </a:ln>
+          <a:effectLst/>
+        </p:spPr>
+        <p:style>
+          <a:lnRef idx="2">
+            <a:schemeClr val="accent1">
+              <a:shade val="50000"/>
+            </a:schemeClr>
+          </a:lnRef>
+          <a:fillRef idx="1">
+            <a:schemeClr val="accent1"/>
+          </a:fillRef>
+          <a:effectRef idx="0">
+            <a:schemeClr val="accent1"/>
+          </a:effectRef>
+          <a:fontRef idx="minor">
+            <a:schemeClr val="lt1"/>
+          </a:fontRef>
+        </p:style>
+        <p:txBody>
+          <a:bodyPr rtlCol="0" anchor="ctr"/>
+          <a:lstStyle/>
+          <a:p>
+            <a:pPr algn="ctr"/>
+            <a:endParaRPr lang="en-US" dirty="0"/>
+          </a:p>
+        </p:txBody>
+      </p:sp>
+      <p:sp>
+        <p:nvSpPr>
+          <p:cNvPr id="11" name="TextBox 10">
+            <a:extLst>
+              <a:ext uri="{FF2B5EF4-FFF2-40B4-BE49-F238E27FC236}">
+                <a16:creationId xmlns:a16="http://schemas.microsoft.com/office/drawing/2014/main" id="{F8DAD0C2-D3AD-4E8F-B02C-3231936089B4}"/>
+              </a:ext>
+            </a:extLst>
+          </p:cNvPr>
+          <p:cNvSpPr txBox="1"/>
+          <p:nvPr/>
+        </p:nvSpPr>
+        <p:spPr>
+          <a:xfrm>
+            <a:off x="-223443" y="5954997"/>
+            <a:ext cx="1588814" cy="584775"/>
+          </a:xfrm>
+          <a:prstGeom prst="rect">
+            <a:avLst/>
+          </a:prstGeom>
+          <a:noFill/>
+        </p:spPr>
+        <p:txBody>
+          <a:bodyPr wrap="square" rtlCol="0">
+            <a:spAutoFit/>
+          </a:bodyPr>
+          <a:lstStyle/>
+          <a:p>
+            <a:pPr algn="ctr"/>
+            <a:r>
+              <a:rPr lang="en-US" sz="3200" spc="300" dirty="0">
+                <a:solidFill>
+                  <a:srgbClr val="C00000"/>
+                </a:solidFill>
+                <a:latin typeface="Impact" panose="020B0806030902050204" pitchFamily="34" charset="0"/>
+              </a:rPr>
+              <a:t>Back</a:t>
+            </a:r>
+            <a:endParaRPr lang="en-US" sz="8000" spc="300" dirty="0">
+              <a:solidFill>
+                <a:srgbClr val="C00000"/>
+              </a:solidFill>
+              <a:latin typeface="Impact" panose="020B0806030902050204" pitchFamily="34" charset="0"/>
+            </a:endParaRPr>
+          </a:p>
+        </p:txBody>
+      </p:sp>
+      <p:sp>
+        <p:nvSpPr>
+          <p:cNvPr id="12" name="Rectangle: Diagonal Corners Snipped 11">
+            <a:extLst>
+              <a:ext uri="{FF2B5EF4-FFF2-40B4-BE49-F238E27FC236}">
+                <a16:creationId xmlns:a16="http://schemas.microsoft.com/office/drawing/2014/main" id="{9841CBF8-39F4-4CA8-B29F-0EC1F9947B45}"/>
+              </a:ext>
+            </a:extLst>
+          </p:cNvPr>
+          <p:cNvSpPr/>
+          <p:nvPr/>
+        </p:nvSpPr>
+        <p:spPr>
+          <a:xfrm rot="10800000">
+            <a:off x="10738872" y="5953927"/>
             <a:ext cx="1757927" cy="579598"/>
           </a:xfrm>
           <a:prstGeom prst="snip2DiagRect">
@@ -24297,10 +24492,10 @@
       </p:sp>
       <p:sp>
         <p:nvSpPr>
-          <p:cNvPr id="22" name="TextBox 21">
-            <a:extLst>
-              <a:ext uri="{FF2B5EF4-FFF2-40B4-BE49-F238E27FC236}">
-                <a16:creationId xmlns:a16="http://schemas.microsoft.com/office/drawing/2014/main" id="{3BF0ADAB-2E25-4DFE-A509-7CDF1A777D2D}"/>
+          <p:cNvPr id="13" name="TextBox 12">
+            <a:extLst>
+              <a:ext uri="{FF2B5EF4-FFF2-40B4-BE49-F238E27FC236}">
+                <a16:creationId xmlns:a16="http://schemas.microsoft.com/office/drawing/2014/main" id="{F996EC19-C304-43F3-9DF5-2EB13CDA4AFD}"/>
               </a:ext>
             </a:extLst>
           </p:cNvPr>
@@ -24309,114 +24504,7 @@
         </p:nvSpPr>
         <p:spPr>
           <a:xfrm>
-            <a:off x="-223443" y="5948691"/>
-            <a:ext cx="1588814" cy="584775"/>
-          </a:xfrm>
-          <a:prstGeom prst="rect">
-            <a:avLst/>
-          </a:prstGeom>
-          <a:noFill/>
-        </p:spPr>
-        <p:txBody>
-          <a:bodyPr wrap="square" rtlCol="0">
-            <a:spAutoFit/>
-          </a:bodyPr>
-          <a:lstStyle/>
-          <a:p>
-            <a:pPr algn="ctr"/>
-            <a:r>
-              <a:rPr lang="en-US" sz="3200" u="sng" spc="300" dirty="0">
-                <a:solidFill>
-                  <a:srgbClr val="C00000"/>
-                </a:solidFill>
-                <a:latin typeface="Impact" panose="020B0806030902050204" pitchFamily="34" charset="0"/>
-              </a:rPr>
-              <a:t>Back</a:t>
-            </a:r>
-            <a:endParaRPr lang="en-US" sz="8000" u="sng" spc="300" dirty="0">
-              <a:solidFill>
-                <a:srgbClr val="C00000"/>
-              </a:solidFill>
-              <a:latin typeface="Impact" panose="020B0806030902050204" pitchFamily="34" charset="0"/>
-            </a:endParaRPr>
-          </a:p>
-        </p:txBody>
-      </p:sp>
-      <p:sp>
-        <p:nvSpPr>
-          <p:cNvPr id="8" name="Rectangle: Diagonal Corners Snipped 7">
-            <a:extLst>
-              <a:ext uri="{FF2B5EF4-FFF2-40B4-BE49-F238E27FC236}">
-                <a16:creationId xmlns:a16="http://schemas.microsoft.com/office/drawing/2014/main" id="{4519259A-A9B7-48EC-8927-CB55A1BAA4E4}"/>
-              </a:ext>
-            </a:extLst>
-          </p:cNvPr>
-          <p:cNvSpPr/>
-          <p:nvPr/>
-        </p:nvSpPr>
-        <p:spPr>
-          <a:xfrm rot="10800000">
-            <a:off x="10738872" y="5947621"/>
-            <a:ext cx="1757927" cy="579598"/>
-          </a:xfrm>
-          <a:prstGeom prst="snip2DiagRect">
-            <a:avLst>
-              <a:gd name="adj1" fmla="val 50000"/>
-              <a:gd name="adj2" fmla="val 0"/>
-            </a:avLst>
-          </a:prstGeom>
-          <a:solidFill>
-            <a:schemeClr val="tx1">
-              <a:alpha val="60000"/>
-            </a:schemeClr>
-          </a:solidFill>
-          <a:ln w="95250">
-            <a:solidFill>
-              <a:schemeClr val="bg1"/>
-            </a:solidFill>
-          </a:ln>
-          <a:effectLst/>
-        </p:spPr>
-        <p:style>
-          <a:lnRef idx="2">
-            <a:schemeClr val="accent1">
-              <a:shade val="50000"/>
-            </a:schemeClr>
-          </a:lnRef>
-          <a:fillRef idx="1">
-            <a:schemeClr val="accent1"/>
-          </a:fillRef>
-          <a:effectRef idx="0">
-            <a:schemeClr val="accent1"/>
-          </a:effectRef>
-          <a:fontRef idx="minor">
-            <a:schemeClr val="lt1"/>
-          </a:fontRef>
-        </p:style>
-        <p:txBody>
-          <a:bodyPr rtlCol="0" anchor="ctr"/>
-          <a:lstStyle/>
-          <a:p>
-            <a:pPr algn="ctr"/>
-            <a:endParaRPr lang="en-US" dirty="0"/>
-          </a:p>
-        </p:txBody>
-      </p:sp>
-      <p:sp>
-        <p:nvSpPr>
-          <p:cNvPr id="9" name="TextBox 8">
-            <a:extLst>
-              <a:ext uri="{FF2B5EF4-FFF2-40B4-BE49-F238E27FC236}">
-                <a16:creationId xmlns:a16="http://schemas.microsoft.com/office/drawing/2014/main" id="{BB364E21-713D-4C78-89D3-BDDDED17861B}"/>
-              </a:ext>
-            </a:extLst>
-          </p:cNvPr>
-          <p:cNvSpPr txBox="1"/>
-          <p:nvPr/>
-        </p:nvSpPr>
-        <p:spPr>
-          <a:xfrm>
-            <a:off x="10817937" y="5947623"/>
+            <a:off x="10817937" y="5953929"/>
             <a:ext cx="1588814" cy="584775"/>
           </a:xfrm>
           <a:prstGeom prst="rect">
@@ -24452,7 +24540,7 @@
     </p:spTree>
     <p:extLst>
       <p:ext uri="{BB962C8B-B14F-4D97-AF65-F5344CB8AC3E}">
-        <p14:creationId xmlns:p14="http://schemas.microsoft.com/office/powerpoint/2010/main" val="589736928"/>
+        <p14:creationId xmlns:p14="http://schemas.microsoft.com/office/powerpoint/2010/main" val="3654868393"/>
       </p:ext>
     </p:extLst>
   </p:cSld>

--- a/JPGs/Presentation1.pptx
+++ b/JPGs/Presentation1.pptx
@@ -417,7 +417,7 @@
           <a:p>
             <a:fld id="{3201D0F4-FCAE-4EF6-A237-A60763AE8455}" type="datetimeFigureOut">
               <a:rPr lang="en-US" smtClean="0"/>
-              <a:t>5/19/2019</a:t>
+              <a:t>5/20/2019</a:t>
             </a:fld>
             <a:endParaRPr lang="en-US"/>
           </a:p>
@@ -615,7 +615,7 @@
           <a:p>
             <a:fld id="{3201D0F4-FCAE-4EF6-A237-A60763AE8455}" type="datetimeFigureOut">
               <a:rPr lang="en-US" smtClean="0"/>
-              <a:t>5/19/2019</a:t>
+              <a:t>5/20/2019</a:t>
             </a:fld>
             <a:endParaRPr lang="en-US"/>
           </a:p>
@@ -823,7 +823,7 @@
           <a:p>
             <a:fld id="{3201D0F4-FCAE-4EF6-A237-A60763AE8455}" type="datetimeFigureOut">
               <a:rPr lang="en-US" smtClean="0"/>
-              <a:t>5/19/2019</a:t>
+              <a:t>5/20/2019</a:t>
             </a:fld>
             <a:endParaRPr lang="en-US"/>
           </a:p>
@@ -1021,7 +1021,7 @@
           <a:p>
             <a:fld id="{3201D0F4-FCAE-4EF6-A237-A60763AE8455}" type="datetimeFigureOut">
               <a:rPr lang="en-US" smtClean="0"/>
-              <a:t>5/19/2019</a:t>
+              <a:t>5/20/2019</a:t>
             </a:fld>
             <a:endParaRPr lang="en-US"/>
           </a:p>
@@ -1296,7 +1296,7 @@
           <a:p>
             <a:fld id="{3201D0F4-FCAE-4EF6-A237-A60763AE8455}" type="datetimeFigureOut">
               <a:rPr lang="en-US" smtClean="0"/>
-              <a:t>5/19/2019</a:t>
+              <a:t>5/20/2019</a:t>
             </a:fld>
             <a:endParaRPr lang="en-US"/>
           </a:p>
@@ -1561,7 +1561,7 @@
           <a:p>
             <a:fld id="{3201D0F4-FCAE-4EF6-A237-A60763AE8455}" type="datetimeFigureOut">
               <a:rPr lang="en-US" smtClean="0"/>
-              <a:t>5/19/2019</a:t>
+              <a:t>5/20/2019</a:t>
             </a:fld>
             <a:endParaRPr lang="en-US"/>
           </a:p>
@@ -1973,7 +1973,7 @@
           <a:p>
             <a:fld id="{3201D0F4-FCAE-4EF6-A237-A60763AE8455}" type="datetimeFigureOut">
               <a:rPr lang="en-US" smtClean="0"/>
-              <a:t>5/19/2019</a:t>
+              <a:t>5/20/2019</a:t>
             </a:fld>
             <a:endParaRPr lang="en-US"/>
           </a:p>
@@ -2114,7 +2114,7 @@
           <a:p>
             <a:fld id="{3201D0F4-FCAE-4EF6-A237-A60763AE8455}" type="datetimeFigureOut">
               <a:rPr lang="en-US" smtClean="0"/>
-              <a:t>5/19/2019</a:t>
+              <a:t>5/20/2019</a:t>
             </a:fld>
             <a:endParaRPr lang="en-US"/>
           </a:p>
@@ -2227,7 +2227,7 @@
           <a:p>
             <a:fld id="{3201D0F4-FCAE-4EF6-A237-A60763AE8455}" type="datetimeFigureOut">
               <a:rPr lang="en-US" smtClean="0"/>
-              <a:t>5/19/2019</a:t>
+              <a:t>5/20/2019</a:t>
             </a:fld>
             <a:endParaRPr lang="en-US"/>
           </a:p>
@@ -2538,7 +2538,7 @@
           <a:p>
             <a:fld id="{3201D0F4-FCAE-4EF6-A237-A60763AE8455}" type="datetimeFigureOut">
               <a:rPr lang="en-US" smtClean="0"/>
-              <a:t>5/19/2019</a:t>
+              <a:t>5/20/2019</a:t>
             </a:fld>
             <a:endParaRPr lang="en-US"/>
           </a:p>
@@ -2826,7 +2826,7 @@
           <a:p>
             <a:fld id="{3201D0F4-FCAE-4EF6-A237-A60763AE8455}" type="datetimeFigureOut">
               <a:rPr lang="en-US" smtClean="0"/>
-              <a:t>5/19/2019</a:t>
+              <a:t>5/20/2019</a:t>
             </a:fld>
             <a:endParaRPr lang="en-US"/>
           </a:p>
@@ -3076,7 +3076,7 @@
           <a:p>
             <a:fld id="{3201D0F4-FCAE-4EF6-A237-A60763AE8455}" type="datetimeFigureOut">
               <a:rPr lang="en-US" smtClean="0"/>
-              <a:t>5/19/2019</a:t>
+              <a:t>5/20/2019</a:t>
             </a:fld>
             <a:endParaRPr lang="en-US"/>
           </a:p>
@@ -21323,7 +21323,7 @@
         <p:spPr>
           <a:xfrm>
             <a:off x="-60960" y="0"/>
-            <a:ext cx="12313920" cy="1323439"/>
+            <a:ext cx="12313920" cy="1938992"/>
           </a:xfrm>
           <a:prstGeom prst="rect">
             <a:avLst/>
@@ -21344,6 +21344,35 @@
                 <a:latin typeface="Impact" panose="020B0806030902050204" pitchFamily="34" charset="0"/>
               </a:rPr>
               <a:t>A B C D E F G H I J K L M N O P Q R S T U V W X Y Z</a:t>
+            </a:r>
+          </a:p>
+          <a:p>
+            <a:r>
+              <a:rPr lang="en-US" sz="4000" spc="300" dirty="0">
+                <a:solidFill>
+                  <a:srgbClr val="2EEE53"/>
+                </a:solidFill>
+                <a:latin typeface="Impact" panose="020B0806030902050204" pitchFamily="34" charset="0"/>
+              </a:rPr>
+              <a:t>a b c d e f g h </a:t>
+            </a:r>
+            <a:r>
+              <a:rPr lang="en-US" sz="4000" spc="300" dirty="0" err="1">
+                <a:solidFill>
+                  <a:srgbClr val="2EEE53"/>
+                </a:solidFill>
+                <a:latin typeface="Impact" panose="020B0806030902050204" pitchFamily="34" charset="0"/>
+              </a:rPr>
+              <a:t>i</a:t>
+            </a:r>
+            <a:r>
+              <a:rPr lang="en-US" sz="4000" spc="300" dirty="0">
+                <a:solidFill>
+                  <a:srgbClr val="2EEE53"/>
+                </a:solidFill>
+                <a:latin typeface="Impact" panose="020B0806030902050204" pitchFamily="34" charset="0"/>
+              </a:rPr>
+              <a:t> j k l m n o p q r s t u v w x y z</a:t>
             </a:r>
           </a:p>
           <a:p>
